--- a/design/ant_board.pptx
+++ b/design/ant_board.pptx
@@ -12,7 +12,8 @@
     <p:sldId id="259" r:id="rId6"/>
     <p:sldId id="261" r:id="rId7"/>
     <p:sldId id="265" r:id="rId8"/>
-    <p:sldId id="266" r:id="rId9"/>
+    <p:sldId id="267" r:id="rId9"/>
+    <p:sldId id="266" r:id="rId10"/>
   </p:sldIdLst>
   <p:sldSz cx="12192000" cy="6858000"/>
   <p:notesSz cx="6858000" cy="9144000"/>
@@ -39532,8 +39533,1206 @@
         </p:nvSpPr>
         <p:spPr>
           <a:xfrm>
+            <a:off x="6172181" y="117693"/>
+            <a:ext cx="5629959" cy="6001643"/>
+          </a:xfrm>
+          <a:prstGeom prst="rect">
+            <a:avLst/>
+          </a:prstGeom>
+          <a:noFill/>
+        </p:spPr>
+        <p:txBody>
+          <a:bodyPr wrap="square" rtlCol="0">
+            <a:spAutoFit/>
+          </a:bodyPr>
+          <a:lstStyle/>
+          <a:p>
+            <a:r>
+              <a:rPr lang="en-US" sz="1600" dirty="0"/>
+              <a:t>4. Ant will now calculate P and G rows, starting with P LSB-&gt;MSB, using formula:</a:t>
+            </a:r>
+          </a:p>
+          <a:p>
+            <a:r>
+              <a:rPr lang="en-US" sz="1600" dirty="0"/>
+              <a:t>	P</a:t>
+            </a:r>
+            <a:r>
+              <a:rPr lang="en-US" sz="1600" baseline="-25000" dirty="0"/>
+              <a:t>i </a:t>
+            </a:r>
+            <a:r>
+              <a:rPr lang="en-US" sz="1600" dirty="0"/>
+              <a:t>= A</a:t>
+            </a:r>
+            <a:r>
+              <a:rPr lang="en-US" sz="1600" baseline="-25000" dirty="0"/>
+              <a:t>i </a:t>
+            </a:r>
+            <a:r>
+              <a:rPr lang="en-US" sz="1600" dirty="0"/>
+              <a:t>AND B</a:t>
+            </a:r>
+            <a:r>
+              <a:rPr lang="en-US" sz="1600" baseline="-25000" dirty="0"/>
+              <a:t>i</a:t>
+            </a:r>
+            <a:r>
+              <a:rPr lang="en-US" sz="1600" dirty="0"/>
+              <a:t> ?</a:t>
+            </a:r>
+          </a:p>
+          <a:p>
+            <a:r>
+              <a:rPr lang="en-US" sz="1600" dirty="0"/>
+              <a:t>5. Memory row reserved for each Pi; filled in except for read-ready and value.</a:t>
+            </a:r>
+          </a:p>
+          <a:p>
+            <a:r>
+              <a:rPr lang="en-US" sz="1600" dirty="0"/>
+              <a:t>6. Each ‘calculation’ takes one trip to </a:t>
+            </a:r>
+            <a:r>
+              <a:rPr lang="en-US" sz="1600" dirty="0" err="1"/>
+              <a:t>iff</a:t>
+            </a:r>
+            <a:r>
+              <a:rPr lang="en-US" sz="1600" dirty="0"/>
+              <a:t> gate, requiring up to three grains (two for input, another to try and pass through with).</a:t>
+            </a:r>
+          </a:p>
+          <a:p>
+            <a:r>
+              <a:rPr lang="en-US" sz="1600" dirty="0"/>
+              <a:t>7. The result is added to row ‘value’ for Pi, and ‘read-ready’ is checked.</a:t>
+            </a:r>
+          </a:p>
+          <a:p>
+            <a:r>
+              <a:rPr lang="en-US" sz="1600" dirty="0"/>
+              <a:t>8. When the P row is filled in, the ant starts with G in the same vein using the AND gate. AND grains are loaded, pins are closed, and ant records if he can pass through.</a:t>
+            </a:r>
+          </a:p>
+          <a:p>
+            <a:r>
+              <a:rPr lang="en-US" sz="1600" dirty="0"/>
+              <a:t>9. (G,P) for each </a:t>
+            </a:r>
+            <a:r>
+              <a:rPr lang="en-US" sz="1600" dirty="0" err="1"/>
+              <a:t>i</a:t>
+            </a:r>
+            <a:r>
+              <a:rPr lang="en-US" sz="1600" dirty="0"/>
+              <a:t> now calculated.</a:t>
+            </a:r>
+          </a:p>
+          <a:p>
+            <a:r>
+              <a:rPr lang="en-US" sz="1600" dirty="0"/>
+              <a:t>10. Ant then calculates P</a:t>
+            </a:r>
+            <a:r>
+              <a:rPr lang="en-US" sz="1600" baseline="-25000" dirty="0"/>
+              <a:t>1-0</a:t>
+            </a:r>
+            <a:r>
+              <a:rPr lang="en-US" sz="1600" dirty="0"/>
+              <a:t>, P</a:t>
+            </a:r>
+            <a:r>
+              <a:rPr lang="en-US" sz="1600" baseline="-25000" dirty="0"/>
+              <a:t>3-2 </a:t>
+            </a:r>
+            <a:r>
+              <a:rPr lang="en-US" sz="1600" dirty="0"/>
+              <a:t>, and P</a:t>
+            </a:r>
+            <a:r>
+              <a:rPr lang="en-US" sz="1600" baseline="-25000" dirty="0"/>
+              <a:t>3-0  </a:t>
+            </a:r>
+            <a:r>
+              <a:rPr lang="en-US" sz="1600" dirty="0"/>
+              <a:t>(AND gate)</a:t>
+            </a:r>
+          </a:p>
+          <a:p>
+            <a:r>
+              <a:rPr lang="en-US" sz="1600" dirty="0"/>
+              <a:t>11. Ant then calculates G</a:t>
+            </a:r>
+            <a:r>
+              <a:rPr lang="en-US" sz="1600" baseline="-25000" dirty="0"/>
+              <a:t>1-0</a:t>
+            </a:r>
+            <a:r>
+              <a:rPr lang="en-US" sz="1600" dirty="0"/>
+              <a:t> , G</a:t>
+            </a:r>
+            <a:r>
+              <a:rPr lang="en-US" sz="1600" baseline="-25000" dirty="0"/>
+              <a:t>3-2 </a:t>
+            </a:r>
+            <a:r>
+              <a:rPr lang="en-US" sz="1600" dirty="0"/>
+              <a:t>, and G</a:t>
+            </a:r>
+            <a:r>
+              <a:rPr lang="en-US" sz="1600" baseline="-25000" dirty="0"/>
+              <a:t>3-0 </a:t>
+            </a:r>
+            <a:r>
+              <a:rPr lang="en-US" sz="1600" dirty="0"/>
+              <a:t>(OR/AND gate)</a:t>
+            </a:r>
+          </a:p>
+          <a:p>
+            <a:r>
+              <a:rPr lang="en-ZA" sz="1600" dirty="0"/>
+              <a:t>12. Ant then calculates P</a:t>
+            </a:r>
+            <a:r>
+              <a:rPr lang="en-ZA" sz="1600" baseline="-25000" dirty="0"/>
+              <a:t>2:0</a:t>
+            </a:r>
+            <a:r>
+              <a:rPr lang="en-ZA" sz="1600" dirty="0"/>
+              <a:t> small using P</a:t>
+            </a:r>
+            <a:r>
+              <a:rPr lang="en-ZA" sz="1600" baseline="-25000" dirty="0"/>
+              <a:t>2</a:t>
+            </a:r>
+            <a:r>
+              <a:rPr lang="en-ZA" sz="1600" dirty="0"/>
+              <a:t> and P</a:t>
+            </a:r>
+            <a:r>
+              <a:rPr lang="en-ZA" sz="1600" baseline="-25000" dirty="0"/>
+              <a:t>1:0</a:t>
+            </a:r>
+            <a:r>
+              <a:rPr lang="en-ZA" sz="1600" dirty="0"/>
+              <a:t> at AND gate</a:t>
+            </a:r>
+          </a:p>
+          <a:p>
+            <a:r>
+              <a:rPr lang="en-ZA" sz="1600" dirty="0"/>
+              <a:t>13. And then calculates G</a:t>
+            </a:r>
+            <a:r>
+              <a:rPr lang="en-ZA" sz="1600" baseline="-25000" dirty="0"/>
+              <a:t>2:0</a:t>
+            </a:r>
+            <a:r>
+              <a:rPr lang="en-ZA" sz="1600" dirty="0"/>
+              <a:t> small using G</a:t>
+            </a:r>
+            <a:r>
+              <a:rPr lang="en-ZA" sz="1600" baseline="-25000" dirty="0"/>
+              <a:t>2</a:t>
+            </a:r>
+            <a:r>
+              <a:rPr lang="en-ZA" sz="1600" dirty="0"/>
+              <a:t>, P</a:t>
+            </a:r>
+            <a:r>
+              <a:rPr lang="en-ZA" sz="1600" baseline="-25000" dirty="0"/>
+              <a:t>2</a:t>
+            </a:r>
+            <a:r>
+              <a:rPr lang="en-ZA" sz="1600" dirty="0"/>
+              <a:t>, and G</a:t>
+            </a:r>
+            <a:r>
+              <a:rPr lang="en-ZA" sz="1600" baseline="-25000" dirty="0"/>
+              <a:t>1:0</a:t>
+            </a:r>
+            <a:r>
+              <a:rPr lang="en-ZA" sz="1600" dirty="0"/>
+              <a:t> at OR/AND gate.</a:t>
+            </a:r>
+            <a:endParaRPr lang="en-ZA" sz="1600" baseline="-25000" dirty="0"/>
+          </a:p>
+          <a:p>
+            <a:r>
+              <a:rPr lang="en-ZA" sz="1600" dirty="0"/>
+              <a:t>14. All (G,P) values are now known.</a:t>
+            </a:r>
+          </a:p>
+          <a:p>
+            <a:r>
+              <a:rPr lang="en-ZA" sz="1600" dirty="0"/>
+              <a:t>15. Each carry determined at OR/AND gate</a:t>
+            </a:r>
+          </a:p>
+          <a:p>
+            <a:r>
+              <a:rPr lang="en-ZA" sz="1600" dirty="0"/>
+              <a:t>16. Finally, all S</a:t>
+            </a:r>
+            <a:r>
+              <a:rPr lang="en-ZA" sz="1600" baseline="-25000" dirty="0"/>
+              <a:t>i </a:t>
+            </a:r>
+            <a:r>
+              <a:rPr lang="en-ZA" sz="1600" dirty="0"/>
+              <a:t>calculated at </a:t>
+            </a:r>
+            <a:r>
+              <a:rPr lang="en-ZA" sz="1600" dirty="0" err="1"/>
+              <a:t>iff</a:t>
+            </a:r>
+            <a:r>
+              <a:rPr lang="en-ZA" sz="1600" dirty="0"/>
+              <a:t> gate.</a:t>
+            </a:r>
+          </a:p>
+          <a:p>
+            <a:r>
+              <a:rPr lang="en-ZA" sz="1600" dirty="0"/>
+              <a:t>17. Each Si is then carried to output binary space, and when full, our decimal is displayed.</a:t>
+            </a:r>
+          </a:p>
+        </p:txBody>
+      </p:sp>
+      <p:sp>
+        <p:nvSpPr>
+          <p:cNvPr id="4" name="TextBox 3">
+            <a:extLst>
+              <a:ext uri="{FF2B5EF4-FFF2-40B4-BE49-F238E27FC236}">
+                <a16:creationId xmlns:a16="http://schemas.microsoft.com/office/drawing/2014/main" id="{C2B0032D-9D3B-F613-EA02-3518C3DCADC0}"/>
+              </a:ext>
+            </a:extLst>
+          </p:cNvPr>
+          <p:cNvSpPr txBox="1"/>
+          <p:nvPr/>
+        </p:nvSpPr>
+        <p:spPr>
+          <a:xfrm>
+            <a:off x="3504128" y="5388262"/>
+            <a:ext cx="331517" cy="369332"/>
+          </a:xfrm>
+          <a:prstGeom prst="rect">
+            <a:avLst/>
+          </a:prstGeom>
+          <a:noFill/>
+        </p:spPr>
+        <p:txBody>
+          <a:bodyPr wrap="square" rtlCol="0">
+            <a:spAutoFit/>
+          </a:bodyPr>
+          <a:lstStyle/>
+          <a:p>
+            <a:r>
+              <a:rPr lang="en-US" dirty="0"/>
+              <a:t>A</a:t>
+            </a:r>
+            <a:endParaRPr lang="en-ZA" dirty="0"/>
+          </a:p>
+        </p:txBody>
+      </p:sp>
+      <p:sp>
+        <p:nvSpPr>
+          <p:cNvPr id="5" name="TextBox 4">
+            <a:extLst>
+              <a:ext uri="{FF2B5EF4-FFF2-40B4-BE49-F238E27FC236}">
+                <a16:creationId xmlns:a16="http://schemas.microsoft.com/office/drawing/2014/main" id="{EA9AE8F4-D432-F24E-CF08-DB47AC043181}"/>
+              </a:ext>
+            </a:extLst>
+          </p:cNvPr>
+          <p:cNvSpPr txBox="1"/>
+          <p:nvPr/>
+        </p:nvSpPr>
+        <p:spPr>
+          <a:xfrm>
+            <a:off x="3517690" y="5814028"/>
+            <a:ext cx="331517" cy="369332"/>
+          </a:xfrm>
+          <a:prstGeom prst="rect">
+            <a:avLst/>
+          </a:prstGeom>
+          <a:noFill/>
+        </p:spPr>
+        <p:txBody>
+          <a:bodyPr wrap="square" rtlCol="0">
+            <a:spAutoFit/>
+          </a:bodyPr>
+          <a:lstStyle/>
+          <a:p>
+            <a:r>
+              <a:rPr lang="en-US" dirty="0"/>
+              <a:t>B</a:t>
+            </a:r>
+            <a:endParaRPr lang="en-ZA" dirty="0"/>
+          </a:p>
+        </p:txBody>
+      </p:sp>
+      <p:cxnSp>
+        <p:nvCxnSpPr>
+          <p:cNvPr id="2" name="Straight Arrow Connector 1">
+            <a:extLst>
+              <a:ext uri="{FF2B5EF4-FFF2-40B4-BE49-F238E27FC236}">
+                <a16:creationId xmlns:a16="http://schemas.microsoft.com/office/drawing/2014/main" id="{DD51E239-8D31-76EC-EB9D-0D16E3C747DA}"/>
+              </a:ext>
+            </a:extLst>
+          </p:cNvPr>
+          <p:cNvCxnSpPr>
+            <a:cxnSpLocks/>
+          </p:cNvCxnSpPr>
+          <p:nvPr/>
+        </p:nvCxnSpPr>
+        <p:spPr>
+          <a:xfrm flipV="1">
+            <a:off x="4200498" y="2852928"/>
+            <a:ext cx="1895502" cy="2694875"/>
+          </a:xfrm>
+          <a:prstGeom prst="straightConnector1">
+            <a:avLst/>
+          </a:prstGeom>
+          <a:ln w="31750">
+            <a:tailEnd type="stealth" w="lg" len="lg"/>
+          </a:ln>
+        </p:spPr>
+        <p:style>
+          <a:lnRef idx="2">
+            <a:schemeClr val="accent1"/>
+          </a:lnRef>
+          <a:fillRef idx="0">
+            <a:schemeClr val="accent1"/>
+          </a:fillRef>
+          <a:effectRef idx="1">
+            <a:schemeClr val="accent1"/>
+          </a:effectRef>
+          <a:fontRef idx="minor">
+            <a:schemeClr val="tx1"/>
+          </a:fontRef>
+        </p:style>
+      </p:cxnSp>
+    </p:spTree>
+    <p:extLst>
+      <p:ext uri="{BB962C8B-B14F-4D97-AF65-F5344CB8AC3E}">
+        <p14:creationId xmlns:p14="http://schemas.microsoft.com/office/powerpoint/2010/main" val="2482782629"/>
+      </p:ext>
+    </p:extLst>
+  </p:cSld>
+  <p:clrMapOvr>
+    <a:masterClrMapping/>
+  </p:clrMapOvr>
+</p:sld>
+</file>
+
+<file path=ppt/slides/slide8.xml><?xml version="1.0" encoding="utf-8"?>
+<p:sld xmlns:a="http://schemas.openxmlformats.org/drawingml/2006/main" xmlns:r="http://schemas.openxmlformats.org/officeDocument/2006/relationships" xmlns:p="http://schemas.openxmlformats.org/presentationml/2006/main">
+  <p:cSld>
+    <p:spTree>
+      <p:nvGrpSpPr>
+        <p:cNvPr id="1" name="">
+          <a:extLst>
+            <a:ext uri="{FF2B5EF4-FFF2-40B4-BE49-F238E27FC236}">
+              <a16:creationId xmlns:a16="http://schemas.microsoft.com/office/drawing/2014/main" id="{3949734B-601A-93AB-6178-10AE58110BBF}"/>
+            </a:ext>
+          </a:extLst>
+        </p:cNvPr>
+        <p:cNvGrpSpPr/>
+        <p:nvPr/>
+      </p:nvGrpSpPr>
+      <p:grpSpPr>
+        <a:xfrm>
+          <a:off x="0" y="0"/>
+          <a:ext cx="0" cy="0"/>
+          <a:chOff x="0" y="0"/>
+          <a:chExt cx="0" cy="0"/>
+        </a:xfrm>
+      </p:grpSpPr>
+      <p:sp>
+        <p:nvSpPr>
+          <p:cNvPr id="9" name="Rectangle 8">
+            <a:extLst>
+              <a:ext uri="{FF2B5EF4-FFF2-40B4-BE49-F238E27FC236}">
+                <a16:creationId xmlns:a16="http://schemas.microsoft.com/office/drawing/2014/main" id="{FF95196F-10EE-7597-5CC0-37F5242E9711}"/>
+              </a:ext>
+            </a:extLst>
+          </p:cNvPr>
+          <p:cNvSpPr/>
+          <p:nvPr/>
+        </p:nvSpPr>
+        <p:spPr>
+          <a:xfrm>
+            <a:off x="523532" y="3960041"/>
+            <a:ext cx="4041648" cy="369333"/>
+          </a:xfrm>
+          <a:prstGeom prst="rect">
+            <a:avLst/>
+          </a:prstGeom>
+          <a:noFill/>
+        </p:spPr>
+        <p:style>
+          <a:lnRef idx="2">
+            <a:schemeClr val="accent1">
+              <a:shade val="15000"/>
+            </a:schemeClr>
+          </a:lnRef>
+          <a:fillRef idx="1">
+            <a:schemeClr val="accent1"/>
+          </a:fillRef>
+          <a:effectRef idx="0">
+            <a:schemeClr val="accent1"/>
+          </a:effectRef>
+          <a:fontRef idx="minor">
+            <a:schemeClr val="lt1"/>
+          </a:fontRef>
+        </p:style>
+        <p:txBody>
+          <a:bodyPr rtlCol="0" anchor="ctr"/>
+          <a:lstStyle/>
+          <a:p>
+            <a:pPr algn="ctr"/>
+            <a:endParaRPr lang="en-ZA" dirty="0"/>
+          </a:p>
+        </p:txBody>
+      </p:sp>
+      <p:cxnSp>
+        <p:nvCxnSpPr>
+          <p:cNvPr id="11" name="Straight Connector 10">
+            <a:extLst>
+              <a:ext uri="{FF2B5EF4-FFF2-40B4-BE49-F238E27FC236}">
+                <a16:creationId xmlns:a16="http://schemas.microsoft.com/office/drawing/2014/main" id="{B3C94D41-88CE-F546-12DD-0A00B623BD3C}"/>
+              </a:ext>
+            </a:extLst>
+          </p:cNvPr>
+          <p:cNvCxnSpPr>
+            <a:cxnSpLocks/>
+            <a:stCxn id="9" idx="0"/>
+            <a:endCxn id="9" idx="2"/>
+          </p:cNvCxnSpPr>
+          <p:nvPr/>
+        </p:nvCxnSpPr>
+        <p:spPr>
+          <a:xfrm>
+            <a:off x="2544356" y="3960041"/>
+            <a:ext cx="0" cy="369333"/>
+          </a:xfrm>
+          <a:prstGeom prst="line">
+            <a:avLst/>
+          </a:prstGeom>
+        </p:spPr>
+        <p:style>
+          <a:lnRef idx="2">
+            <a:schemeClr val="accent1"/>
+          </a:lnRef>
+          <a:fillRef idx="0">
+            <a:schemeClr val="accent1"/>
+          </a:fillRef>
+          <a:effectRef idx="1">
+            <a:schemeClr val="accent1"/>
+          </a:effectRef>
+          <a:fontRef idx="minor">
+            <a:schemeClr val="tx1"/>
+          </a:fontRef>
+        </p:style>
+      </p:cxnSp>
+      <p:sp>
+        <p:nvSpPr>
+          <p:cNvPr id="13" name="TextBox 12">
+            <a:extLst>
+              <a:ext uri="{FF2B5EF4-FFF2-40B4-BE49-F238E27FC236}">
+                <a16:creationId xmlns:a16="http://schemas.microsoft.com/office/drawing/2014/main" id="{AF8DF9A6-CA62-91B8-F14D-1D6188F60F0A}"/>
+              </a:ext>
+            </a:extLst>
+          </p:cNvPr>
+          <p:cNvSpPr txBox="1"/>
+          <p:nvPr/>
+        </p:nvSpPr>
+        <p:spPr>
+          <a:xfrm>
+            <a:off x="1214340" y="3543008"/>
+            <a:ext cx="2981231" cy="369332"/>
+          </a:xfrm>
+          <a:prstGeom prst="rect">
+            <a:avLst/>
+          </a:prstGeom>
+          <a:noFill/>
+        </p:spPr>
+        <p:txBody>
+          <a:bodyPr wrap="square" rtlCol="0">
+            <a:spAutoFit/>
+          </a:bodyPr>
+          <a:lstStyle/>
+          <a:p>
+            <a:r>
+              <a:rPr lang="en-US" dirty="0"/>
+              <a:t>Input numbers in decimal</a:t>
+            </a:r>
+            <a:endParaRPr lang="en-ZA" dirty="0"/>
+          </a:p>
+        </p:txBody>
+      </p:sp>
+      <p:sp>
+        <p:nvSpPr>
+          <p:cNvPr id="22" name="TextBox 21">
+            <a:extLst>
+              <a:ext uri="{FF2B5EF4-FFF2-40B4-BE49-F238E27FC236}">
+                <a16:creationId xmlns:a16="http://schemas.microsoft.com/office/drawing/2014/main" id="{50379C87-5B31-A89A-5812-6311D7F9F3D7}"/>
+              </a:ext>
+            </a:extLst>
+          </p:cNvPr>
+          <p:cNvSpPr txBox="1"/>
+          <p:nvPr/>
+        </p:nvSpPr>
+        <p:spPr>
+          <a:xfrm>
+            <a:off x="523533" y="3950110"/>
+            <a:ext cx="1954432" cy="307777"/>
+          </a:xfrm>
+          <a:prstGeom prst="rect">
+            <a:avLst/>
+          </a:prstGeom>
+          <a:noFill/>
+        </p:spPr>
+        <p:txBody>
+          <a:bodyPr wrap="square">
+            <a:spAutoFit/>
+          </a:bodyPr>
+          <a:lstStyle/>
+          <a:p>
+            <a:r>
+              <a:rPr lang="en-US" sz="1400" dirty="0"/>
+              <a:t>*some number A* </a:t>
+            </a:r>
+            <a:r>
+              <a:rPr lang="en-US" sz="1400" dirty="0" err="1"/>
+              <a:t>eg</a:t>
+            </a:r>
+            <a:r>
+              <a:rPr lang="en-US" sz="1400" dirty="0"/>
+              <a:t> 5</a:t>
+            </a:r>
+            <a:endParaRPr lang="en-ZA" sz="1400" dirty="0"/>
+          </a:p>
+        </p:txBody>
+      </p:sp>
+      <p:sp>
+        <p:nvSpPr>
+          <p:cNvPr id="23" name="TextBox 22">
+            <a:extLst>
+              <a:ext uri="{FF2B5EF4-FFF2-40B4-BE49-F238E27FC236}">
+                <a16:creationId xmlns:a16="http://schemas.microsoft.com/office/drawing/2014/main" id="{A9CD8C1F-5A40-AB89-7D70-1A3F04540381}"/>
+              </a:ext>
+            </a:extLst>
+          </p:cNvPr>
+          <p:cNvSpPr txBox="1"/>
+          <p:nvPr/>
+        </p:nvSpPr>
+        <p:spPr>
+          <a:xfrm>
+            <a:off x="2593497" y="3969973"/>
+            <a:ext cx="1954432" cy="307777"/>
+          </a:xfrm>
+          <a:prstGeom prst="rect">
+            <a:avLst/>
+          </a:prstGeom>
+          <a:noFill/>
+        </p:spPr>
+        <p:txBody>
+          <a:bodyPr wrap="square">
+            <a:spAutoFit/>
+          </a:bodyPr>
+          <a:lstStyle/>
+          <a:p>
+            <a:r>
+              <a:rPr lang="en-US" sz="1400" dirty="0"/>
+              <a:t>*some number B* </a:t>
+            </a:r>
+            <a:r>
+              <a:rPr lang="en-US" sz="1400" dirty="0" err="1"/>
+              <a:t>eg</a:t>
+            </a:r>
+            <a:r>
+              <a:rPr lang="en-US" sz="1400" dirty="0"/>
+              <a:t> 3</a:t>
+            </a:r>
+            <a:endParaRPr lang="en-ZA" sz="1400" dirty="0"/>
+          </a:p>
+        </p:txBody>
+      </p:sp>
+      <p:sp>
+        <p:nvSpPr>
+          <p:cNvPr id="58" name="Rectangle 57">
+            <a:extLst>
+              <a:ext uri="{FF2B5EF4-FFF2-40B4-BE49-F238E27FC236}">
+                <a16:creationId xmlns:a16="http://schemas.microsoft.com/office/drawing/2014/main" id="{9760CA99-2D7D-6E65-5459-75C6CCC97BD6}"/>
+              </a:ext>
+            </a:extLst>
+          </p:cNvPr>
+          <p:cNvSpPr/>
+          <p:nvPr/>
+        </p:nvSpPr>
+        <p:spPr>
+          <a:xfrm>
+            <a:off x="404095" y="3429000"/>
+            <a:ext cx="4347827" cy="1040808"/>
+          </a:xfrm>
+          <a:prstGeom prst="rect">
+            <a:avLst/>
+          </a:prstGeom>
+          <a:noFill/>
+        </p:spPr>
+        <p:style>
+          <a:lnRef idx="2">
+            <a:schemeClr val="accent1">
+              <a:shade val="15000"/>
+            </a:schemeClr>
+          </a:lnRef>
+          <a:fillRef idx="1">
+            <a:schemeClr val="accent1"/>
+          </a:fillRef>
+          <a:effectRef idx="0">
+            <a:schemeClr val="accent1"/>
+          </a:effectRef>
+          <a:fontRef idx="minor">
+            <a:schemeClr val="lt1"/>
+          </a:fontRef>
+        </p:style>
+        <p:txBody>
+          <a:bodyPr rtlCol="0" anchor="ctr"/>
+          <a:lstStyle/>
+          <a:p>
+            <a:pPr algn="ctr"/>
+            <a:endParaRPr lang="en-ZA"/>
+          </a:p>
+        </p:txBody>
+      </p:sp>
+      <p:sp>
+        <p:nvSpPr>
+          <p:cNvPr id="77" name="TextBox 76">
+            <a:extLst>
+              <a:ext uri="{FF2B5EF4-FFF2-40B4-BE49-F238E27FC236}">
+                <a16:creationId xmlns:a16="http://schemas.microsoft.com/office/drawing/2014/main" id="{DE4ECC24-2951-1F0B-8852-66A8FFAD75F1}"/>
+              </a:ext>
+            </a:extLst>
+          </p:cNvPr>
+          <p:cNvSpPr txBox="1"/>
+          <p:nvPr/>
+        </p:nvSpPr>
+        <p:spPr>
+          <a:xfrm>
+            <a:off x="72580" y="101423"/>
+            <a:ext cx="5010859" cy="584775"/>
+          </a:xfrm>
+          <a:prstGeom prst="rect">
+            <a:avLst/>
+          </a:prstGeom>
+          <a:noFill/>
+        </p:spPr>
+        <p:txBody>
+          <a:bodyPr wrap="none" rtlCol="0">
+            <a:spAutoFit/>
+          </a:bodyPr>
+          <a:lstStyle/>
+          <a:p>
+            <a:r>
+              <a:rPr lang="en-US" sz="3200" b="1" dirty="0"/>
+              <a:t>Procedure assuming 1 ant</a:t>
+            </a:r>
+            <a:endParaRPr lang="en-ZA" sz="3200" b="1" dirty="0"/>
+          </a:p>
+        </p:txBody>
+      </p:sp>
+      <p:graphicFrame>
+        <p:nvGraphicFramePr>
+          <p:cNvPr id="78" name="Table 77">
+            <a:extLst>
+              <a:ext uri="{FF2B5EF4-FFF2-40B4-BE49-F238E27FC236}">
+                <a16:creationId xmlns:a16="http://schemas.microsoft.com/office/drawing/2014/main" id="{AF662931-4E5D-F47C-5CE2-5E4E9F3CA604}"/>
+              </a:ext>
+            </a:extLst>
+          </p:cNvPr>
+          <p:cNvGraphicFramePr>
+            <a:graphicFrameLocks noGrp="1"/>
+          </p:cNvGraphicFramePr>
+          <p:nvPr/>
+        </p:nvGraphicFramePr>
+        <p:xfrm>
+          <a:off x="415730" y="5403292"/>
+          <a:ext cx="3050380" cy="741680"/>
+        </p:xfrm>
+        <a:graphic>
+          <a:graphicData uri="http://schemas.openxmlformats.org/drawingml/2006/table">
+            <a:tbl>
+              <a:tblPr firstRow="1" bandRow="1">
+                <a:tableStyleId>{5C22544A-7EE6-4342-B048-85BDC9FD1C3A}</a:tableStyleId>
+              </a:tblPr>
+              <a:tblGrid>
+                <a:gridCol w="762595">
+                  <a:extLst>
+                    <a:ext uri="{9D8B030D-6E8A-4147-A177-3AD203B41FA5}">
+                      <a16:colId xmlns:a16="http://schemas.microsoft.com/office/drawing/2014/main" val="2619294768"/>
+                    </a:ext>
+                  </a:extLst>
+                </a:gridCol>
+                <a:gridCol w="762595">
+                  <a:extLst>
+                    <a:ext uri="{9D8B030D-6E8A-4147-A177-3AD203B41FA5}">
+                      <a16:colId xmlns:a16="http://schemas.microsoft.com/office/drawing/2014/main" val="2109130621"/>
+                    </a:ext>
+                  </a:extLst>
+                </a:gridCol>
+                <a:gridCol w="762595">
+                  <a:extLst>
+                    <a:ext uri="{9D8B030D-6E8A-4147-A177-3AD203B41FA5}">
+                      <a16:colId xmlns:a16="http://schemas.microsoft.com/office/drawing/2014/main" val="4100099907"/>
+                    </a:ext>
+                  </a:extLst>
+                </a:gridCol>
+                <a:gridCol w="762595">
+                  <a:extLst>
+                    <a:ext uri="{9D8B030D-6E8A-4147-A177-3AD203B41FA5}">
+                      <a16:colId xmlns:a16="http://schemas.microsoft.com/office/drawing/2014/main" val="3812259087"/>
+                    </a:ext>
+                  </a:extLst>
+                </a:gridCol>
+              </a:tblGrid>
+              <a:tr h="370840">
+                <a:tc>
+                  <a:txBody>
+                    <a:bodyPr/>
+                    <a:lstStyle/>
+                    <a:p>
+                      <a:r>
+                        <a:rPr lang="en-US" dirty="0"/>
+                        <a:t>0</a:t>
+                      </a:r>
+                      <a:endParaRPr lang="en-ZA" dirty="0"/>
+                    </a:p>
+                  </a:txBody>
+                  <a:tcPr/>
+                </a:tc>
+                <a:tc>
+                  <a:txBody>
+                    <a:bodyPr/>
+                    <a:lstStyle/>
+                    <a:p>
+                      <a:r>
+                        <a:rPr lang="en-US" dirty="0"/>
+                        <a:t>1</a:t>
+                      </a:r>
+                      <a:endParaRPr lang="en-ZA" dirty="0"/>
+                    </a:p>
+                  </a:txBody>
+                  <a:tcPr/>
+                </a:tc>
+                <a:tc>
+                  <a:txBody>
+                    <a:bodyPr/>
+                    <a:lstStyle/>
+                    <a:p>
+                      <a:r>
+                        <a:rPr lang="en-US" dirty="0"/>
+                        <a:t>0</a:t>
+                      </a:r>
+                      <a:endParaRPr lang="en-ZA" dirty="0"/>
+                    </a:p>
+                  </a:txBody>
+                  <a:tcPr/>
+                </a:tc>
+                <a:tc>
+                  <a:txBody>
+                    <a:bodyPr/>
+                    <a:lstStyle/>
+                    <a:p>
+                      <a:r>
+                        <a:rPr lang="en-US" dirty="0"/>
+                        <a:t>1</a:t>
+                      </a:r>
+                      <a:endParaRPr lang="en-ZA" dirty="0"/>
+                    </a:p>
+                  </a:txBody>
+                  <a:tcPr/>
+                </a:tc>
+                <a:extLst>
+                  <a:ext uri="{0D108BD9-81ED-4DB2-BD59-A6C34878D82A}">
+                    <a16:rowId xmlns:a16="http://schemas.microsoft.com/office/drawing/2014/main" val="1124948310"/>
+                  </a:ext>
+                </a:extLst>
+              </a:tr>
+              <a:tr h="370840">
+                <a:tc>
+                  <a:txBody>
+                    <a:bodyPr/>
+                    <a:lstStyle/>
+                    <a:p>
+                      <a:endParaRPr lang="en-ZA" dirty="0"/>
+                    </a:p>
+                  </a:txBody>
+                  <a:tcPr/>
+                </a:tc>
+                <a:tc>
+                  <a:txBody>
+                    <a:bodyPr/>
+                    <a:lstStyle/>
+                    <a:p>
+                      <a:endParaRPr lang="en-ZA" dirty="0"/>
+                    </a:p>
+                  </a:txBody>
+                  <a:tcPr/>
+                </a:tc>
+                <a:tc>
+                  <a:txBody>
+                    <a:bodyPr/>
+                    <a:lstStyle/>
+                    <a:p>
+                      <a:endParaRPr lang="en-ZA" dirty="0"/>
+                    </a:p>
+                  </a:txBody>
+                  <a:tcPr/>
+                </a:tc>
+                <a:tc>
+                  <a:txBody>
+                    <a:bodyPr/>
+                    <a:lstStyle/>
+                    <a:p>
+                      <a:endParaRPr lang="en-ZA" dirty="0"/>
+                    </a:p>
+                  </a:txBody>
+                  <a:tcPr/>
+                </a:tc>
+                <a:extLst>
+                  <a:ext uri="{0D108BD9-81ED-4DB2-BD59-A6C34878D82A}">
+                    <a16:rowId xmlns:a16="http://schemas.microsoft.com/office/drawing/2014/main" val="1458825775"/>
+                  </a:ext>
+                </a:extLst>
+              </a:tr>
+            </a:tbl>
+          </a:graphicData>
+        </a:graphic>
+      </p:graphicFrame>
+      <p:graphicFrame>
+        <p:nvGraphicFramePr>
+          <p:cNvPr id="79" name="Table 78">
+            <a:extLst>
+              <a:ext uri="{FF2B5EF4-FFF2-40B4-BE49-F238E27FC236}">
+                <a16:creationId xmlns:a16="http://schemas.microsoft.com/office/drawing/2014/main" id="{A1A4CB27-E9AF-2CA2-E443-42A2E494A508}"/>
+              </a:ext>
+            </a:extLst>
+          </p:cNvPr>
+          <p:cNvGraphicFramePr>
+            <a:graphicFrameLocks noGrp="1"/>
+          </p:cNvGraphicFramePr>
+          <p:nvPr/>
+        </p:nvGraphicFramePr>
+        <p:xfrm>
+          <a:off x="415730" y="5812520"/>
+          <a:ext cx="3050380" cy="370840"/>
+        </p:xfrm>
+        <a:graphic>
+          <a:graphicData uri="http://schemas.openxmlformats.org/drawingml/2006/table">
+            <a:tbl>
+              <a:tblPr firstRow="1" bandRow="1">
+                <a:tableStyleId>{5C22544A-7EE6-4342-B048-85BDC9FD1C3A}</a:tableStyleId>
+              </a:tblPr>
+              <a:tblGrid>
+                <a:gridCol w="762595">
+                  <a:extLst>
+                    <a:ext uri="{9D8B030D-6E8A-4147-A177-3AD203B41FA5}">
+                      <a16:colId xmlns:a16="http://schemas.microsoft.com/office/drawing/2014/main" val="2619294768"/>
+                    </a:ext>
+                  </a:extLst>
+                </a:gridCol>
+                <a:gridCol w="762595">
+                  <a:extLst>
+                    <a:ext uri="{9D8B030D-6E8A-4147-A177-3AD203B41FA5}">
+                      <a16:colId xmlns:a16="http://schemas.microsoft.com/office/drawing/2014/main" val="2109130621"/>
+                    </a:ext>
+                  </a:extLst>
+                </a:gridCol>
+                <a:gridCol w="762595">
+                  <a:extLst>
+                    <a:ext uri="{9D8B030D-6E8A-4147-A177-3AD203B41FA5}">
+                      <a16:colId xmlns:a16="http://schemas.microsoft.com/office/drawing/2014/main" val="4100099907"/>
+                    </a:ext>
+                  </a:extLst>
+                </a:gridCol>
+                <a:gridCol w="762595">
+                  <a:extLst>
+                    <a:ext uri="{9D8B030D-6E8A-4147-A177-3AD203B41FA5}">
+                      <a16:colId xmlns:a16="http://schemas.microsoft.com/office/drawing/2014/main" val="3812259087"/>
+                    </a:ext>
+                  </a:extLst>
+                </a:gridCol>
+              </a:tblGrid>
+              <a:tr h="370840">
+                <a:tc>
+                  <a:txBody>
+                    <a:bodyPr/>
+                    <a:lstStyle/>
+                    <a:p>
+                      <a:r>
+                        <a:rPr lang="en-US" dirty="0"/>
+                        <a:t>0</a:t>
+                      </a:r>
+                      <a:endParaRPr lang="en-ZA" dirty="0"/>
+                    </a:p>
+                  </a:txBody>
+                  <a:tcPr/>
+                </a:tc>
+                <a:tc>
+                  <a:txBody>
+                    <a:bodyPr/>
+                    <a:lstStyle/>
+                    <a:p>
+                      <a:r>
+                        <a:rPr lang="en-US" dirty="0"/>
+                        <a:t>0</a:t>
+                      </a:r>
+                      <a:endParaRPr lang="en-ZA" dirty="0"/>
+                    </a:p>
+                  </a:txBody>
+                  <a:tcPr/>
+                </a:tc>
+                <a:tc>
+                  <a:txBody>
+                    <a:bodyPr/>
+                    <a:lstStyle/>
+                    <a:p>
+                      <a:r>
+                        <a:rPr lang="en-US" dirty="0"/>
+                        <a:t>1</a:t>
+                      </a:r>
+                      <a:endParaRPr lang="en-ZA" dirty="0"/>
+                    </a:p>
+                  </a:txBody>
+                  <a:tcPr/>
+                </a:tc>
+                <a:tc>
+                  <a:txBody>
+                    <a:bodyPr/>
+                    <a:lstStyle/>
+                    <a:p>
+                      <a:r>
+                        <a:rPr lang="en-US" dirty="0"/>
+                        <a:t>1</a:t>
+                      </a:r>
+                      <a:endParaRPr lang="en-ZA" dirty="0"/>
+                    </a:p>
+                  </a:txBody>
+                  <a:tcPr/>
+                </a:tc>
+                <a:extLst>
+                  <a:ext uri="{0D108BD9-81ED-4DB2-BD59-A6C34878D82A}">
+                    <a16:rowId xmlns:a16="http://schemas.microsoft.com/office/drawing/2014/main" val="1124948310"/>
+                  </a:ext>
+                </a:extLst>
+              </a:tr>
+            </a:tbl>
+          </a:graphicData>
+        </a:graphic>
+      </p:graphicFrame>
+      <p:sp>
+        <p:nvSpPr>
+          <p:cNvPr id="81" name="TextBox 80">
+            <a:extLst>
+              <a:ext uri="{FF2B5EF4-FFF2-40B4-BE49-F238E27FC236}">
+                <a16:creationId xmlns:a16="http://schemas.microsoft.com/office/drawing/2014/main" id="{B48CB437-1231-E624-4379-67E7D559BF3C}"/>
+              </a:ext>
+            </a:extLst>
+          </p:cNvPr>
+          <p:cNvSpPr txBox="1"/>
+          <p:nvPr/>
+        </p:nvSpPr>
+        <p:spPr>
+          <a:xfrm>
+            <a:off x="360716" y="5018930"/>
+            <a:ext cx="2981231" cy="369332"/>
+          </a:xfrm>
+          <a:prstGeom prst="rect">
+            <a:avLst/>
+          </a:prstGeom>
+          <a:noFill/>
+        </p:spPr>
+        <p:txBody>
+          <a:bodyPr wrap="square" rtlCol="0">
+            <a:spAutoFit/>
+          </a:bodyPr>
+          <a:lstStyle/>
+          <a:p>
+            <a:r>
+              <a:rPr lang="en-US" dirty="0"/>
+              <a:t>Input numbers in binary</a:t>
+            </a:r>
+            <a:endParaRPr lang="en-ZA" dirty="0"/>
+          </a:p>
+        </p:txBody>
+      </p:sp>
+      <p:cxnSp>
+        <p:nvCxnSpPr>
+          <p:cNvPr id="83" name="Straight Arrow Connector 82">
+            <a:extLst>
+              <a:ext uri="{FF2B5EF4-FFF2-40B4-BE49-F238E27FC236}">
+                <a16:creationId xmlns:a16="http://schemas.microsoft.com/office/drawing/2014/main" id="{DE88530C-87DD-95D9-AE63-78C79C10BAEB}"/>
+              </a:ext>
+            </a:extLst>
+          </p:cNvPr>
+          <p:cNvCxnSpPr>
+            <a:cxnSpLocks/>
+          </p:cNvCxnSpPr>
+          <p:nvPr/>
+        </p:nvCxnSpPr>
+        <p:spPr>
+          <a:xfrm>
+            <a:off x="2065375" y="4507497"/>
+            <a:ext cx="0" cy="419581"/>
+          </a:xfrm>
+          <a:prstGeom prst="straightConnector1">
+            <a:avLst/>
+          </a:prstGeom>
+          <a:ln w="31750">
+            <a:tailEnd type="stealth" w="lg" len="lg"/>
+          </a:ln>
+        </p:spPr>
+        <p:style>
+          <a:lnRef idx="2">
+            <a:schemeClr val="accent1"/>
+          </a:lnRef>
+          <a:fillRef idx="0">
+            <a:schemeClr val="accent1"/>
+          </a:fillRef>
+          <a:effectRef idx="1">
+            <a:schemeClr val="accent1"/>
+          </a:effectRef>
+          <a:fontRef idx="minor">
+            <a:schemeClr val="tx1"/>
+          </a:fontRef>
+        </p:style>
+      </p:cxnSp>
+      <p:sp>
+        <p:nvSpPr>
+          <p:cNvPr id="85" name="Rectangle 84">
+            <a:extLst>
+              <a:ext uri="{FF2B5EF4-FFF2-40B4-BE49-F238E27FC236}">
+                <a16:creationId xmlns:a16="http://schemas.microsoft.com/office/drawing/2014/main" id="{3EAA690E-BDA6-8A68-59F1-11A3816F720C}"/>
+              </a:ext>
+            </a:extLst>
+          </p:cNvPr>
+          <p:cNvSpPr/>
+          <p:nvPr/>
+        </p:nvSpPr>
+        <p:spPr>
+          <a:xfrm>
+            <a:off x="311916" y="4976716"/>
+            <a:ext cx="3588871" cy="1365387"/>
+          </a:xfrm>
+          <a:prstGeom prst="rect">
+            <a:avLst/>
+          </a:prstGeom>
+          <a:noFill/>
+        </p:spPr>
+        <p:style>
+          <a:lnRef idx="2">
+            <a:schemeClr val="accent1">
+              <a:shade val="15000"/>
+            </a:schemeClr>
+          </a:lnRef>
+          <a:fillRef idx="1">
+            <a:schemeClr val="accent1"/>
+          </a:fillRef>
+          <a:effectRef idx="0">
+            <a:schemeClr val="accent1"/>
+          </a:effectRef>
+          <a:fontRef idx="minor">
+            <a:schemeClr val="lt1"/>
+          </a:fontRef>
+        </p:style>
+        <p:txBody>
+          <a:bodyPr rtlCol="0" anchor="ctr"/>
+          <a:lstStyle/>
+          <a:p>
+            <a:pPr algn="ctr"/>
+            <a:endParaRPr lang="en-ZA"/>
+          </a:p>
+        </p:txBody>
+      </p:sp>
+      <p:sp>
+        <p:nvSpPr>
+          <p:cNvPr id="86" name="TextBox 85">
+            <a:extLst>
+              <a:ext uri="{FF2B5EF4-FFF2-40B4-BE49-F238E27FC236}">
+                <a16:creationId xmlns:a16="http://schemas.microsoft.com/office/drawing/2014/main" id="{F1DF7BAD-E249-5E4A-3C0E-F1B9E36BF9BA}"/>
+              </a:ext>
+            </a:extLst>
+          </p:cNvPr>
+          <p:cNvSpPr txBox="1"/>
+          <p:nvPr/>
+        </p:nvSpPr>
+        <p:spPr>
+          <a:xfrm>
+            <a:off x="105487" y="1582910"/>
+            <a:ext cx="4865348" cy="2031325"/>
+          </a:xfrm>
+          <a:prstGeom prst="rect">
+            <a:avLst/>
+          </a:prstGeom>
+          <a:noFill/>
+        </p:spPr>
+        <p:txBody>
+          <a:bodyPr wrap="square" rtlCol="0">
+            <a:spAutoFit/>
+          </a:bodyPr>
+          <a:lstStyle/>
+          <a:p>
+            <a:pPr marL="342900" indent="-342900">
+              <a:buAutoNum type="arabicPeriod"/>
+            </a:pPr>
+            <a:r>
+              <a:rPr lang="en-US" dirty="0"/>
+              <a:t>Ant ‘looks at’ one of the two inputs.</a:t>
+            </a:r>
+          </a:p>
+          <a:p>
+            <a:pPr marL="342900" indent="-342900">
+              <a:buAutoNum type="arabicPeriod"/>
+            </a:pPr>
+            <a:r>
+              <a:rPr lang="en-US" dirty="0"/>
+              <a:t>It moves to the input table and begins to lay out ONE of the inputs, from LSB to MSB, fetching grains as needed.</a:t>
+            </a:r>
+          </a:p>
+          <a:p>
+            <a:pPr marL="342900" indent="-342900">
+              <a:buAutoNum type="arabicPeriod"/>
+            </a:pPr>
+            <a:r>
+              <a:rPr lang="en-US" dirty="0"/>
+              <a:t>Ant ‘looks’ at the other number, then does the same.</a:t>
+            </a:r>
+          </a:p>
+          <a:p>
+            <a:pPr marL="342900" indent="-342900">
+              <a:buAutoNum type="arabicPeriod"/>
+            </a:pPr>
+            <a:endParaRPr lang="en-ZA" dirty="0"/>
+          </a:p>
+        </p:txBody>
+      </p:sp>
+      <p:sp>
+        <p:nvSpPr>
+          <p:cNvPr id="3" name="TextBox 2">
+            <a:extLst>
+              <a:ext uri="{FF2B5EF4-FFF2-40B4-BE49-F238E27FC236}">
+                <a16:creationId xmlns:a16="http://schemas.microsoft.com/office/drawing/2014/main" id="{FC5DDD54-69D7-8D41-656F-0FE673D5666E}"/>
+              </a:ext>
+            </a:extLst>
+          </p:cNvPr>
+          <p:cNvSpPr txBox="1"/>
+          <p:nvPr/>
+        </p:nvSpPr>
+        <p:spPr>
+          <a:xfrm>
             <a:off x="6250125" y="403687"/>
-            <a:ext cx="4865348" cy="4524315"/>
+            <a:ext cx="4865348" cy="4801314"/>
           </a:xfrm>
           <a:prstGeom prst="rect">
             <a:avLst/>
@@ -39584,7 +40783,7 @@
           <a:p>
             <a:r>
               <a:rPr lang="en-US" dirty="0"/>
-              <a:t>5. Memory row reserved for Pi; filled in except for read-ready and value.</a:t>
+              <a:t>5. Memory row reserved for each Pi; filled in except for read-ready and value.</a:t>
             </a:r>
           </a:p>
           <a:p>
@@ -39604,13 +40803,27 @@
           <a:p>
             <a:r>
               <a:rPr lang="en-US" dirty="0"/>
-              <a:t>7. The result is added to value for Pi, and ‘read-ready’ is checked.</a:t>
+              <a:t>7. The result is added to row ‘value’ for Pi, and ‘read-ready’ is checked.</a:t>
             </a:r>
           </a:p>
           <a:p>
             <a:r>
               <a:rPr lang="en-US" dirty="0"/>
               <a:t>8. When the P row is filled in, the ant starts with G in the same vein using the AND gate. AND grains are loaded, pins are closed, and ant records if he can pass through.</a:t>
+            </a:r>
+          </a:p>
+          <a:p>
+            <a:r>
+              <a:rPr lang="en-US" dirty="0"/>
+              <a:t>9. (G,P) for each </a:t>
+            </a:r>
+            <a:r>
+              <a:rPr lang="en-US" dirty="0" err="1"/>
+              <a:t>i</a:t>
+            </a:r>
+            <a:r>
+              <a:rPr lang="en-US" dirty="0"/>
+              <a:t> now calculated.</a:t>
             </a:r>
           </a:p>
           <a:p>
@@ -39626,7 +40839,7 @@
           <p:cNvPr id="4" name="TextBox 3">
             <a:extLst>
               <a:ext uri="{FF2B5EF4-FFF2-40B4-BE49-F238E27FC236}">
-                <a16:creationId xmlns:a16="http://schemas.microsoft.com/office/drawing/2014/main" id="{C2B0032D-9D3B-F613-EA02-3518C3DCADC0}"/>
+                <a16:creationId xmlns:a16="http://schemas.microsoft.com/office/drawing/2014/main" id="{6EEEEDDE-506D-ECF3-2340-03868B448F83}"/>
               </a:ext>
             </a:extLst>
           </p:cNvPr>
@@ -39662,7 +40875,7 @@
           <p:cNvPr id="5" name="TextBox 4">
             <a:extLst>
               <a:ext uri="{FF2B5EF4-FFF2-40B4-BE49-F238E27FC236}">
-                <a16:creationId xmlns:a16="http://schemas.microsoft.com/office/drawing/2014/main" id="{EA9AE8F4-D432-F24E-CF08-DB47AC043181}"/>
+                <a16:creationId xmlns:a16="http://schemas.microsoft.com/office/drawing/2014/main" id="{A431B503-70BB-54F2-1288-E16CB6E3C21C}"/>
               </a:ext>
             </a:extLst>
           </p:cNvPr>
@@ -39693,10 +40906,51 @@
           </a:p>
         </p:txBody>
       </p:sp>
+      <p:cxnSp>
+        <p:nvCxnSpPr>
+          <p:cNvPr id="2" name="Straight Arrow Connector 1">
+            <a:extLst>
+              <a:ext uri="{FF2B5EF4-FFF2-40B4-BE49-F238E27FC236}">
+                <a16:creationId xmlns:a16="http://schemas.microsoft.com/office/drawing/2014/main" id="{ED3189BB-2B43-9CA2-0FBE-144426FD31AF}"/>
+              </a:ext>
+            </a:extLst>
+          </p:cNvPr>
+          <p:cNvCxnSpPr>
+            <a:cxnSpLocks/>
+          </p:cNvCxnSpPr>
+          <p:nvPr/>
+        </p:nvCxnSpPr>
+        <p:spPr>
+          <a:xfrm flipV="1">
+            <a:off x="4200498" y="2852928"/>
+            <a:ext cx="1895502" cy="2694875"/>
+          </a:xfrm>
+          <a:prstGeom prst="straightConnector1">
+            <a:avLst/>
+          </a:prstGeom>
+          <a:ln w="31750">
+            <a:tailEnd type="stealth" w="lg" len="lg"/>
+          </a:ln>
+        </p:spPr>
+        <p:style>
+          <a:lnRef idx="2">
+            <a:schemeClr val="accent1"/>
+          </a:lnRef>
+          <a:fillRef idx="0">
+            <a:schemeClr val="accent1"/>
+          </a:fillRef>
+          <a:effectRef idx="1">
+            <a:schemeClr val="accent1"/>
+          </a:effectRef>
+          <a:fontRef idx="minor">
+            <a:schemeClr val="tx1"/>
+          </a:fontRef>
+        </p:style>
+      </p:cxnSp>
     </p:spTree>
     <p:extLst>
       <p:ext uri="{BB962C8B-B14F-4D97-AF65-F5344CB8AC3E}">
-        <p14:creationId xmlns:p14="http://schemas.microsoft.com/office/powerpoint/2010/main" val="2482782629"/>
+        <p14:creationId xmlns:p14="http://schemas.microsoft.com/office/powerpoint/2010/main" val="2360561963"/>
       </p:ext>
     </p:extLst>
   </p:cSld>
@@ -39706,7 +40960,7 @@
 </p:sld>
 </file>
 
-<file path=ppt/slides/slide8.xml><?xml version="1.0" encoding="utf-8"?>
+<file path=ppt/slides/slide9.xml><?xml version="1.0" encoding="utf-8"?>
 <p:sld xmlns:a="http://schemas.openxmlformats.org/drawingml/2006/main" xmlns:r="http://schemas.openxmlformats.org/officeDocument/2006/relationships" xmlns:p="http://schemas.openxmlformats.org/presentationml/2006/main">
   <p:cSld>
     <p:spTree>

--- a/design/ant_board.pptx
+++ b/design/ant_board.pptx
@@ -12,8 +12,8 @@
     <p:sldId id="259" r:id="rId6"/>
     <p:sldId id="261" r:id="rId7"/>
     <p:sldId id="265" r:id="rId8"/>
-    <p:sldId id="267" r:id="rId9"/>
-    <p:sldId id="266" r:id="rId10"/>
+    <p:sldId id="266" r:id="rId9"/>
+    <p:sldId id="267" r:id="rId10"/>
   </p:sldIdLst>
   <p:sldSz cx="12192000" cy="6858000"/>
   <p:notesSz cx="6858000" cy="9144000"/>
@@ -7870,7 +7870,7 @@
           <p:nvPr>
             <p:extLst>
               <p:ext uri="{D42A27DB-BD31-4B8C-83A1-F6EECF244321}">
-                <p14:modId xmlns:p14="http://schemas.microsoft.com/office/powerpoint/2010/main" val="1335635682"/>
+                <p14:modId xmlns:p14="http://schemas.microsoft.com/office/powerpoint/2010/main" val="547976967"/>
               </p:ext>
             </p:extLst>
           </p:nvPr>
@@ -10317,6 +10317,9 @@
                       <a:headEnd type="none" w="med" len="med"/>
                       <a:tailEnd type="none" w="med" len="med"/>
                     </a:lnB>
+                    <a:solidFill>
+                      <a:srgbClr val="C00000"/>
+                    </a:solidFill>
                   </a:tcPr>
                 </a:tc>
                 <a:tc>
@@ -10364,6 +10367,9 @@
                       <a:headEnd type="none" w="med" len="med"/>
                       <a:tailEnd type="none" w="med" len="med"/>
                     </a:lnB>
+                    <a:solidFill>
+                      <a:srgbClr val="C00000"/>
+                    </a:solidFill>
                   </a:tcPr>
                 </a:tc>
                 <a:tc>
@@ -10411,6 +10417,9 @@
                       <a:headEnd type="none" w="med" len="med"/>
                       <a:tailEnd type="none" w="med" len="med"/>
                     </a:lnB>
+                    <a:solidFill>
+                      <a:srgbClr val="C00000"/>
+                    </a:solidFill>
                   </a:tcPr>
                 </a:tc>
                 <a:tc>
@@ -10458,6 +10467,9 @@
                       <a:headEnd type="none" w="med" len="med"/>
                       <a:tailEnd type="none" w="med" len="med"/>
                     </a:lnB>
+                    <a:solidFill>
+                      <a:srgbClr val="C00000"/>
+                    </a:solidFill>
                   </a:tcPr>
                 </a:tc>
                 <a:tc>
@@ -10505,6 +10517,9 @@
                       <a:headEnd type="none" w="med" len="med"/>
                       <a:tailEnd type="none" w="med" len="med"/>
                     </a:lnB>
+                    <a:solidFill>
+                      <a:srgbClr val="C00000"/>
+                    </a:solidFill>
                   </a:tcPr>
                 </a:tc>
                 <a:tc>
@@ -10552,6 +10567,9 @@
                       <a:headEnd type="none" w="med" len="med"/>
                       <a:tailEnd type="none" w="med" len="med"/>
                     </a:lnB>
+                    <a:solidFill>
+                      <a:srgbClr val="C00000"/>
+                    </a:solidFill>
                   </a:tcPr>
                 </a:tc>
                 <a:tc>
@@ -10599,6 +10617,9 @@
                       <a:headEnd type="none" w="med" len="med"/>
                       <a:tailEnd type="none" w="med" len="med"/>
                     </a:lnB>
+                    <a:solidFill>
+                      <a:srgbClr val="C00000"/>
+                    </a:solidFill>
                   </a:tcPr>
                 </a:tc>
                 <a:tc>
@@ -10646,6 +10667,9 @@
                       <a:headEnd type="none" w="med" len="med"/>
                       <a:tailEnd type="none" w="med" len="med"/>
                     </a:lnB>
+                    <a:solidFill>
+                      <a:srgbClr val="C00000"/>
+                    </a:solidFill>
                   </a:tcPr>
                 </a:tc>
                 <a:tc>
@@ -10693,6 +10717,9 @@
                       <a:headEnd type="none" w="med" len="med"/>
                       <a:tailEnd type="none" w="med" len="med"/>
                     </a:lnB>
+                    <a:solidFill>
+                      <a:srgbClr val="C00000"/>
+                    </a:solidFill>
                   </a:tcPr>
                 </a:tc>
                 <a:tc>
@@ -10740,6 +10767,9 @@
                       <a:headEnd type="none" w="med" len="med"/>
                       <a:tailEnd type="none" w="med" len="med"/>
                     </a:lnB>
+                    <a:solidFill>
+                      <a:srgbClr val="C00000"/>
+                    </a:solidFill>
                   </a:tcPr>
                 </a:tc>
                 <a:tc>
@@ -10787,6 +10817,9 @@
                       <a:headEnd type="none" w="med" len="med"/>
                       <a:tailEnd type="none" w="med" len="med"/>
                     </a:lnB>
+                    <a:solidFill>
+                      <a:srgbClr val="C00000"/>
+                    </a:solidFill>
                   </a:tcPr>
                 </a:tc>
                 <a:tc>
@@ -10834,6 +10867,9 @@
                       <a:headEnd type="none" w="med" len="med"/>
                       <a:tailEnd type="none" w="med" len="med"/>
                     </a:lnB>
+                    <a:solidFill>
+                      <a:srgbClr val="C00000"/>
+                    </a:solidFill>
                   </a:tcPr>
                 </a:tc>
                 <a:tc>
@@ -10881,6 +10917,9 @@
                       <a:headEnd type="none" w="med" len="med"/>
                       <a:tailEnd type="none" w="med" len="med"/>
                     </a:lnB>
+                    <a:solidFill>
+                      <a:srgbClr val="C00000"/>
+                    </a:solidFill>
                   </a:tcPr>
                 </a:tc>
                 <a:extLst>
@@ -10947,6 +10986,9 @@
                       <a:headEnd type="none" w="med" len="med"/>
                       <a:tailEnd type="none" w="med" len="med"/>
                     </a:lnB>
+                    <a:solidFill>
+                      <a:srgbClr val="C00000"/>
+                    </a:solidFill>
                   </a:tcPr>
                 </a:tc>
                 <a:tc>
@@ -10994,6 +11036,9 @@
                       <a:headEnd type="none" w="med" len="med"/>
                       <a:tailEnd type="none" w="med" len="med"/>
                     </a:lnB>
+                    <a:solidFill>
+                      <a:srgbClr val="C00000"/>
+                    </a:solidFill>
                   </a:tcPr>
                 </a:tc>
                 <a:tc>
@@ -11041,6 +11086,9 @@
                       <a:headEnd type="none" w="med" len="med"/>
                       <a:tailEnd type="none" w="med" len="med"/>
                     </a:lnB>
+                    <a:solidFill>
+                      <a:srgbClr val="C00000"/>
+                    </a:solidFill>
                   </a:tcPr>
                 </a:tc>
                 <a:tc>
@@ -11088,6 +11136,9 @@
                       <a:headEnd type="none" w="med" len="med"/>
                       <a:tailEnd type="none" w="med" len="med"/>
                     </a:lnB>
+                    <a:solidFill>
+                      <a:srgbClr val="C00000"/>
+                    </a:solidFill>
                   </a:tcPr>
                 </a:tc>
                 <a:tc>
@@ -11135,6 +11186,9 @@
                       <a:headEnd type="none" w="med" len="med"/>
                       <a:tailEnd type="none" w="med" len="med"/>
                     </a:lnB>
+                    <a:solidFill>
+                      <a:srgbClr val="C00000"/>
+                    </a:solidFill>
                   </a:tcPr>
                 </a:tc>
                 <a:tc>
@@ -11182,6 +11236,9 @@
                       <a:headEnd type="none" w="med" len="med"/>
                       <a:tailEnd type="none" w="med" len="med"/>
                     </a:lnB>
+                    <a:solidFill>
+                      <a:srgbClr val="C00000"/>
+                    </a:solidFill>
                   </a:tcPr>
                 </a:tc>
                 <a:tc>
@@ -11229,6 +11286,9 @@
                       <a:headEnd type="none" w="med" len="med"/>
                       <a:tailEnd type="none" w="med" len="med"/>
                     </a:lnB>
+                    <a:solidFill>
+                      <a:srgbClr val="C00000"/>
+                    </a:solidFill>
                   </a:tcPr>
                 </a:tc>
                 <a:tc>
@@ -11276,6 +11336,9 @@
                       <a:headEnd type="none" w="med" len="med"/>
                       <a:tailEnd type="none" w="med" len="med"/>
                     </a:lnB>
+                    <a:solidFill>
+                      <a:srgbClr val="C00000"/>
+                    </a:solidFill>
                   </a:tcPr>
                 </a:tc>
                 <a:tc>
@@ -11323,6 +11386,9 @@
                       <a:headEnd type="none" w="med" len="med"/>
                       <a:tailEnd type="none" w="med" len="med"/>
                     </a:lnB>
+                    <a:solidFill>
+                      <a:srgbClr val="C00000"/>
+                    </a:solidFill>
                   </a:tcPr>
                 </a:tc>
                 <a:tc>
@@ -11370,6 +11436,9 @@
                       <a:headEnd type="none" w="med" len="med"/>
                       <a:tailEnd type="none" w="med" len="med"/>
                     </a:lnB>
+                    <a:solidFill>
+                      <a:srgbClr val="C00000"/>
+                    </a:solidFill>
                   </a:tcPr>
                 </a:tc>
                 <a:tc>
@@ -11417,6 +11486,9 @@
                       <a:headEnd type="none" w="med" len="med"/>
                       <a:tailEnd type="none" w="med" len="med"/>
                     </a:lnB>
+                    <a:solidFill>
+                      <a:srgbClr val="C00000"/>
+                    </a:solidFill>
                   </a:tcPr>
                 </a:tc>
                 <a:tc>
@@ -11464,6 +11536,9 @@
                       <a:headEnd type="none" w="med" len="med"/>
                       <a:tailEnd type="none" w="med" len="med"/>
                     </a:lnB>
+                    <a:solidFill>
+                      <a:srgbClr val="C00000"/>
+                    </a:solidFill>
                   </a:tcPr>
                 </a:tc>
                 <a:tc>
@@ -11511,6 +11586,9 @@
                       <a:headEnd type="none" w="med" len="med"/>
                       <a:tailEnd type="none" w="med" len="med"/>
                     </a:lnB>
+                    <a:solidFill>
+                      <a:srgbClr val="C00000"/>
+                    </a:solidFill>
                   </a:tcPr>
                 </a:tc>
                 <a:extLst>
@@ -25537,7 +25615,7 @@
         <p:spPr>
           <a:xfrm>
             <a:off x="286175" y="434848"/>
-            <a:ext cx="2937343" cy="461665"/>
+            <a:ext cx="1937069" cy="461665"/>
           </a:xfrm>
           <a:prstGeom prst="rect">
             <a:avLst/>
@@ -25552,7 +25630,7 @@
           <a:p>
             <a:r>
               <a:rPr lang="en-US" sz="2400" dirty="0"/>
-              <a:t>AND/OR combo gate</a:t>
+              <a:t>AND/OR gate</a:t>
             </a:r>
             <a:endParaRPr lang="en-ZA" sz="2400" dirty="0"/>
           </a:p>
@@ -39933,7 +40011,7 @@
         <p:cNvPr id="1" name="">
           <a:extLst>
             <a:ext uri="{FF2B5EF4-FFF2-40B4-BE49-F238E27FC236}">
-              <a16:creationId xmlns:a16="http://schemas.microsoft.com/office/drawing/2014/main" id="{3949734B-601A-93AB-6178-10AE58110BBF}"/>
+              <a16:creationId xmlns:a16="http://schemas.microsoft.com/office/drawing/2014/main" id="{6237D08A-29A7-B140-4979-34A3BE6A8DAB}"/>
             </a:ext>
           </a:extLst>
         </p:cNvPr>
@@ -39950,40 +40028,1420 @@
       </p:grpSpPr>
       <p:sp>
         <p:nvSpPr>
-          <p:cNvPr id="9" name="Rectangle 8">
-            <a:extLst>
-              <a:ext uri="{FF2B5EF4-FFF2-40B4-BE49-F238E27FC236}">
-                <a16:creationId xmlns:a16="http://schemas.microsoft.com/office/drawing/2014/main" id="{FF95196F-10EE-7597-5CC0-37F5242E9711}"/>
-              </a:ext>
-            </a:extLst>
-          </p:cNvPr>
-          <p:cNvSpPr/>
+          <p:cNvPr id="77" name="TextBox 76">
+            <a:extLst>
+              <a:ext uri="{FF2B5EF4-FFF2-40B4-BE49-F238E27FC236}">
+                <a16:creationId xmlns:a16="http://schemas.microsoft.com/office/drawing/2014/main" id="{6BE2A0BC-E040-3AEF-234E-00B14D791931}"/>
+              </a:ext>
+            </a:extLst>
+          </p:cNvPr>
+          <p:cNvSpPr txBox="1"/>
           <p:nvPr/>
         </p:nvSpPr>
         <p:spPr>
           <a:xfrm>
-            <a:off x="523532" y="3960041"/>
-            <a:ext cx="4041648" cy="369333"/>
+            <a:off x="72580" y="101423"/>
+            <a:ext cx="8202740" cy="1077218"/>
           </a:xfrm>
           <a:prstGeom prst="rect">
             <a:avLst/>
           </a:prstGeom>
           <a:noFill/>
         </p:spPr>
+        <p:txBody>
+          <a:bodyPr wrap="square" rtlCol="0">
+            <a:spAutoFit/>
+          </a:bodyPr>
+          <a:lstStyle/>
+          <a:p>
+            <a:r>
+              <a:rPr lang="en-US" sz="3200" b="1" dirty="0"/>
+              <a:t>If more than 1 ant available, the following procedure will allow parallel tasks:</a:t>
+            </a:r>
+            <a:endParaRPr lang="en-ZA" sz="3200" b="1" dirty="0"/>
+          </a:p>
+        </p:txBody>
+      </p:sp>
+      <p:sp>
+        <p:nvSpPr>
+          <p:cNvPr id="7" name="TextBox 6">
+            <a:extLst>
+              <a:ext uri="{FF2B5EF4-FFF2-40B4-BE49-F238E27FC236}">
+                <a16:creationId xmlns:a16="http://schemas.microsoft.com/office/drawing/2014/main" id="{9834BF23-98AA-E008-60AD-F23218E1974A}"/>
+              </a:ext>
+            </a:extLst>
+          </p:cNvPr>
+          <p:cNvSpPr txBox="1"/>
+          <p:nvPr/>
+        </p:nvSpPr>
+        <p:spPr>
+          <a:xfrm>
+            <a:off x="466345" y="1515650"/>
+            <a:ext cx="3547872" cy="2031325"/>
+          </a:xfrm>
+          <a:prstGeom prst="rect">
+            <a:avLst/>
+          </a:prstGeom>
+          <a:noFill/>
+        </p:spPr>
+        <p:txBody>
+          <a:bodyPr wrap="square" rtlCol="0">
+            <a:spAutoFit/>
+          </a:bodyPr>
+          <a:lstStyle/>
+          <a:p>
+            <a:pPr marL="342900" indent="-342900">
+              <a:buAutoNum type="alphaLcParenR"/>
+            </a:pPr>
+            <a:r>
+              <a:rPr lang="en-US" dirty="0"/>
+              <a:t>Reading in input decimals; for each ant that ‘looks’ at an input number, it can start helping ‘unpack’ the binary.</a:t>
+            </a:r>
+          </a:p>
+          <a:p>
+            <a:pPr marL="342900" indent="-342900">
+              <a:buAutoNum type="alphaLcParenR"/>
+            </a:pPr>
+            <a:r>
+              <a:rPr lang="en-US" dirty="0"/>
+              <a:t>When a pair [A</a:t>
+            </a:r>
+            <a:r>
+              <a:rPr lang="en-US" baseline="-25000" dirty="0"/>
+              <a:t>i</a:t>
+            </a:r>
+            <a:r>
+              <a:rPr lang="en-US" dirty="0"/>
+              <a:t> , B</a:t>
+            </a:r>
+            <a:r>
+              <a:rPr lang="en-US" baseline="-25000" dirty="0"/>
+              <a:t>i</a:t>
+            </a:r>
+            <a:r>
+              <a:rPr lang="en-US" dirty="0"/>
+              <a:t>] becomes available, the P and G values for </a:t>
+            </a:r>
+            <a:r>
+              <a:rPr lang="en-US" dirty="0" err="1"/>
+              <a:t>i</a:t>
+            </a:r>
+            <a:r>
+              <a:rPr lang="en-US" dirty="0"/>
+              <a:t> can be calculated</a:t>
+            </a:r>
+            <a:endParaRPr lang="en-ZA" dirty="0"/>
+          </a:p>
+        </p:txBody>
+      </p:sp>
+      <p:graphicFrame>
+        <p:nvGraphicFramePr>
+          <p:cNvPr id="14" name="Table 13">
+            <a:extLst>
+              <a:ext uri="{FF2B5EF4-FFF2-40B4-BE49-F238E27FC236}">
+                <a16:creationId xmlns:a16="http://schemas.microsoft.com/office/drawing/2014/main" id="{49D6DBD1-3E8B-BC06-DE6F-0C969EA4319A}"/>
+              </a:ext>
+            </a:extLst>
+          </p:cNvPr>
+          <p:cNvGraphicFramePr>
+            <a:graphicFrameLocks noGrp="1"/>
+          </p:cNvGraphicFramePr>
+          <p:nvPr>
+            <p:extLst>
+              <p:ext uri="{D42A27DB-BD31-4B8C-83A1-F6EECF244321}">
+                <p14:modId xmlns:p14="http://schemas.microsoft.com/office/powerpoint/2010/main" val="199284555"/>
+              </p:ext>
+            </p:extLst>
+          </p:nvPr>
+        </p:nvGraphicFramePr>
+        <p:xfrm>
+          <a:off x="466345" y="3638204"/>
+          <a:ext cx="4270250" cy="2225040"/>
+        </p:xfrm>
+        <a:graphic>
+          <a:graphicData uri="http://schemas.openxmlformats.org/drawingml/2006/table">
+            <a:tbl>
+              <a:tblPr firstRow="1" bandRow="1">
+                <a:tableStyleId>{5C22544A-7EE6-4342-B048-85BDC9FD1C3A}</a:tableStyleId>
+              </a:tblPr>
+              <a:tblGrid>
+                <a:gridCol w="854050">
+                  <a:extLst>
+                    <a:ext uri="{9D8B030D-6E8A-4147-A177-3AD203B41FA5}">
+                      <a16:colId xmlns:a16="http://schemas.microsoft.com/office/drawing/2014/main" val="1284146152"/>
+                    </a:ext>
+                  </a:extLst>
+                </a:gridCol>
+                <a:gridCol w="854050">
+                  <a:extLst>
+                    <a:ext uri="{9D8B030D-6E8A-4147-A177-3AD203B41FA5}">
+                      <a16:colId xmlns:a16="http://schemas.microsoft.com/office/drawing/2014/main" val="3439878635"/>
+                    </a:ext>
+                  </a:extLst>
+                </a:gridCol>
+                <a:gridCol w="854050">
+                  <a:extLst>
+                    <a:ext uri="{9D8B030D-6E8A-4147-A177-3AD203B41FA5}">
+                      <a16:colId xmlns:a16="http://schemas.microsoft.com/office/drawing/2014/main" val="2600283360"/>
+                    </a:ext>
+                  </a:extLst>
+                </a:gridCol>
+                <a:gridCol w="854050">
+                  <a:extLst>
+                    <a:ext uri="{9D8B030D-6E8A-4147-A177-3AD203B41FA5}">
+                      <a16:colId xmlns:a16="http://schemas.microsoft.com/office/drawing/2014/main" val="161606206"/>
+                    </a:ext>
+                  </a:extLst>
+                </a:gridCol>
+                <a:gridCol w="854050">
+                  <a:extLst>
+                    <a:ext uri="{9D8B030D-6E8A-4147-A177-3AD203B41FA5}">
+                      <a16:colId xmlns:a16="http://schemas.microsoft.com/office/drawing/2014/main" val="2448086391"/>
+                    </a:ext>
+                  </a:extLst>
+                </a:gridCol>
+              </a:tblGrid>
+              <a:tr h="370840">
+                <a:tc gridSpan="4">
+                  <a:txBody>
+                    <a:bodyPr/>
+                    <a:lstStyle/>
+                    <a:p>
+                      <a:r>
+                        <a:rPr lang="en-US" dirty="0"/>
+                        <a:t>Index</a:t>
+                      </a:r>
+                      <a:endParaRPr lang="en-ZA" dirty="0"/>
+                    </a:p>
+                  </a:txBody>
+                  <a:tcPr/>
+                </a:tc>
+                <a:tc hMerge="1">
+                  <a:txBody>
+                    <a:bodyPr/>
+                    <a:lstStyle/>
+                    <a:p>
+                      <a:endParaRPr lang="en-ZA"/>
+                    </a:p>
+                  </a:txBody>
+                  <a:tcPr/>
+                </a:tc>
+                <a:tc hMerge="1">
+                  <a:txBody>
+                    <a:bodyPr/>
+                    <a:lstStyle/>
+                    <a:p>
+                      <a:endParaRPr lang="en-ZA"/>
+                    </a:p>
+                  </a:txBody>
+                  <a:tcPr/>
+                </a:tc>
+                <a:tc hMerge="1">
+                  <a:txBody>
+                    <a:bodyPr/>
+                    <a:lstStyle/>
+                    <a:p>
+                      <a:endParaRPr lang="en-ZA" dirty="0"/>
+                    </a:p>
+                  </a:txBody>
+                  <a:tcPr/>
+                </a:tc>
+                <a:tc rowSpan="2">
+                  <a:txBody>
+                    <a:bodyPr/>
+                    <a:lstStyle/>
+                    <a:p>
+                      <a:r>
+                        <a:rPr lang="en-US" dirty="0"/>
+                        <a:t>Var</a:t>
+                      </a:r>
+                      <a:endParaRPr lang="en-ZA" dirty="0"/>
+                    </a:p>
+                  </a:txBody>
+                  <a:tcPr/>
+                </a:tc>
+                <a:extLst>
+                  <a:ext uri="{0D108BD9-81ED-4DB2-BD59-A6C34878D82A}">
+                    <a16:rowId xmlns:a16="http://schemas.microsoft.com/office/drawing/2014/main" val="2663100067"/>
+                  </a:ext>
+                </a:extLst>
+              </a:tr>
+              <a:tr h="370840">
+                <a:tc>
+                  <a:txBody>
+                    <a:bodyPr/>
+                    <a:lstStyle/>
+                    <a:p>
+                      <a:r>
+                        <a:rPr lang="en-US" dirty="0"/>
+                        <a:t>3</a:t>
+                      </a:r>
+                      <a:endParaRPr lang="en-ZA" dirty="0"/>
+                    </a:p>
+                  </a:txBody>
+                  <a:tcPr>
+                    <a:lnB w="12700" cap="flat" cmpd="sng" algn="ctr">
+                      <a:solidFill>
+                        <a:schemeClr val="tx1"/>
+                      </a:solidFill>
+                      <a:prstDash val="solid"/>
+                      <a:round/>
+                      <a:headEnd type="none" w="med" len="med"/>
+                      <a:tailEnd type="none" w="med" len="med"/>
+                    </a:lnB>
+                  </a:tcPr>
+                </a:tc>
+                <a:tc>
+                  <a:txBody>
+                    <a:bodyPr/>
+                    <a:lstStyle/>
+                    <a:p>
+                      <a:r>
+                        <a:rPr lang="en-US" dirty="0"/>
+                        <a:t>2</a:t>
+                      </a:r>
+                      <a:endParaRPr lang="en-ZA" dirty="0"/>
+                    </a:p>
+                  </a:txBody>
+                  <a:tcPr>
+                    <a:lnB w="12700" cap="flat" cmpd="sng" algn="ctr">
+                      <a:solidFill>
+                        <a:schemeClr val="tx1"/>
+                      </a:solidFill>
+                      <a:prstDash val="solid"/>
+                      <a:round/>
+                      <a:headEnd type="none" w="med" len="med"/>
+                      <a:tailEnd type="none" w="med" len="med"/>
+                    </a:lnB>
+                  </a:tcPr>
+                </a:tc>
+                <a:tc>
+                  <a:txBody>
+                    <a:bodyPr/>
+                    <a:lstStyle/>
+                    <a:p>
+                      <a:r>
+                        <a:rPr lang="en-US" dirty="0"/>
+                        <a:t>1</a:t>
+                      </a:r>
+                      <a:endParaRPr lang="en-ZA" dirty="0"/>
+                    </a:p>
+                  </a:txBody>
+                  <a:tcPr>
+                    <a:lnB w="12700" cap="flat" cmpd="sng" algn="ctr">
+                      <a:solidFill>
+                        <a:schemeClr val="tx1"/>
+                      </a:solidFill>
+                      <a:prstDash val="solid"/>
+                      <a:round/>
+                      <a:headEnd type="none" w="med" len="med"/>
+                      <a:tailEnd type="none" w="med" len="med"/>
+                    </a:lnB>
+                  </a:tcPr>
+                </a:tc>
+                <a:tc>
+                  <a:txBody>
+                    <a:bodyPr/>
+                    <a:lstStyle/>
+                    <a:p>
+                      <a:r>
+                        <a:rPr lang="en-US" dirty="0"/>
+                        <a:t>0</a:t>
+                      </a:r>
+                      <a:endParaRPr lang="en-ZA" dirty="0"/>
+                    </a:p>
+                  </a:txBody>
+                  <a:tcPr>
+                    <a:lnB w="12700" cap="flat" cmpd="sng" algn="ctr">
+                      <a:solidFill>
+                        <a:schemeClr val="tx1"/>
+                      </a:solidFill>
+                      <a:prstDash val="solid"/>
+                      <a:round/>
+                      <a:headEnd type="none" w="med" len="med"/>
+                      <a:tailEnd type="none" w="med" len="med"/>
+                    </a:lnB>
+                  </a:tcPr>
+                </a:tc>
+                <a:tc vMerge="1">
+                  <a:txBody>
+                    <a:bodyPr/>
+                    <a:lstStyle/>
+                    <a:p>
+                      <a:endParaRPr lang="en-ZA" dirty="0"/>
+                    </a:p>
+                  </a:txBody>
+                  <a:tcPr/>
+                </a:tc>
+                <a:extLst>
+                  <a:ext uri="{0D108BD9-81ED-4DB2-BD59-A6C34878D82A}">
+                    <a16:rowId xmlns:a16="http://schemas.microsoft.com/office/drawing/2014/main" val="1776382782"/>
+                  </a:ext>
+                </a:extLst>
+              </a:tr>
+              <a:tr h="370840">
+                <a:tc>
+                  <a:txBody>
+                    <a:bodyPr/>
+                    <a:lstStyle/>
+                    <a:p>
+                      <a:endParaRPr lang="en-ZA"/>
+                    </a:p>
+                  </a:txBody>
+                  <a:tcPr>
+                    <a:lnL w="12700" cap="flat" cmpd="sng" algn="ctr">
+                      <a:solidFill>
+                        <a:schemeClr val="tx1"/>
+                      </a:solidFill>
+                      <a:prstDash val="solid"/>
+                      <a:round/>
+                      <a:headEnd type="none" w="med" len="med"/>
+                      <a:tailEnd type="none" w="med" len="med"/>
+                    </a:lnL>
+                    <a:lnR w="12700" cap="flat" cmpd="sng" algn="ctr">
+                      <a:solidFill>
+                        <a:schemeClr val="tx1"/>
+                      </a:solidFill>
+                      <a:prstDash val="solid"/>
+                      <a:round/>
+                      <a:headEnd type="none" w="med" len="med"/>
+                      <a:tailEnd type="none" w="med" len="med"/>
+                    </a:lnR>
+                    <a:lnT w="12700" cap="flat" cmpd="sng" algn="ctr">
+                      <a:solidFill>
+                        <a:schemeClr val="tx1"/>
+                      </a:solidFill>
+                      <a:prstDash val="solid"/>
+                      <a:round/>
+                      <a:headEnd type="none" w="med" len="med"/>
+                      <a:tailEnd type="none" w="med" len="med"/>
+                    </a:lnT>
+                    <a:lnB w="12700" cap="flat" cmpd="sng" algn="ctr">
+                      <a:solidFill>
+                        <a:schemeClr val="tx1"/>
+                      </a:solidFill>
+                      <a:prstDash val="solid"/>
+                      <a:round/>
+                      <a:headEnd type="none" w="med" len="med"/>
+                      <a:tailEnd type="none" w="med" len="med"/>
+                    </a:lnB>
+                    <a:lnTlToBr w="12700" cmpd="sng">
+                      <a:noFill/>
+                      <a:prstDash val="solid"/>
+                    </a:lnTlToBr>
+                    <a:lnBlToTr w="12700" cmpd="sng">
+                      <a:noFill/>
+                      <a:prstDash val="solid"/>
+                    </a:lnBlToTr>
+                  </a:tcPr>
+                </a:tc>
+                <a:tc>
+                  <a:txBody>
+                    <a:bodyPr/>
+                    <a:lstStyle/>
+                    <a:p>
+                      <a:endParaRPr lang="en-ZA" dirty="0"/>
+                    </a:p>
+                  </a:txBody>
+                  <a:tcPr>
+                    <a:lnL w="12700" cap="flat" cmpd="sng" algn="ctr">
+                      <a:solidFill>
+                        <a:schemeClr val="tx1"/>
+                      </a:solidFill>
+                      <a:prstDash val="solid"/>
+                      <a:round/>
+                      <a:headEnd type="none" w="med" len="med"/>
+                      <a:tailEnd type="none" w="med" len="med"/>
+                    </a:lnL>
+                    <a:lnR w="12700" cap="flat" cmpd="sng" algn="ctr">
+                      <a:solidFill>
+                        <a:schemeClr val="tx1"/>
+                      </a:solidFill>
+                      <a:prstDash val="solid"/>
+                      <a:round/>
+                      <a:headEnd type="none" w="med" len="med"/>
+                      <a:tailEnd type="none" w="med" len="med"/>
+                    </a:lnR>
+                    <a:lnT w="12700" cap="flat" cmpd="sng" algn="ctr">
+                      <a:solidFill>
+                        <a:schemeClr val="tx1"/>
+                      </a:solidFill>
+                      <a:prstDash val="solid"/>
+                      <a:round/>
+                      <a:headEnd type="none" w="med" len="med"/>
+                      <a:tailEnd type="none" w="med" len="med"/>
+                    </a:lnT>
+                    <a:lnB w="12700" cap="flat" cmpd="sng" algn="ctr">
+                      <a:solidFill>
+                        <a:schemeClr val="tx1"/>
+                      </a:solidFill>
+                      <a:prstDash val="solid"/>
+                      <a:round/>
+                      <a:headEnd type="none" w="med" len="med"/>
+                      <a:tailEnd type="none" w="med" len="med"/>
+                    </a:lnB>
+                    <a:lnTlToBr w="12700" cmpd="sng">
+                      <a:noFill/>
+                      <a:prstDash val="solid"/>
+                    </a:lnTlToBr>
+                    <a:lnBlToTr w="12700" cmpd="sng">
+                      <a:noFill/>
+                      <a:prstDash val="solid"/>
+                    </a:lnBlToTr>
+                  </a:tcPr>
+                </a:tc>
+                <a:tc>
+                  <a:txBody>
+                    <a:bodyPr/>
+                    <a:lstStyle/>
+                    <a:p>
+                      <a:endParaRPr lang="en-ZA"/>
+                    </a:p>
+                  </a:txBody>
+                  <a:tcPr>
+                    <a:lnL w="12700" cap="flat" cmpd="sng" algn="ctr">
+                      <a:solidFill>
+                        <a:schemeClr val="tx1"/>
+                      </a:solidFill>
+                      <a:prstDash val="solid"/>
+                      <a:round/>
+                      <a:headEnd type="none" w="med" len="med"/>
+                      <a:tailEnd type="none" w="med" len="med"/>
+                    </a:lnL>
+                    <a:lnR w="12700" cap="flat" cmpd="sng" algn="ctr">
+                      <a:solidFill>
+                        <a:schemeClr val="tx1"/>
+                      </a:solidFill>
+                      <a:prstDash val="solid"/>
+                      <a:round/>
+                      <a:headEnd type="none" w="med" len="med"/>
+                      <a:tailEnd type="none" w="med" len="med"/>
+                    </a:lnR>
+                    <a:lnT w="12700" cap="flat" cmpd="sng" algn="ctr">
+                      <a:solidFill>
+                        <a:schemeClr val="tx1"/>
+                      </a:solidFill>
+                      <a:prstDash val="solid"/>
+                      <a:round/>
+                      <a:headEnd type="none" w="med" len="med"/>
+                      <a:tailEnd type="none" w="med" len="med"/>
+                    </a:lnT>
+                    <a:lnB w="12700" cap="flat" cmpd="sng" algn="ctr">
+                      <a:solidFill>
+                        <a:schemeClr val="tx1"/>
+                      </a:solidFill>
+                      <a:prstDash val="solid"/>
+                      <a:round/>
+                      <a:headEnd type="none" w="med" len="med"/>
+                      <a:tailEnd type="none" w="med" len="med"/>
+                    </a:lnB>
+                    <a:lnTlToBr w="12700" cmpd="sng">
+                      <a:noFill/>
+                      <a:prstDash val="solid"/>
+                    </a:lnTlToBr>
+                    <a:lnBlToTr w="12700" cmpd="sng">
+                      <a:noFill/>
+                      <a:prstDash val="solid"/>
+                    </a:lnBlToTr>
+                  </a:tcPr>
+                </a:tc>
+                <a:tc>
+                  <a:txBody>
+                    <a:bodyPr/>
+                    <a:lstStyle/>
+                    <a:p>
+                      <a:r>
+                        <a:rPr lang="en-US" dirty="0"/>
+                        <a:t>1</a:t>
+                      </a:r>
+                      <a:endParaRPr lang="en-ZA" dirty="0"/>
+                    </a:p>
+                  </a:txBody>
+                  <a:tcPr>
+                    <a:lnL w="12700" cap="flat" cmpd="sng" algn="ctr">
+                      <a:solidFill>
+                        <a:schemeClr val="tx1"/>
+                      </a:solidFill>
+                      <a:prstDash val="solid"/>
+                      <a:round/>
+                      <a:headEnd type="none" w="med" len="med"/>
+                      <a:tailEnd type="none" w="med" len="med"/>
+                    </a:lnL>
+                    <a:lnR w="12700" cap="flat" cmpd="sng" algn="ctr">
+                      <a:solidFill>
+                        <a:schemeClr val="tx1"/>
+                      </a:solidFill>
+                      <a:prstDash val="solid"/>
+                      <a:round/>
+                      <a:headEnd type="none" w="med" len="med"/>
+                      <a:tailEnd type="none" w="med" len="med"/>
+                    </a:lnR>
+                    <a:lnT w="12700" cap="flat" cmpd="sng" algn="ctr">
+                      <a:solidFill>
+                        <a:schemeClr val="tx1"/>
+                      </a:solidFill>
+                      <a:prstDash val="solid"/>
+                      <a:round/>
+                      <a:headEnd type="none" w="med" len="med"/>
+                      <a:tailEnd type="none" w="med" len="med"/>
+                    </a:lnT>
+                    <a:lnB w="12700" cap="flat" cmpd="sng" algn="ctr">
+                      <a:solidFill>
+                        <a:schemeClr val="tx1"/>
+                      </a:solidFill>
+                      <a:prstDash val="solid"/>
+                      <a:round/>
+                      <a:headEnd type="none" w="med" len="med"/>
+                      <a:tailEnd type="none" w="med" len="med"/>
+                    </a:lnB>
+                    <a:lnTlToBr w="12700" cmpd="sng">
+                      <a:noFill/>
+                      <a:prstDash val="solid"/>
+                    </a:lnTlToBr>
+                    <a:lnBlToTr w="12700" cmpd="sng">
+                      <a:noFill/>
+                      <a:prstDash val="solid"/>
+                    </a:lnBlToTr>
+                    <a:solidFill>
+                      <a:srgbClr val="FFFF00"/>
+                    </a:solidFill>
+                  </a:tcPr>
+                </a:tc>
+                <a:tc>
+                  <a:txBody>
+                    <a:bodyPr/>
+                    <a:lstStyle/>
+                    <a:p>
+                      <a:r>
+                        <a:rPr lang="en-US" dirty="0"/>
+                        <a:t>A</a:t>
+                      </a:r>
+                      <a:endParaRPr lang="en-ZA" dirty="0"/>
+                    </a:p>
+                  </a:txBody>
+                  <a:tcPr>
+                    <a:lnL w="12700" cap="flat" cmpd="sng" algn="ctr">
+                      <a:solidFill>
+                        <a:schemeClr val="tx1"/>
+                      </a:solidFill>
+                      <a:prstDash val="solid"/>
+                      <a:round/>
+                      <a:headEnd type="none" w="med" len="med"/>
+                      <a:tailEnd type="none" w="med" len="med"/>
+                    </a:lnL>
+                  </a:tcPr>
+                </a:tc>
+                <a:extLst>
+                  <a:ext uri="{0D108BD9-81ED-4DB2-BD59-A6C34878D82A}">
+                    <a16:rowId xmlns:a16="http://schemas.microsoft.com/office/drawing/2014/main" val="2994878087"/>
+                  </a:ext>
+                </a:extLst>
+              </a:tr>
+              <a:tr h="370840">
+                <a:tc>
+                  <a:txBody>
+                    <a:bodyPr/>
+                    <a:lstStyle/>
+                    <a:p>
+                      <a:endParaRPr lang="en-ZA"/>
+                    </a:p>
+                  </a:txBody>
+                  <a:tcPr>
+                    <a:lnL w="12700" cap="flat" cmpd="sng" algn="ctr">
+                      <a:solidFill>
+                        <a:schemeClr val="tx1"/>
+                      </a:solidFill>
+                      <a:prstDash val="solid"/>
+                      <a:round/>
+                      <a:headEnd type="none" w="med" len="med"/>
+                      <a:tailEnd type="none" w="med" len="med"/>
+                    </a:lnL>
+                    <a:lnR w="12700" cap="flat" cmpd="sng" algn="ctr">
+                      <a:solidFill>
+                        <a:schemeClr val="tx1"/>
+                      </a:solidFill>
+                      <a:prstDash val="solid"/>
+                      <a:round/>
+                      <a:headEnd type="none" w="med" len="med"/>
+                      <a:tailEnd type="none" w="med" len="med"/>
+                    </a:lnR>
+                    <a:lnT w="12700" cap="flat" cmpd="sng" algn="ctr">
+                      <a:solidFill>
+                        <a:schemeClr val="tx1"/>
+                      </a:solidFill>
+                      <a:prstDash val="solid"/>
+                      <a:round/>
+                      <a:headEnd type="none" w="med" len="med"/>
+                      <a:tailEnd type="none" w="med" len="med"/>
+                    </a:lnT>
+                    <a:lnB w="12700" cap="flat" cmpd="sng" algn="ctr">
+                      <a:solidFill>
+                        <a:schemeClr val="tx1"/>
+                      </a:solidFill>
+                      <a:prstDash val="solid"/>
+                      <a:round/>
+                      <a:headEnd type="none" w="med" len="med"/>
+                      <a:tailEnd type="none" w="med" len="med"/>
+                    </a:lnB>
+                    <a:lnTlToBr w="12700" cmpd="sng">
+                      <a:noFill/>
+                      <a:prstDash val="solid"/>
+                    </a:lnTlToBr>
+                    <a:lnBlToTr w="12700" cmpd="sng">
+                      <a:noFill/>
+                      <a:prstDash val="solid"/>
+                    </a:lnBlToTr>
+                  </a:tcPr>
+                </a:tc>
+                <a:tc>
+                  <a:txBody>
+                    <a:bodyPr/>
+                    <a:lstStyle/>
+                    <a:p>
+                      <a:endParaRPr lang="en-ZA"/>
+                    </a:p>
+                  </a:txBody>
+                  <a:tcPr>
+                    <a:lnL w="12700" cap="flat" cmpd="sng" algn="ctr">
+                      <a:solidFill>
+                        <a:schemeClr val="tx1"/>
+                      </a:solidFill>
+                      <a:prstDash val="solid"/>
+                      <a:round/>
+                      <a:headEnd type="none" w="med" len="med"/>
+                      <a:tailEnd type="none" w="med" len="med"/>
+                    </a:lnL>
+                    <a:lnR w="12700" cap="flat" cmpd="sng" algn="ctr">
+                      <a:solidFill>
+                        <a:schemeClr val="tx1"/>
+                      </a:solidFill>
+                      <a:prstDash val="solid"/>
+                      <a:round/>
+                      <a:headEnd type="none" w="med" len="med"/>
+                      <a:tailEnd type="none" w="med" len="med"/>
+                    </a:lnR>
+                    <a:lnT w="12700" cap="flat" cmpd="sng" algn="ctr">
+                      <a:solidFill>
+                        <a:schemeClr val="tx1"/>
+                      </a:solidFill>
+                      <a:prstDash val="solid"/>
+                      <a:round/>
+                      <a:headEnd type="none" w="med" len="med"/>
+                      <a:tailEnd type="none" w="med" len="med"/>
+                    </a:lnT>
+                    <a:lnB w="12700" cap="flat" cmpd="sng" algn="ctr">
+                      <a:solidFill>
+                        <a:schemeClr val="tx1"/>
+                      </a:solidFill>
+                      <a:prstDash val="solid"/>
+                      <a:round/>
+                      <a:headEnd type="none" w="med" len="med"/>
+                      <a:tailEnd type="none" w="med" len="med"/>
+                    </a:lnB>
+                    <a:lnTlToBr w="12700" cmpd="sng">
+                      <a:noFill/>
+                      <a:prstDash val="solid"/>
+                    </a:lnTlToBr>
+                    <a:lnBlToTr w="12700" cmpd="sng">
+                      <a:noFill/>
+                      <a:prstDash val="solid"/>
+                    </a:lnBlToTr>
+                  </a:tcPr>
+                </a:tc>
+                <a:tc>
+                  <a:txBody>
+                    <a:bodyPr/>
+                    <a:lstStyle/>
+                    <a:p>
+                      <a:endParaRPr lang="en-ZA"/>
+                    </a:p>
+                  </a:txBody>
+                  <a:tcPr>
+                    <a:lnL w="12700" cap="flat" cmpd="sng" algn="ctr">
+                      <a:solidFill>
+                        <a:schemeClr val="tx1"/>
+                      </a:solidFill>
+                      <a:prstDash val="solid"/>
+                      <a:round/>
+                      <a:headEnd type="none" w="med" len="med"/>
+                      <a:tailEnd type="none" w="med" len="med"/>
+                    </a:lnL>
+                    <a:lnR w="12700" cap="flat" cmpd="sng" algn="ctr">
+                      <a:solidFill>
+                        <a:schemeClr val="tx1"/>
+                      </a:solidFill>
+                      <a:prstDash val="solid"/>
+                      <a:round/>
+                      <a:headEnd type="none" w="med" len="med"/>
+                      <a:tailEnd type="none" w="med" len="med"/>
+                    </a:lnR>
+                    <a:lnT w="12700" cap="flat" cmpd="sng" algn="ctr">
+                      <a:solidFill>
+                        <a:schemeClr val="tx1"/>
+                      </a:solidFill>
+                      <a:prstDash val="solid"/>
+                      <a:round/>
+                      <a:headEnd type="none" w="med" len="med"/>
+                      <a:tailEnd type="none" w="med" len="med"/>
+                    </a:lnT>
+                    <a:lnB w="12700" cap="flat" cmpd="sng" algn="ctr">
+                      <a:solidFill>
+                        <a:schemeClr val="tx1"/>
+                      </a:solidFill>
+                      <a:prstDash val="solid"/>
+                      <a:round/>
+                      <a:headEnd type="none" w="med" len="med"/>
+                      <a:tailEnd type="none" w="med" len="med"/>
+                    </a:lnB>
+                    <a:lnTlToBr w="12700" cmpd="sng">
+                      <a:noFill/>
+                      <a:prstDash val="solid"/>
+                    </a:lnTlToBr>
+                    <a:lnBlToTr w="12700" cmpd="sng">
+                      <a:noFill/>
+                      <a:prstDash val="solid"/>
+                    </a:lnBlToTr>
+                  </a:tcPr>
+                </a:tc>
+                <a:tc>
+                  <a:txBody>
+                    <a:bodyPr/>
+                    <a:lstStyle/>
+                    <a:p>
+                      <a:r>
+                        <a:rPr lang="en-US" dirty="0"/>
+                        <a:t>0</a:t>
+                      </a:r>
+                      <a:endParaRPr lang="en-ZA" dirty="0"/>
+                    </a:p>
+                  </a:txBody>
+                  <a:tcPr>
+                    <a:lnL w="12700" cap="flat" cmpd="sng" algn="ctr">
+                      <a:solidFill>
+                        <a:schemeClr val="tx1"/>
+                      </a:solidFill>
+                      <a:prstDash val="solid"/>
+                      <a:round/>
+                      <a:headEnd type="none" w="med" len="med"/>
+                      <a:tailEnd type="none" w="med" len="med"/>
+                    </a:lnL>
+                    <a:lnR w="12700" cap="flat" cmpd="sng" algn="ctr">
+                      <a:solidFill>
+                        <a:schemeClr val="tx1"/>
+                      </a:solidFill>
+                      <a:prstDash val="solid"/>
+                      <a:round/>
+                      <a:headEnd type="none" w="med" len="med"/>
+                      <a:tailEnd type="none" w="med" len="med"/>
+                    </a:lnR>
+                    <a:lnT w="12700" cap="flat" cmpd="sng" algn="ctr">
+                      <a:solidFill>
+                        <a:schemeClr val="tx1"/>
+                      </a:solidFill>
+                      <a:prstDash val="solid"/>
+                      <a:round/>
+                      <a:headEnd type="none" w="med" len="med"/>
+                      <a:tailEnd type="none" w="med" len="med"/>
+                    </a:lnT>
+                    <a:lnB w="12700" cap="flat" cmpd="sng" algn="ctr">
+                      <a:solidFill>
+                        <a:schemeClr val="tx1"/>
+                      </a:solidFill>
+                      <a:prstDash val="solid"/>
+                      <a:round/>
+                      <a:headEnd type="none" w="med" len="med"/>
+                      <a:tailEnd type="none" w="med" len="med"/>
+                    </a:lnB>
+                    <a:lnTlToBr w="12700" cmpd="sng">
+                      <a:noFill/>
+                      <a:prstDash val="solid"/>
+                    </a:lnTlToBr>
+                    <a:lnBlToTr w="12700" cmpd="sng">
+                      <a:noFill/>
+                      <a:prstDash val="solid"/>
+                    </a:lnBlToTr>
+                    <a:solidFill>
+                      <a:srgbClr val="FFFF00"/>
+                    </a:solidFill>
+                  </a:tcPr>
+                </a:tc>
+                <a:tc>
+                  <a:txBody>
+                    <a:bodyPr/>
+                    <a:lstStyle/>
+                    <a:p>
+                      <a:r>
+                        <a:rPr lang="en-US" dirty="0"/>
+                        <a:t>B</a:t>
+                      </a:r>
+                      <a:endParaRPr lang="en-ZA" dirty="0"/>
+                    </a:p>
+                  </a:txBody>
+                  <a:tcPr>
+                    <a:lnL w="12700" cap="flat" cmpd="sng" algn="ctr">
+                      <a:solidFill>
+                        <a:schemeClr val="tx1"/>
+                      </a:solidFill>
+                      <a:prstDash val="solid"/>
+                      <a:round/>
+                      <a:headEnd type="none" w="med" len="med"/>
+                      <a:tailEnd type="none" w="med" len="med"/>
+                    </a:lnL>
+                  </a:tcPr>
+                </a:tc>
+                <a:extLst>
+                  <a:ext uri="{0D108BD9-81ED-4DB2-BD59-A6C34878D82A}">
+                    <a16:rowId xmlns:a16="http://schemas.microsoft.com/office/drawing/2014/main" val="90175968"/>
+                  </a:ext>
+                </a:extLst>
+              </a:tr>
+              <a:tr h="370840">
+                <a:tc>
+                  <a:txBody>
+                    <a:bodyPr/>
+                    <a:lstStyle/>
+                    <a:p>
+                      <a:endParaRPr lang="en-ZA"/>
+                    </a:p>
+                  </a:txBody>
+                  <a:tcPr>
+                    <a:lnL w="12700" cap="flat" cmpd="sng" algn="ctr">
+                      <a:solidFill>
+                        <a:schemeClr val="tx1"/>
+                      </a:solidFill>
+                      <a:prstDash val="solid"/>
+                      <a:round/>
+                      <a:headEnd type="none" w="med" len="med"/>
+                      <a:tailEnd type="none" w="med" len="med"/>
+                    </a:lnL>
+                    <a:lnR w="12700" cap="flat" cmpd="sng" algn="ctr">
+                      <a:solidFill>
+                        <a:schemeClr val="tx1"/>
+                      </a:solidFill>
+                      <a:prstDash val="solid"/>
+                      <a:round/>
+                      <a:headEnd type="none" w="med" len="med"/>
+                      <a:tailEnd type="none" w="med" len="med"/>
+                    </a:lnR>
+                    <a:lnT w="12700" cap="flat" cmpd="sng" algn="ctr">
+                      <a:solidFill>
+                        <a:schemeClr val="tx1"/>
+                      </a:solidFill>
+                      <a:prstDash val="solid"/>
+                      <a:round/>
+                      <a:headEnd type="none" w="med" len="med"/>
+                      <a:tailEnd type="none" w="med" len="med"/>
+                    </a:lnT>
+                    <a:lnB w="12700" cap="flat" cmpd="sng" algn="ctr">
+                      <a:solidFill>
+                        <a:schemeClr val="tx1"/>
+                      </a:solidFill>
+                      <a:prstDash val="solid"/>
+                      <a:round/>
+                      <a:headEnd type="none" w="med" len="med"/>
+                      <a:tailEnd type="none" w="med" len="med"/>
+                    </a:lnB>
+                    <a:lnTlToBr w="12700" cmpd="sng">
+                      <a:noFill/>
+                      <a:prstDash val="solid"/>
+                    </a:lnTlToBr>
+                    <a:lnBlToTr w="12700" cmpd="sng">
+                      <a:noFill/>
+                      <a:prstDash val="solid"/>
+                    </a:lnBlToTr>
+                  </a:tcPr>
+                </a:tc>
+                <a:tc>
+                  <a:txBody>
+                    <a:bodyPr/>
+                    <a:lstStyle/>
+                    <a:p>
+                      <a:endParaRPr lang="en-ZA"/>
+                    </a:p>
+                  </a:txBody>
+                  <a:tcPr>
+                    <a:lnL w="12700" cap="flat" cmpd="sng" algn="ctr">
+                      <a:solidFill>
+                        <a:schemeClr val="tx1"/>
+                      </a:solidFill>
+                      <a:prstDash val="solid"/>
+                      <a:round/>
+                      <a:headEnd type="none" w="med" len="med"/>
+                      <a:tailEnd type="none" w="med" len="med"/>
+                    </a:lnL>
+                    <a:lnR w="12700" cap="flat" cmpd="sng" algn="ctr">
+                      <a:solidFill>
+                        <a:schemeClr val="tx1"/>
+                      </a:solidFill>
+                      <a:prstDash val="solid"/>
+                      <a:round/>
+                      <a:headEnd type="none" w="med" len="med"/>
+                      <a:tailEnd type="none" w="med" len="med"/>
+                    </a:lnR>
+                    <a:lnT w="12700" cap="flat" cmpd="sng" algn="ctr">
+                      <a:solidFill>
+                        <a:schemeClr val="tx1"/>
+                      </a:solidFill>
+                      <a:prstDash val="solid"/>
+                      <a:round/>
+                      <a:headEnd type="none" w="med" len="med"/>
+                      <a:tailEnd type="none" w="med" len="med"/>
+                    </a:lnT>
+                    <a:lnB w="12700" cap="flat" cmpd="sng" algn="ctr">
+                      <a:solidFill>
+                        <a:schemeClr val="tx1"/>
+                      </a:solidFill>
+                      <a:prstDash val="solid"/>
+                      <a:round/>
+                      <a:headEnd type="none" w="med" len="med"/>
+                      <a:tailEnd type="none" w="med" len="med"/>
+                    </a:lnB>
+                    <a:lnTlToBr w="12700" cmpd="sng">
+                      <a:noFill/>
+                      <a:prstDash val="solid"/>
+                    </a:lnTlToBr>
+                    <a:lnBlToTr w="12700" cmpd="sng">
+                      <a:noFill/>
+                      <a:prstDash val="solid"/>
+                    </a:lnBlToTr>
+                  </a:tcPr>
+                </a:tc>
+                <a:tc>
+                  <a:txBody>
+                    <a:bodyPr/>
+                    <a:lstStyle/>
+                    <a:p>
+                      <a:endParaRPr lang="en-ZA"/>
+                    </a:p>
+                  </a:txBody>
+                  <a:tcPr>
+                    <a:lnL w="12700" cap="flat" cmpd="sng" algn="ctr">
+                      <a:solidFill>
+                        <a:schemeClr val="tx1"/>
+                      </a:solidFill>
+                      <a:prstDash val="solid"/>
+                      <a:round/>
+                      <a:headEnd type="none" w="med" len="med"/>
+                      <a:tailEnd type="none" w="med" len="med"/>
+                    </a:lnL>
+                    <a:lnR w="12700" cap="flat" cmpd="sng" algn="ctr">
+                      <a:solidFill>
+                        <a:schemeClr val="tx1"/>
+                      </a:solidFill>
+                      <a:prstDash val="solid"/>
+                      <a:round/>
+                      <a:headEnd type="none" w="med" len="med"/>
+                      <a:tailEnd type="none" w="med" len="med"/>
+                    </a:lnR>
+                    <a:lnT w="12700" cap="flat" cmpd="sng" algn="ctr">
+                      <a:solidFill>
+                        <a:schemeClr val="tx1"/>
+                      </a:solidFill>
+                      <a:prstDash val="solid"/>
+                      <a:round/>
+                      <a:headEnd type="none" w="med" len="med"/>
+                      <a:tailEnd type="none" w="med" len="med"/>
+                    </a:lnT>
+                    <a:lnB w="12700" cap="flat" cmpd="sng" algn="ctr">
+                      <a:solidFill>
+                        <a:schemeClr val="tx1"/>
+                      </a:solidFill>
+                      <a:prstDash val="solid"/>
+                      <a:round/>
+                      <a:headEnd type="none" w="med" len="med"/>
+                      <a:tailEnd type="none" w="med" len="med"/>
+                    </a:lnB>
+                    <a:lnTlToBr w="12700" cmpd="sng">
+                      <a:noFill/>
+                      <a:prstDash val="solid"/>
+                    </a:lnTlToBr>
+                    <a:lnBlToTr w="12700" cmpd="sng">
+                      <a:noFill/>
+                      <a:prstDash val="solid"/>
+                    </a:lnBlToTr>
+                  </a:tcPr>
+                </a:tc>
+                <a:tc>
+                  <a:txBody>
+                    <a:bodyPr/>
+                    <a:lstStyle/>
+                    <a:p>
+                      <a:r>
+                        <a:rPr lang="en-US" dirty="0"/>
+                        <a:t>*</a:t>
+                      </a:r>
+                      <a:endParaRPr lang="en-ZA" dirty="0"/>
+                    </a:p>
+                  </a:txBody>
+                  <a:tcPr>
+                    <a:lnL w="12700" cap="flat" cmpd="sng" algn="ctr">
+                      <a:solidFill>
+                        <a:schemeClr val="tx1"/>
+                      </a:solidFill>
+                      <a:prstDash val="solid"/>
+                      <a:round/>
+                      <a:headEnd type="none" w="med" len="med"/>
+                      <a:tailEnd type="none" w="med" len="med"/>
+                    </a:lnL>
+                    <a:lnR w="12700" cap="flat" cmpd="sng" algn="ctr">
+                      <a:solidFill>
+                        <a:schemeClr val="tx1"/>
+                      </a:solidFill>
+                      <a:prstDash val="solid"/>
+                      <a:round/>
+                      <a:headEnd type="none" w="med" len="med"/>
+                      <a:tailEnd type="none" w="med" len="med"/>
+                    </a:lnR>
+                    <a:lnT w="12700" cap="flat" cmpd="sng" algn="ctr">
+                      <a:solidFill>
+                        <a:schemeClr val="tx1"/>
+                      </a:solidFill>
+                      <a:prstDash val="solid"/>
+                      <a:round/>
+                      <a:headEnd type="none" w="med" len="med"/>
+                      <a:tailEnd type="none" w="med" len="med"/>
+                    </a:lnT>
+                    <a:lnB w="12700" cap="flat" cmpd="sng" algn="ctr">
+                      <a:solidFill>
+                        <a:schemeClr val="tx1"/>
+                      </a:solidFill>
+                      <a:prstDash val="solid"/>
+                      <a:round/>
+                      <a:headEnd type="none" w="med" len="med"/>
+                      <a:tailEnd type="none" w="med" len="med"/>
+                    </a:lnB>
+                    <a:lnTlToBr w="12700" cmpd="sng">
+                      <a:noFill/>
+                      <a:prstDash val="solid"/>
+                    </a:lnTlToBr>
+                    <a:lnBlToTr w="12700" cmpd="sng">
+                      <a:noFill/>
+                      <a:prstDash val="solid"/>
+                    </a:lnBlToTr>
+                  </a:tcPr>
+                </a:tc>
+                <a:tc>
+                  <a:txBody>
+                    <a:bodyPr/>
+                    <a:lstStyle/>
+                    <a:p>
+                      <a:r>
+                        <a:rPr lang="en-US" dirty="0"/>
+                        <a:t>P</a:t>
+                      </a:r>
+                      <a:endParaRPr lang="en-ZA" dirty="0"/>
+                    </a:p>
+                  </a:txBody>
+                  <a:tcPr>
+                    <a:lnL w="12700" cap="flat" cmpd="sng" algn="ctr">
+                      <a:solidFill>
+                        <a:schemeClr val="tx1"/>
+                      </a:solidFill>
+                      <a:prstDash val="solid"/>
+                      <a:round/>
+                      <a:headEnd type="none" w="med" len="med"/>
+                      <a:tailEnd type="none" w="med" len="med"/>
+                    </a:lnL>
+                  </a:tcPr>
+                </a:tc>
+                <a:extLst>
+                  <a:ext uri="{0D108BD9-81ED-4DB2-BD59-A6C34878D82A}">
+                    <a16:rowId xmlns:a16="http://schemas.microsoft.com/office/drawing/2014/main" val="3233233091"/>
+                  </a:ext>
+                </a:extLst>
+              </a:tr>
+              <a:tr h="370840">
+                <a:tc>
+                  <a:txBody>
+                    <a:bodyPr/>
+                    <a:lstStyle/>
+                    <a:p>
+                      <a:endParaRPr lang="en-ZA"/>
+                    </a:p>
+                  </a:txBody>
+                  <a:tcPr>
+                    <a:lnL w="12700" cap="flat" cmpd="sng" algn="ctr">
+                      <a:solidFill>
+                        <a:schemeClr val="tx1"/>
+                      </a:solidFill>
+                      <a:prstDash val="solid"/>
+                      <a:round/>
+                      <a:headEnd type="none" w="med" len="med"/>
+                      <a:tailEnd type="none" w="med" len="med"/>
+                    </a:lnL>
+                    <a:lnR w="12700" cap="flat" cmpd="sng" algn="ctr">
+                      <a:solidFill>
+                        <a:schemeClr val="tx1"/>
+                      </a:solidFill>
+                      <a:prstDash val="solid"/>
+                      <a:round/>
+                      <a:headEnd type="none" w="med" len="med"/>
+                      <a:tailEnd type="none" w="med" len="med"/>
+                    </a:lnR>
+                    <a:lnT w="12700" cap="flat" cmpd="sng" algn="ctr">
+                      <a:solidFill>
+                        <a:schemeClr val="tx1"/>
+                      </a:solidFill>
+                      <a:prstDash val="solid"/>
+                      <a:round/>
+                      <a:headEnd type="none" w="med" len="med"/>
+                      <a:tailEnd type="none" w="med" len="med"/>
+                    </a:lnT>
+                    <a:lnB w="12700" cap="flat" cmpd="sng" algn="ctr">
+                      <a:solidFill>
+                        <a:schemeClr val="tx1"/>
+                      </a:solidFill>
+                      <a:prstDash val="solid"/>
+                      <a:round/>
+                      <a:headEnd type="none" w="med" len="med"/>
+                      <a:tailEnd type="none" w="med" len="med"/>
+                    </a:lnB>
+                    <a:lnTlToBr w="12700" cmpd="sng">
+                      <a:noFill/>
+                      <a:prstDash val="solid"/>
+                    </a:lnTlToBr>
+                    <a:lnBlToTr w="12700" cmpd="sng">
+                      <a:noFill/>
+                      <a:prstDash val="solid"/>
+                    </a:lnBlToTr>
+                  </a:tcPr>
+                </a:tc>
+                <a:tc>
+                  <a:txBody>
+                    <a:bodyPr/>
+                    <a:lstStyle/>
+                    <a:p>
+                      <a:endParaRPr lang="en-ZA"/>
+                    </a:p>
+                  </a:txBody>
+                  <a:tcPr>
+                    <a:lnL w="12700" cap="flat" cmpd="sng" algn="ctr">
+                      <a:solidFill>
+                        <a:schemeClr val="tx1"/>
+                      </a:solidFill>
+                      <a:prstDash val="solid"/>
+                      <a:round/>
+                      <a:headEnd type="none" w="med" len="med"/>
+                      <a:tailEnd type="none" w="med" len="med"/>
+                    </a:lnL>
+                    <a:lnR w="12700" cap="flat" cmpd="sng" algn="ctr">
+                      <a:solidFill>
+                        <a:schemeClr val="tx1"/>
+                      </a:solidFill>
+                      <a:prstDash val="solid"/>
+                      <a:round/>
+                      <a:headEnd type="none" w="med" len="med"/>
+                      <a:tailEnd type="none" w="med" len="med"/>
+                    </a:lnR>
+                    <a:lnT w="12700" cap="flat" cmpd="sng" algn="ctr">
+                      <a:solidFill>
+                        <a:schemeClr val="tx1"/>
+                      </a:solidFill>
+                      <a:prstDash val="solid"/>
+                      <a:round/>
+                      <a:headEnd type="none" w="med" len="med"/>
+                      <a:tailEnd type="none" w="med" len="med"/>
+                    </a:lnT>
+                    <a:lnB w="12700" cap="flat" cmpd="sng" algn="ctr">
+                      <a:solidFill>
+                        <a:schemeClr val="tx1"/>
+                      </a:solidFill>
+                      <a:prstDash val="solid"/>
+                      <a:round/>
+                      <a:headEnd type="none" w="med" len="med"/>
+                      <a:tailEnd type="none" w="med" len="med"/>
+                    </a:lnB>
+                    <a:lnTlToBr w="12700" cmpd="sng">
+                      <a:noFill/>
+                      <a:prstDash val="solid"/>
+                    </a:lnTlToBr>
+                    <a:lnBlToTr w="12700" cmpd="sng">
+                      <a:noFill/>
+                      <a:prstDash val="solid"/>
+                    </a:lnBlToTr>
+                  </a:tcPr>
+                </a:tc>
+                <a:tc>
+                  <a:txBody>
+                    <a:bodyPr/>
+                    <a:lstStyle/>
+                    <a:p>
+                      <a:endParaRPr lang="en-ZA"/>
+                    </a:p>
+                  </a:txBody>
+                  <a:tcPr>
+                    <a:lnL w="12700" cap="flat" cmpd="sng" algn="ctr">
+                      <a:solidFill>
+                        <a:schemeClr val="tx1"/>
+                      </a:solidFill>
+                      <a:prstDash val="solid"/>
+                      <a:round/>
+                      <a:headEnd type="none" w="med" len="med"/>
+                      <a:tailEnd type="none" w="med" len="med"/>
+                    </a:lnL>
+                    <a:lnR w="12700" cap="flat" cmpd="sng" algn="ctr">
+                      <a:solidFill>
+                        <a:schemeClr val="tx1"/>
+                      </a:solidFill>
+                      <a:prstDash val="solid"/>
+                      <a:round/>
+                      <a:headEnd type="none" w="med" len="med"/>
+                      <a:tailEnd type="none" w="med" len="med"/>
+                    </a:lnR>
+                    <a:lnT w="12700" cap="flat" cmpd="sng" algn="ctr">
+                      <a:solidFill>
+                        <a:schemeClr val="tx1"/>
+                      </a:solidFill>
+                      <a:prstDash val="solid"/>
+                      <a:round/>
+                      <a:headEnd type="none" w="med" len="med"/>
+                      <a:tailEnd type="none" w="med" len="med"/>
+                    </a:lnT>
+                    <a:lnB w="12700" cap="flat" cmpd="sng" algn="ctr">
+                      <a:solidFill>
+                        <a:schemeClr val="tx1"/>
+                      </a:solidFill>
+                      <a:prstDash val="solid"/>
+                      <a:round/>
+                      <a:headEnd type="none" w="med" len="med"/>
+                      <a:tailEnd type="none" w="med" len="med"/>
+                    </a:lnB>
+                    <a:lnTlToBr w="12700" cmpd="sng">
+                      <a:noFill/>
+                      <a:prstDash val="solid"/>
+                    </a:lnTlToBr>
+                    <a:lnBlToTr w="12700" cmpd="sng">
+                      <a:noFill/>
+                      <a:prstDash val="solid"/>
+                    </a:lnBlToTr>
+                  </a:tcPr>
+                </a:tc>
+                <a:tc>
+                  <a:txBody>
+                    <a:bodyPr/>
+                    <a:lstStyle/>
+                    <a:p>
+                      <a:r>
+                        <a:rPr lang="en-US" dirty="0"/>
+                        <a:t>*</a:t>
+                      </a:r>
+                      <a:endParaRPr lang="en-ZA" dirty="0"/>
+                    </a:p>
+                  </a:txBody>
+                  <a:tcPr>
+                    <a:lnL w="12700" cap="flat" cmpd="sng" algn="ctr">
+                      <a:solidFill>
+                        <a:schemeClr val="tx1"/>
+                      </a:solidFill>
+                      <a:prstDash val="solid"/>
+                      <a:round/>
+                      <a:headEnd type="none" w="med" len="med"/>
+                      <a:tailEnd type="none" w="med" len="med"/>
+                    </a:lnL>
+                    <a:lnR w="12700" cap="flat" cmpd="sng" algn="ctr">
+                      <a:solidFill>
+                        <a:schemeClr val="tx1"/>
+                      </a:solidFill>
+                      <a:prstDash val="solid"/>
+                      <a:round/>
+                      <a:headEnd type="none" w="med" len="med"/>
+                      <a:tailEnd type="none" w="med" len="med"/>
+                    </a:lnR>
+                    <a:lnT w="12700" cap="flat" cmpd="sng" algn="ctr">
+                      <a:solidFill>
+                        <a:schemeClr val="tx1"/>
+                      </a:solidFill>
+                      <a:prstDash val="solid"/>
+                      <a:round/>
+                      <a:headEnd type="none" w="med" len="med"/>
+                      <a:tailEnd type="none" w="med" len="med"/>
+                    </a:lnT>
+                    <a:lnB w="12700" cap="flat" cmpd="sng" algn="ctr">
+                      <a:solidFill>
+                        <a:schemeClr val="tx1"/>
+                      </a:solidFill>
+                      <a:prstDash val="solid"/>
+                      <a:round/>
+                      <a:headEnd type="none" w="med" len="med"/>
+                      <a:tailEnd type="none" w="med" len="med"/>
+                    </a:lnB>
+                    <a:lnTlToBr w="12700" cmpd="sng">
+                      <a:noFill/>
+                      <a:prstDash val="solid"/>
+                    </a:lnTlToBr>
+                    <a:lnBlToTr w="12700" cmpd="sng">
+                      <a:noFill/>
+                      <a:prstDash val="solid"/>
+                    </a:lnBlToTr>
+                  </a:tcPr>
+                </a:tc>
+                <a:tc>
+                  <a:txBody>
+                    <a:bodyPr/>
+                    <a:lstStyle/>
+                    <a:p>
+                      <a:r>
+                        <a:rPr lang="en-US" dirty="0"/>
+                        <a:t>G</a:t>
+                      </a:r>
+                      <a:endParaRPr lang="en-ZA" dirty="0"/>
+                    </a:p>
+                  </a:txBody>
+                  <a:tcPr>
+                    <a:lnL w="12700" cap="flat" cmpd="sng" algn="ctr">
+                      <a:solidFill>
+                        <a:schemeClr val="tx1"/>
+                      </a:solidFill>
+                      <a:prstDash val="solid"/>
+                      <a:round/>
+                      <a:headEnd type="none" w="med" len="med"/>
+                      <a:tailEnd type="none" w="med" len="med"/>
+                    </a:lnL>
+                  </a:tcPr>
+                </a:tc>
+                <a:extLst>
+                  <a:ext uri="{0D108BD9-81ED-4DB2-BD59-A6C34878D82A}">
+                    <a16:rowId xmlns:a16="http://schemas.microsoft.com/office/drawing/2014/main" val="1470498900"/>
+                  </a:ext>
+                </a:extLst>
+              </a:tr>
+            </a:tbl>
+          </a:graphicData>
+        </a:graphic>
+      </p:graphicFrame>
+      <p:sp>
+        <p:nvSpPr>
+          <p:cNvPr id="15" name="Right Brace 14">
+            <a:extLst>
+              <a:ext uri="{FF2B5EF4-FFF2-40B4-BE49-F238E27FC236}">
+                <a16:creationId xmlns:a16="http://schemas.microsoft.com/office/drawing/2014/main" id="{E70927D0-7F97-C46F-E8CD-314E430B3957}"/>
+              </a:ext>
+            </a:extLst>
+          </p:cNvPr>
+          <p:cNvSpPr/>
+          <p:nvPr/>
+        </p:nvSpPr>
+        <p:spPr>
+          <a:xfrm>
+            <a:off x="4809745" y="4384964"/>
+            <a:ext cx="210312" cy="731520"/>
+          </a:xfrm>
+          <a:prstGeom prst="rightBrace">
+            <a:avLst/>
+          </a:prstGeom>
+        </p:spPr>
         <p:style>
           <a:lnRef idx="2">
-            <a:schemeClr val="accent1">
-              <a:shade val="15000"/>
-            </a:schemeClr>
+            <a:schemeClr val="accent1"/>
           </a:lnRef>
-          <a:fillRef idx="1">
+          <a:fillRef idx="0">
             <a:schemeClr val="accent1"/>
           </a:fillRef>
-          <a:effectRef idx="0">
+          <a:effectRef idx="1">
             <a:schemeClr val="accent1"/>
           </a:effectRef>
           <a:fontRef idx="minor">
-            <a:schemeClr val="lt1"/>
+            <a:schemeClr val="tx1"/>
           </a:fontRef>
         </p:style>
         <p:txBody>
@@ -39995,52 +41453,12 @@
           </a:p>
         </p:txBody>
       </p:sp>
-      <p:cxnSp>
-        <p:nvCxnSpPr>
-          <p:cNvPr id="11" name="Straight Connector 10">
-            <a:extLst>
-              <a:ext uri="{FF2B5EF4-FFF2-40B4-BE49-F238E27FC236}">
-                <a16:creationId xmlns:a16="http://schemas.microsoft.com/office/drawing/2014/main" id="{B3C94D41-88CE-F546-12DD-0A00B623BD3C}"/>
-              </a:ext>
-            </a:extLst>
-          </p:cNvPr>
-          <p:cNvCxnSpPr>
-            <a:cxnSpLocks/>
-            <a:stCxn id="9" idx="0"/>
-            <a:endCxn id="9" idx="2"/>
-          </p:cNvCxnSpPr>
-          <p:nvPr/>
-        </p:nvCxnSpPr>
-        <p:spPr>
-          <a:xfrm>
-            <a:off x="2544356" y="3960041"/>
-            <a:ext cx="0" cy="369333"/>
-          </a:xfrm>
-          <a:prstGeom prst="line">
-            <a:avLst/>
-          </a:prstGeom>
-        </p:spPr>
-        <p:style>
-          <a:lnRef idx="2">
-            <a:schemeClr val="accent1"/>
-          </a:lnRef>
-          <a:fillRef idx="0">
-            <a:schemeClr val="accent1"/>
-          </a:fillRef>
-          <a:effectRef idx="1">
-            <a:schemeClr val="accent1"/>
-          </a:effectRef>
-          <a:fontRef idx="minor">
-            <a:schemeClr val="tx1"/>
-          </a:fontRef>
-        </p:style>
-      </p:cxnSp>
       <p:sp>
         <p:nvSpPr>
-          <p:cNvPr id="13" name="TextBox 12">
-            <a:extLst>
-              <a:ext uri="{FF2B5EF4-FFF2-40B4-BE49-F238E27FC236}">
-                <a16:creationId xmlns:a16="http://schemas.microsoft.com/office/drawing/2014/main" id="{AF8DF9A6-CA62-91B8-F14D-1D6188F60F0A}"/>
+          <p:cNvPr id="16" name="TextBox 15">
+            <a:extLst>
+              <a:ext uri="{FF2B5EF4-FFF2-40B4-BE49-F238E27FC236}">
+                <a16:creationId xmlns:a16="http://schemas.microsoft.com/office/drawing/2014/main" id="{F4AD15C4-003F-4E4B-17A4-FDB099F20961}"/>
               </a:ext>
             </a:extLst>
           </p:cNvPr>
@@ -40049,8 +41467,8 @@
         </p:nvSpPr>
         <p:spPr>
           <a:xfrm>
-            <a:off x="1214340" y="3543008"/>
-            <a:ext cx="2981231" cy="369332"/>
+            <a:off x="5093207" y="4211228"/>
+            <a:ext cx="1591057" cy="1477328"/>
           </a:xfrm>
           <a:prstGeom prst="rect">
             <a:avLst/>
@@ -40065,7 +41483,23 @@
           <a:p>
             <a:r>
               <a:rPr lang="en-US" dirty="0"/>
-              <a:t>Input numbers in decimal</a:t>
+              <a:t>*</a:t>
+            </a:r>
+            <a:r>
+              <a:rPr lang="en-US" dirty="0" err="1"/>
+              <a:t>i</a:t>
+            </a:r>
+            <a:r>
+              <a:rPr lang="en-US" dirty="0"/>
+              <a:t>=0 for both A and B filled; (G,P)</a:t>
+            </a:r>
+            <a:r>
+              <a:rPr lang="en-US" baseline="-25000" dirty="0"/>
+              <a:t>I</a:t>
+            </a:r>
+            <a:r>
+              <a:rPr lang="en-US" dirty="0"/>
+              <a:t> can now begin in parallel</a:t>
             </a:r>
             <a:endParaRPr lang="en-ZA" dirty="0"/>
           </a:p>
@@ -40073,98 +41507,10 @@
       </p:sp>
       <p:sp>
         <p:nvSpPr>
-          <p:cNvPr id="22" name="TextBox 21">
-            <a:extLst>
-              <a:ext uri="{FF2B5EF4-FFF2-40B4-BE49-F238E27FC236}">
-                <a16:creationId xmlns:a16="http://schemas.microsoft.com/office/drawing/2014/main" id="{50379C87-5B31-A89A-5812-6311D7F9F3D7}"/>
-              </a:ext>
-            </a:extLst>
-          </p:cNvPr>
-          <p:cNvSpPr txBox="1"/>
-          <p:nvPr/>
-        </p:nvSpPr>
-        <p:spPr>
-          <a:xfrm>
-            <a:off x="523533" y="3950110"/>
-            <a:ext cx="1954432" cy="307777"/>
-          </a:xfrm>
-          <a:prstGeom prst="rect">
-            <a:avLst/>
-          </a:prstGeom>
-          <a:noFill/>
-        </p:spPr>
-        <p:txBody>
-          <a:bodyPr wrap="square">
-            <a:spAutoFit/>
-          </a:bodyPr>
-          <a:lstStyle/>
-          <a:p>
-            <a:r>
-              <a:rPr lang="en-US" sz="1400" dirty="0"/>
-              <a:t>*some number A* </a:t>
-            </a:r>
-            <a:r>
-              <a:rPr lang="en-US" sz="1400" dirty="0" err="1"/>
-              <a:t>eg</a:t>
-            </a:r>
-            <a:r>
-              <a:rPr lang="en-US" sz="1400" dirty="0"/>
-              <a:t> 5</a:t>
-            </a:r>
-            <a:endParaRPr lang="en-ZA" sz="1400" dirty="0"/>
-          </a:p>
-        </p:txBody>
-      </p:sp>
-      <p:sp>
-        <p:nvSpPr>
-          <p:cNvPr id="23" name="TextBox 22">
-            <a:extLst>
-              <a:ext uri="{FF2B5EF4-FFF2-40B4-BE49-F238E27FC236}">
-                <a16:creationId xmlns:a16="http://schemas.microsoft.com/office/drawing/2014/main" id="{A9CD8C1F-5A40-AB89-7D70-1A3F04540381}"/>
-              </a:ext>
-            </a:extLst>
-          </p:cNvPr>
-          <p:cNvSpPr txBox="1"/>
-          <p:nvPr/>
-        </p:nvSpPr>
-        <p:spPr>
-          <a:xfrm>
-            <a:off x="2593497" y="3969973"/>
-            <a:ext cx="1954432" cy="307777"/>
-          </a:xfrm>
-          <a:prstGeom prst="rect">
-            <a:avLst/>
-          </a:prstGeom>
-          <a:noFill/>
-        </p:spPr>
-        <p:txBody>
-          <a:bodyPr wrap="square">
-            <a:spAutoFit/>
-          </a:bodyPr>
-          <a:lstStyle/>
-          <a:p>
-            <a:r>
-              <a:rPr lang="en-US" sz="1400" dirty="0"/>
-              <a:t>*some number B* </a:t>
-            </a:r>
-            <a:r>
-              <a:rPr lang="en-US" sz="1400" dirty="0" err="1"/>
-              <a:t>eg</a:t>
-            </a:r>
-            <a:r>
-              <a:rPr lang="en-US" sz="1400" dirty="0"/>
-              <a:t> 3</a:t>
-            </a:r>
-            <a:endParaRPr lang="en-ZA" sz="1400" dirty="0"/>
-          </a:p>
-        </p:txBody>
-      </p:sp>
-      <p:sp>
-        <p:nvSpPr>
-          <p:cNvPr id="58" name="Rectangle 57">
-            <a:extLst>
-              <a:ext uri="{FF2B5EF4-FFF2-40B4-BE49-F238E27FC236}">
-                <a16:creationId xmlns:a16="http://schemas.microsoft.com/office/drawing/2014/main" id="{9760CA99-2D7D-6E65-5459-75C6CCC97BD6}"/>
+          <p:cNvPr id="17" name="Freeform: Shape 16">
+            <a:extLst>
+              <a:ext uri="{FF2B5EF4-FFF2-40B4-BE49-F238E27FC236}">
+                <a16:creationId xmlns:a16="http://schemas.microsoft.com/office/drawing/2014/main" id="{FEC95C12-F47E-6931-0C87-AB1CB1D110D1}"/>
               </a:ext>
             </a:extLst>
           </p:cNvPr>
@@ -40173,13 +41519,54 @@
         </p:nvSpPr>
         <p:spPr>
           <a:xfrm>
-            <a:off x="404095" y="3429000"/>
-            <a:ext cx="4347827" cy="1040808"/>
+            <a:off x="4577829" y="5404104"/>
+            <a:ext cx="771411" cy="393059"/>
           </a:xfrm>
-          <a:prstGeom prst="rect">
+          <a:custGeom>
             <a:avLst/>
-          </a:prstGeom>
+            <a:gdLst>
+              <a:gd name="connsiteX0" fmla="*/ 771411 w 771411"/>
+              <a:gd name="connsiteY0" fmla="*/ 338328 h 393059"/>
+              <a:gd name="connsiteX1" fmla="*/ 469659 w 771411"/>
+              <a:gd name="connsiteY1" fmla="*/ 365760 h 393059"/>
+              <a:gd name="connsiteX2" fmla="*/ 3315 w 771411"/>
+              <a:gd name="connsiteY2" fmla="*/ 0 h 393059"/>
+            </a:gdLst>
+            <a:ahLst/>
+            <a:cxnLst>
+              <a:cxn ang="0">
+                <a:pos x="connsiteX0" y="connsiteY0"/>
+              </a:cxn>
+              <a:cxn ang="0">
+                <a:pos x="connsiteX1" y="connsiteY1"/>
+              </a:cxn>
+              <a:cxn ang="0">
+                <a:pos x="connsiteX2" y="connsiteY2"/>
+              </a:cxn>
+            </a:cxnLst>
+            <a:rect l="l" t="t" r="r" b="b"/>
+            <a:pathLst>
+              <a:path w="771411" h="393059">
+                <a:moveTo>
+                  <a:pt x="771411" y="338328"/>
+                </a:moveTo>
+                <a:cubicBezTo>
+                  <a:pt x="684543" y="380238"/>
+                  <a:pt x="597675" y="422148"/>
+                  <a:pt x="469659" y="365760"/>
+                </a:cubicBezTo>
+                <a:cubicBezTo>
+                  <a:pt x="341643" y="309372"/>
+                  <a:pt x="-39357" y="42672"/>
+                  <a:pt x="3315" y="0"/>
+                </a:cubicBezTo>
+              </a:path>
+            </a:pathLst>
+          </a:custGeom>
           <a:noFill/>
+          <a:ln>
+            <a:tailEnd type="stealth" w="lg" len="lg"/>
+          </a:ln>
         </p:spPr>
         <p:style>
           <a:lnRef idx="2">
@@ -40208,412 +41595,10 @@
       </p:sp>
       <p:sp>
         <p:nvSpPr>
-          <p:cNvPr id="77" name="TextBox 76">
-            <a:extLst>
-              <a:ext uri="{FF2B5EF4-FFF2-40B4-BE49-F238E27FC236}">
-                <a16:creationId xmlns:a16="http://schemas.microsoft.com/office/drawing/2014/main" id="{DE4ECC24-2951-1F0B-8852-66A8FFAD75F1}"/>
-              </a:ext>
-            </a:extLst>
-          </p:cNvPr>
-          <p:cNvSpPr txBox="1"/>
-          <p:nvPr/>
-        </p:nvSpPr>
-        <p:spPr>
-          <a:xfrm>
-            <a:off x="72580" y="101423"/>
-            <a:ext cx="5010859" cy="584775"/>
-          </a:xfrm>
-          <a:prstGeom prst="rect">
-            <a:avLst/>
-          </a:prstGeom>
-          <a:noFill/>
-        </p:spPr>
-        <p:txBody>
-          <a:bodyPr wrap="none" rtlCol="0">
-            <a:spAutoFit/>
-          </a:bodyPr>
-          <a:lstStyle/>
-          <a:p>
-            <a:r>
-              <a:rPr lang="en-US" sz="3200" b="1" dirty="0"/>
-              <a:t>Procedure assuming 1 ant</a:t>
-            </a:r>
-            <a:endParaRPr lang="en-ZA" sz="3200" b="1" dirty="0"/>
-          </a:p>
-        </p:txBody>
-      </p:sp>
-      <p:graphicFrame>
-        <p:nvGraphicFramePr>
-          <p:cNvPr id="78" name="Table 77">
-            <a:extLst>
-              <a:ext uri="{FF2B5EF4-FFF2-40B4-BE49-F238E27FC236}">
-                <a16:creationId xmlns:a16="http://schemas.microsoft.com/office/drawing/2014/main" id="{AF662931-4E5D-F47C-5CE2-5E4E9F3CA604}"/>
-              </a:ext>
-            </a:extLst>
-          </p:cNvPr>
-          <p:cNvGraphicFramePr>
-            <a:graphicFrameLocks noGrp="1"/>
-          </p:cNvGraphicFramePr>
-          <p:nvPr/>
-        </p:nvGraphicFramePr>
-        <p:xfrm>
-          <a:off x="415730" y="5403292"/>
-          <a:ext cx="3050380" cy="741680"/>
-        </p:xfrm>
-        <a:graphic>
-          <a:graphicData uri="http://schemas.openxmlformats.org/drawingml/2006/table">
-            <a:tbl>
-              <a:tblPr firstRow="1" bandRow="1">
-                <a:tableStyleId>{5C22544A-7EE6-4342-B048-85BDC9FD1C3A}</a:tableStyleId>
-              </a:tblPr>
-              <a:tblGrid>
-                <a:gridCol w="762595">
-                  <a:extLst>
-                    <a:ext uri="{9D8B030D-6E8A-4147-A177-3AD203B41FA5}">
-                      <a16:colId xmlns:a16="http://schemas.microsoft.com/office/drawing/2014/main" val="2619294768"/>
-                    </a:ext>
-                  </a:extLst>
-                </a:gridCol>
-                <a:gridCol w="762595">
-                  <a:extLst>
-                    <a:ext uri="{9D8B030D-6E8A-4147-A177-3AD203B41FA5}">
-                      <a16:colId xmlns:a16="http://schemas.microsoft.com/office/drawing/2014/main" val="2109130621"/>
-                    </a:ext>
-                  </a:extLst>
-                </a:gridCol>
-                <a:gridCol w="762595">
-                  <a:extLst>
-                    <a:ext uri="{9D8B030D-6E8A-4147-A177-3AD203B41FA5}">
-                      <a16:colId xmlns:a16="http://schemas.microsoft.com/office/drawing/2014/main" val="4100099907"/>
-                    </a:ext>
-                  </a:extLst>
-                </a:gridCol>
-                <a:gridCol w="762595">
-                  <a:extLst>
-                    <a:ext uri="{9D8B030D-6E8A-4147-A177-3AD203B41FA5}">
-                      <a16:colId xmlns:a16="http://schemas.microsoft.com/office/drawing/2014/main" val="3812259087"/>
-                    </a:ext>
-                  </a:extLst>
-                </a:gridCol>
-              </a:tblGrid>
-              <a:tr h="370840">
-                <a:tc>
-                  <a:txBody>
-                    <a:bodyPr/>
-                    <a:lstStyle/>
-                    <a:p>
-                      <a:r>
-                        <a:rPr lang="en-US" dirty="0"/>
-                        <a:t>0</a:t>
-                      </a:r>
-                      <a:endParaRPr lang="en-ZA" dirty="0"/>
-                    </a:p>
-                  </a:txBody>
-                  <a:tcPr/>
-                </a:tc>
-                <a:tc>
-                  <a:txBody>
-                    <a:bodyPr/>
-                    <a:lstStyle/>
-                    <a:p>
-                      <a:r>
-                        <a:rPr lang="en-US" dirty="0"/>
-                        <a:t>1</a:t>
-                      </a:r>
-                      <a:endParaRPr lang="en-ZA" dirty="0"/>
-                    </a:p>
-                  </a:txBody>
-                  <a:tcPr/>
-                </a:tc>
-                <a:tc>
-                  <a:txBody>
-                    <a:bodyPr/>
-                    <a:lstStyle/>
-                    <a:p>
-                      <a:r>
-                        <a:rPr lang="en-US" dirty="0"/>
-                        <a:t>0</a:t>
-                      </a:r>
-                      <a:endParaRPr lang="en-ZA" dirty="0"/>
-                    </a:p>
-                  </a:txBody>
-                  <a:tcPr/>
-                </a:tc>
-                <a:tc>
-                  <a:txBody>
-                    <a:bodyPr/>
-                    <a:lstStyle/>
-                    <a:p>
-                      <a:r>
-                        <a:rPr lang="en-US" dirty="0"/>
-                        <a:t>1</a:t>
-                      </a:r>
-                      <a:endParaRPr lang="en-ZA" dirty="0"/>
-                    </a:p>
-                  </a:txBody>
-                  <a:tcPr/>
-                </a:tc>
-                <a:extLst>
-                  <a:ext uri="{0D108BD9-81ED-4DB2-BD59-A6C34878D82A}">
-                    <a16:rowId xmlns:a16="http://schemas.microsoft.com/office/drawing/2014/main" val="1124948310"/>
-                  </a:ext>
-                </a:extLst>
-              </a:tr>
-              <a:tr h="370840">
-                <a:tc>
-                  <a:txBody>
-                    <a:bodyPr/>
-                    <a:lstStyle/>
-                    <a:p>
-                      <a:endParaRPr lang="en-ZA" dirty="0"/>
-                    </a:p>
-                  </a:txBody>
-                  <a:tcPr/>
-                </a:tc>
-                <a:tc>
-                  <a:txBody>
-                    <a:bodyPr/>
-                    <a:lstStyle/>
-                    <a:p>
-                      <a:endParaRPr lang="en-ZA" dirty="0"/>
-                    </a:p>
-                  </a:txBody>
-                  <a:tcPr/>
-                </a:tc>
-                <a:tc>
-                  <a:txBody>
-                    <a:bodyPr/>
-                    <a:lstStyle/>
-                    <a:p>
-                      <a:endParaRPr lang="en-ZA" dirty="0"/>
-                    </a:p>
-                  </a:txBody>
-                  <a:tcPr/>
-                </a:tc>
-                <a:tc>
-                  <a:txBody>
-                    <a:bodyPr/>
-                    <a:lstStyle/>
-                    <a:p>
-                      <a:endParaRPr lang="en-ZA" dirty="0"/>
-                    </a:p>
-                  </a:txBody>
-                  <a:tcPr/>
-                </a:tc>
-                <a:extLst>
-                  <a:ext uri="{0D108BD9-81ED-4DB2-BD59-A6C34878D82A}">
-                    <a16:rowId xmlns:a16="http://schemas.microsoft.com/office/drawing/2014/main" val="1458825775"/>
-                  </a:ext>
-                </a:extLst>
-              </a:tr>
-            </a:tbl>
-          </a:graphicData>
-        </a:graphic>
-      </p:graphicFrame>
-      <p:graphicFrame>
-        <p:nvGraphicFramePr>
-          <p:cNvPr id="79" name="Table 78">
-            <a:extLst>
-              <a:ext uri="{FF2B5EF4-FFF2-40B4-BE49-F238E27FC236}">
-                <a16:creationId xmlns:a16="http://schemas.microsoft.com/office/drawing/2014/main" id="{A1A4CB27-E9AF-2CA2-E443-42A2E494A508}"/>
-              </a:ext>
-            </a:extLst>
-          </p:cNvPr>
-          <p:cNvGraphicFramePr>
-            <a:graphicFrameLocks noGrp="1"/>
-          </p:cNvGraphicFramePr>
-          <p:nvPr/>
-        </p:nvGraphicFramePr>
-        <p:xfrm>
-          <a:off x="415730" y="5812520"/>
-          <a:ext cx="3050380" cy="370840"/>
-        </p:xfrm>
-        <a:graphic>
-          <a:graphicData uri="http://schemas.openxmlformats.org/drawingml/2006/table">
-            <a:tbl>
-              <a:tblPr firstRow="1" bandRow="1">
-                <a:tableStyleId>{5C22544A-7EE6-4342-B048-85BDC9FD1C3A}</a:tableStyleId>
-              </a:tblPr>
-              <a:tblGrid>
-                <a:gridCol w="762595">
-                  <a:extLst>
-                    <a:ext uri="{9D8B030D-6E8A-4147-A177-3AD203B41FA5}">
-                      <a16:colId xmlns:a16="http://schemas.microsoft.com/office/drawing/2014/main" val="2619294768"/>
-                    </a:ext>
-                  </a:extLst>
-                </a:gridCol>
-                <a:gridCol w="762595">
-                  <a:extLst>
-                    <a:ext uri="{9D8B030D-6E8A-4147-A177-3AD203B41FA5}">
-                      <a16:colId xmlns:a16="http://schemas.microsoft.com/office/drawing/2014/main" val="2109130621"/>
-                    </a:ext>
-                  </a:extLst>
-                </a:gridCol>
-                <a:gridCol w="762595">
-                  <a:extLst>
-                    <a:ext uri="{9D8B030D-6E8A-4147-A177-3AD203B41FA5}">
-                      <a16:colId xmlns:a16="http://schemas.microsoft.com/office/drawing/2014/main" val="4100099907"/>
-                    </a:ext>
-                  </a:extLst>
-                </a:gridCol>
-                <a:gridCol w="762595">
-                  <a:extLst>
-                    <a:ext uri="{9D8B030D-6E8A-4147-A177-3AD203B41FA5}">
-                      <a16:colId xmlns:a16="http://schemas.microsoft.com/office/drawing/2014/main" val="3812259087"/>
-                    </a:ext>
-                  </a:extLst>
-                </a:gridCol>
-              </a:tblGrid>
-              <a:tr h="370840">
-                <a:tc>
-                  <a:txBody>
-                    <a:bodyPr/>
-                    <a:lstStyle/>
-                    <a:p>
-                      <a:r>
-                        <a:rPr lang="en-US" dirty="0"/>
-                        <a:t>0</a:t>
-                      </a:r>
-                      <a:endParaRPr lang="en-ZA" dirty="0"/>
-                    </a:p>
-                  </a:txBody>
-                  <a:tcPr/>
-                </a:tc>
-                <a:tc>
-                  <a:txBody>
-                    <a:bodyPr/>
-                    <a:lstStyle/>
-                    <a:p>
-                      <a:r>
-                        <a:rPr lang="en-US" dirty="0"/>
-                        <a:t>0</a:t>
-                      </a:r>
-                      <a:endParaRPr lang="en-ZA" dirty="0"/>
-                    </a:p>
-                  </a:txBody>
-                  <a:tcPr/>
-                </a:tc>
-                <a:tc>
-                  <a:txBody>
-                    <a:bodyPr/>
-                    <a:lstStyle/>
-                    <a:p>
-                      <a:r>
-                        <a:rPr lang="en-US" dirty="0"/>
-                        <a:t>1</a:t>
-                      </a:r>
-                      <a:endParaRPr lang="en-ZA" dirty="0"/>
-                    </a:p>
-                  </a:txBody>
-                  <a:tcPr/>
-                </a:tc>
-                <a:tc>
-                  <a:txBody>
-                    <a:bodyPr/>
-                    <a:lstStyle/>
-                    <a:p>
-                      <a:r>
-                        <a:rPr lang="en-US" dirty="0"/>
-                        <a:t>1</a:t>
-                      </a:r>
-                      <a:endParaRPr lang="en-ZA" dirty="0"/>
-                    </a:p>
-                  </a:txBody>
-                  <a:tcPr/>
-                </a:tc>
-                <a:extLst>
-                  <a:ext uri="{0D108BD9-81ED-4DB2-BD59-A6C34878D82A}">
-                    <a16:rowId xmlns:a16="http://schemas.microsoft.com/office/drawing/2014/main" val="1124948310"/>
-                  </a:ext>
-                </a:extLst>
-              </a:tr>
-            </a:tbl>
-          </a:graphicData>
-        </a:graphic>
-      </p:graphicFrame>
-      <p:sp>
-        <p:nvSpPr>
-          <p:cNvPr id="81" name="TextBox 80">
-            <a:extLst>
-              <a:ext uri="{FF2B5EF4-FFF2-40B4-BE49-F238E27FC236}">
-                <a16:creationId xmlns:a16="http://schemas.microsoft.com/office/drawing/2014/main" id="{B48CB437-1231-E624-4379-67E7D559BF3C}"/>
-              </a:ext>
-            </a:extLst>
-          </p:cNvPr>
-          <p:cNvSpPr txBox="1"/>
-          <p:nvPr/>
-        </p:nvSpPr>
-        <p:spPr>
-          <a:xfrm>
-            <a:off x="360716" y="5018930"/>
-            <a:ext cx="2981231" cy="369332"/>
-          </a:xfrm>
-          <a:prstGeom prst="rect">
-            <a:avLst/>
-          </a:prstGeom>
-          <a:noFill/>
-        </p:spPr>
-        <p:txBody>
-          <a:bodyPr wrap="square" rtlCol="0">
-            <a:spAutoFit/>
-          </a:bodyPr>
-          <a:lstStyle/>
-          <a:p>
-            <a:r>
-              <a:rPr lang="en-US" dirty="0"/>
-              <a:t>Input numbers in binary</a:t>
-            </a:r>
-            <a:endParaRPr lang="en-ZA" dirty="0"/>
-          </a:p>
-        </p:txBody>
-      </p:sp>
-      <p:cxnSp>
-        <p:nvCxnSpPr>
-          <p:cNvPr id="83" name="Straight Arrow Connector 82">
-            <a:extLst>
-              <a:ext uri="{FF2B5EF4-FFF2-40B4-BE49-F238E27FC236}">
-                <a16:creationId xmlns:a16="http://schemas.microsoft.com/office/drawing/2014/main" id="{DE88530C-87DD-95D9-AE63-78C79C10BAEB}"/>
-              </a:ext>
-            </a:extLst>
-          </p:cNvPr>
-          <p:cNvCxnSpPr>
-            <a:cxnSpLocks/>
-          </p:cNvCxnSpPr>
-          <p:nvPr/>
-        </p:nvCxnSpPr>
-        <p:spPr>
-          <a:xfrm>
-            <a:off x="2065375" y="4507497"/>
-            <a:ext cx="0" cy="419581"/>
-          </a:xfrm>
-          <a:prstGeom prst="straightConnector1">
-            <a:avLst/>
-          </a:prstGeom>
-          <a:ln w="31750">
-            <a:tailEnd type="stealth" w="lg" len="lg"/>
-          </a:ln>
-        </p:spPr>
-        <p:style>
-          <a:lnRef idx="2">
-            <a:schemeClr val="accent1"/>
-          </a:lnRef>
-          <a:fillRef idx="0">
-            <a:schemeClr val="accent1"/>
-          </a:fillRef>
-          <a:effectRef idx="1">
-            <a:schemeClr val="accent1"/>
-          </a:effectRef>
-          <a:fontRef idx="minor">
-            <a:schemeClr val="tx1"/>
-          </a:fontRef>
-        </p:style>
-      </p:cxnSp>
-      <p:sp>
-        <p:nvSpPr>
-          <p:cNvPr id="85" name="Rectangle 84">
-            <a:extLst>
-              <a:ext uri="{FF2B5EF4-FFF2-40B4-BE49-F238E27FC236}">
-                <a16:creationId xmlns:a16="http://schemas.microsoft.com/office/drawing/2014/main" id="{3EAA690E-BDA6-8A68-59F1-11A3816F720C}"/>
+          <p:cNvPr id="20" name="Freeform: Shape 19">
+            <a:extLst>
+              <a:ext uri="{FF2B5EF4-FFF2-40B4-BE49-F238E27FC236}">
+                <a16:creationId xmlns:a16="http://schemas.microsoft.com/office/drawing/2014/main" id="{814A9AAD-6F0D-EAE2-04C8-76F594D7F816}"/>
               </a:ext>
             </a:extLst>
           </p:cNvPr>
@@ -40622,13 +41607,54 @@
         </p:nvSpPr>
         <p:spPr>
           <a:xfrm>
-            <a:off x="311916" y="4976716"/>
-            <a:ext cx="3588871" cy="1365387"/>
+            <a:off x="4562272" y="5749047"/>
+            <a:ext cx="865762" cy="262709"/>
           </a:xfrm>
-          <a:prstGeom prst="rect">
+          <a:custGeom>
             <a:avLst/>
-          </a:prstGeom>
+            <a:gdLst>
+              <a:gd name="connsiteX0" fmla="*/ 865762 w 865762"/>
+              <a:gd name="connsiteY0" fmla="*/ 19455 h 262709"/>
+              <a:gd name="connsiteX1" fmla="*/ 554477 w 865762"/>
+              <a:gd name="connsiteY1" fmla="*/ 262647 h 262709"/>
+              <a:gd name="connsiteX2" fmla="*/ 0 w 865762"/>
+              <a:gd name="connsiteY2" fmla="*/ 0 h 262709"/>
+            </a:gdLst>
+            <a:ahLst/>
+            <a:cxnLst>
+              <a:cxn ang="0">
+                <a:pos x="connsiteX0" y="connsiteY0"/>
+              </a:cxn>
+              <a:cxn ang="0">
+                <a:pos x="connsiteX1" y="connsiteY1"/>
+              </a:cxn>
+              <a:cxn ang="0">
+                <a:pos x="connsiteX2" y="connsiteY2"/>
+              </a:cxn>
+            </a:cxnLst>
+            <a:rect l="l" t="t" r="r" b="b"/>
+            <a:pathLst>
+              <a:path w="865762" h="262709">
+                <a:moveTo>
+                  <a:pt x="865762" y="19455"/>
+                </a:moveTo>
+                <a:cubicBezTo>
+                  <a:pt x="782266" y="142672"/>
+                  <a:pt x="698771" y="265890"/>
+                  <a:pt x="554477" y="262647"/>
+                </a:cubicBezTo>
+                <a:cubicBezTo>
+                  <a:pt x="410183" y="259405"/>
+                  <a:pt x="205091" y="129702"/>
+                  <a:pt x="0" y="0"/>
+                </a:cubicBezTo>
+              </a:path>
+            </a:pathLst>
+          </a:custGeom>
           <a:noFill/>
+          <a:ln>
+            <a:tailEnd type="stealth" w="lg" len="lg"/>
+          </a:ln>
         </p:spPr>
         <p:style>
           <a:lnRef idx="2">
@@ -40657,10 +41683,10 @@
       </p:sp>
       <p:sp>
         <p:nvSpPr>
-          <p:cNvPr id="86" name="TextBox 85">
-            <a:extLst>
-              <a:ext uri="{FF2B5EF4-FFF2-40B4-BE49-F238E27FC236}">
-                <a16:creationId xmlns:a16="http://schemas.microsoft.com/office/drawing/2014/main" id="{F1DF7BAD-E249-5E4A-3C0E-F1B9E36BF9BA}"/>
+          <p:cNvPr id="21" name="TextBox 20">
+            <a:extLst>
+              <a:ext uri="{FF2B5EF4-FFF2-40B4-BE49-F238E27FC236}">
+                <a16:creationId xmlns:a16="http://schemas.microsoft.com/office/drawing/2014/main" id="{6083A199-F14F-BD91-DB40-E9002E7C84A5}"/>
               </a:ext>
             </a:extLst>
           </p:cNvPr>
@@ -40669,8 +41695,8 @@
         </p:nvSpPr>
         <p:spPr>
           <a:xfrm>
-            <a:off x="105487" y="1582910"/>
-            <a:ext cx="4865348" cy="2031325"/>
+            <a:off x="7447562" y="1397675"/>
+            <a:ext cx="3547872" cy="923330"/>
           </a:xfrm>
           <a:prstGeom prst="rect">
             <a:avLst/>
@@ -40683,46 +41709,40 @@
           </a:bodyPr>
           <a:lstStyle/>
           <a:p>
-            <a:pPr marL="342900" indent="-342900">
-              <a:buAutoNum type="arabicPeriod"/>
-            </a:pPr>
             <a:r>
-              <a:rPr lang="en-US" dirty="0"/>
-              <a:t>Ant ‘looks at’ one of the two inputs.</a:t>
+              <a:rPr lang="en-US"/>
+              <a:t>d) If either (G,P) for 1,0 or (G,P) for 3,2 are available, (G,P)</a:t>
             </a:r>
-          </a:p>
-          <a:p>
-            <a:pPr marL="342900" indent="-342900">
-              <a:buAutoNum type="arabicPeriod"/>
-            </a:pPr>
             <a:r>
-              <a:rPr lang="en-US" dirty="0"/>
-              <a:t>It moves to the input table and begins to lay out ONE of the inputs, from LSB to MSB, fetching grains as needed.</a:t>
+              <a:rPr lang="en-US" baseline="-25000"/>
+              <a:t>1:0 </a:t>
             </a:r>
-          </a:p>
-          <a:p>
-            <a:pPr marL="342900" indent="-342900">
-              <a:buAutoNum type="arabicPeriod"/>
-            </a:pPr>
             <a:r>
-              <a:rPr lang="en-US" dirty="0"/>
-              <a:t>Ant ‘looks’ at the other number, then does the same.</a:t>
+              <a:rPr lang="en-US"/>
+              <a:t>or (G,P)</a:t>
             </a:r>
-          </a:p>
-          <a:p>
-            <a:pPr marL="342900" indent="-342900">
-              <a:buAutoNum type="arabicPeriod"/>
-            </a:pPr>
+            <a:r>
+              <a:rPr lang="en-US" baseline="-25000"/>
+              <a:t>3:2</a:t>
+            </a:r>
+            <a:r>
+              <a:rPr lang="en-US"/>
+              <a:t> can be calculated.</a:t>
+            </a:r>
+            <a:r>
+              <a:rPr lang="en-US" baseline="-25000"/>
+              <a:t> </a:t>
+            </a:r>
             <a:endParaRPr lang="en-ZA" dirty="0"/>
           </a:p>
         </p:txBody>
       </p:sp>
       <p:sp>
         <p:nvSpPr>
-          <p:cNvPr id="3" name="TextBox 2">
-            <a:extLst>
-              <a:ext uri="{FF2B5EF4-FFF2-40B4-BE49-F238E27FC236}">
-                <a16:creationId xmlns:a16="http://schemas.microsoft.com/office/drawing/2014/main" id="{FC5DDD54-69D7-8D41-656F-0FE673D5666E}"/>
+          <p:cNvPr id="24" name="TextBox 23">
+            <a:extLst>
+              <a:ext uri="{FF2B5EF4-FFF2-40B4-BE49-F238E27FC236}">
+                <a16:creationId xmlns:a16="http://schemas.microsoft.com/office/drawing/2014/main" id="{EC5D70BD-7EE1-EECF-6141-0654816E207A}"/>
               </a:ext>
             </a:extLst>
           </p:cNvPr>
@@ -40731,8 +41751,8 @@
         </p:nvSpPr>
         <p:spPr>
           <a:xfrm>
-            <a:off x="6250125" y="403687"/>
-            <a:ext cx="4865348" cy="4801314"/>
+            <a:off x="7447562" y="2505670"/>
+            <a:ext cx="3547872" cy="1754326"/>
           </a:xfrm>
           <a:prstGeom prst="rect">
             <a:avLst/>
@@ -40747,29 +41767,29 @@
           <a:p>
             <a:r>
               <a:rPr lang="en-US" dirty="0"/>
-              <a:t>4. Ant will now calculate P and G rows, starting with P LSB-&gt;MSB, using formula:</a:t>
+              <a:t>e) Only </a:t>
+            </a:r>
+            <a:r>
+              <a:rPr lang="en-US" i="1" dirty="0"/>
+              <a:t>after </a:t>
+            </a:r>
+            <a:r>
+              <a:rPr lang="en-US" dirty="0"/>
+              <a:t>small binary (G,P)</a:t>
+            </a:r>
+            <a:r>
+              <a:rPr lang="en-US" baseline="-25000" dirty="0"/>
+              <a:t>2:0</a:t>
+            </a:r>
+            <a:r>
+              <a:rPr lang="en-US" dirty="0"/>
+              <a:t> has been calculated, can the carries be calculated in parallel.</a:t>
             </a:r>
           </a:p>
           <a:p>
             <a:r>
               <a:rPr lang="en-US" dirty="0"/>
-              <a:t>	P</a:t>
-            </a:r>
-            <a:r>
-              <a:rPr lang="en-US" baseline="-25000" dirty="0"/>
-              <a:t>i </a:t>
-            </a:r>
-            <a:r>
-              <a:rPr lang="en-US" dirty="0"/>
-              <a:t>= A</a:t>
-            </a:r>
-            <a:r>
-              <a:rPr lang="en-US" baseline="-25000" dirty="0"/>
-              <a:t>i </a:t>
-            </a:r>
-            <a:r>
-              <a:rPr lang="en-US" dirty="0"/>
-              <a:t>AND B</a:t>
+              <a:t>f) As pairs (P</a:t>
             </a:r>
             <a:r>
               <a:rPr lang="en-US" baseline="-25000" dirty="0"/>
@@ -40777,180 +41797,32 @@
             </a:r>
             <a:r>
               <a:rPr lang="en-US" dirty="0"/>
-              <a:t> ?</a:t>
-            </a:r>
-          </a:p>
-          <a:p>
-            <a:r>
-              <a:rPr lang="en-US" dirty="0"/>
-              <a:t>5. Memory row reserved for each Pi; filled in except for read-ready and value.</a:t>
-            </a:r>
-          </a:p>
-          <a:p>
-            <a:r>
-              <a:rPr lang="en-US" dirty="0"/>
-              <a:t>6. Each ‘calculation’ takes one trip to </a:t>
+              <a:t> , C</a:t>
             </a:r>
             <a:r>
-              <a:rPr lang="en-US" dirty="0" err="1"/>
-              <a:t>iff</a:t>
-            </a:r>
-            <a:r>
-              <a:rPr lang="en-US" dirty="0"/>
-              <a:t> gate, requiring up to three grains (two for input, another to try and pass through with).</a:t>
-            </a:r>
-          </a:p>
-          <a:p>
-            <a:r>
-              <a:rPr lang="en-US" dirty="0"/>
-              <a:t>7. The result is added to row ‘value’ for Pi, and ‘read-ready’ is checked.</a:t>
-            </a:r>
-          </a:p>
-          <a:p>
-            <a:r>
-              <a:rPr lang="en-US" dirty="0"/>
-              <a:t>8. When the P row is filled in, the ant starts with G in the same vein using the AND gate. AND grains are loaded, pins are closed, and ant records if he can pass through.</a:t>
-            </a:r>
-          </a:p>
-          <a:p>
-            <a:r>
-              <a:rPr lang="en-US" dirty="0"/>
-              <a:t>9. (G,P) for each </a:t>
-            </a:r>
-            <a:r>
-              <a:rPr lang="en-US" dirty="0" err="1"/>
+              <a:rPr lang="en-US" baseline="-25000" dirty="0"/>
               <a:t>i</a:t>
             </a:r>
             <a:r>
               <a:rPr lang="en-US" dirty="0"/>
-              <a:t> now calculated.</a:t>
+              <a:t>) become available, their S</a:t>
             </a:r>
-          </a:p>
-          <a:p>
-            <a:endParaRPr lang="en-US" dirty="0"/>
-          </a:p>
-          <a:p>
-            <a:endParaRPr lang="en-ZA" dirty="0"/>
-          </a:p>
-        </p:txBody>
-      </p:sp>
-      <p:sp>
-        <p:nvSpPr>
-          <p:cNvPr id="4" name="TextBox 3">
-            <a:extLst>
-              <a:ext uri="{FF2B5EF4-FFF2-40B4-BE49-F238E27FC236}">
-                <a16:creationId xmlns:a16="http://schemas.microsoft.com/office/drawing/2014/main" id="{6EEEEDDE-506D-ECF3-2340-03868B448F83}"/>
-              </a:ext>
-            </a:extLst>
-          </p:cNvPr>
-          <p:cNvSpPr txBox="1"/>
-          <p:nvPr/>
-        </p:nvSpPr>
-        <p:spPr>
-          <a:xfrm>
-            <a:off x="3504128" y="5388262"/>
-            <a:ext cx="331517" cy="369332"/>
-          </a:xfrm>
-          <a:prstGeom prst="rect">
-            <a:avLst/>
-          </a:prstGeom>
-          <a:noFill/>
-        </p:spPr>
-        <p:txBody>
-          <a:bodyPr wrap="square" rtlCol="0">
-            <a:spAutoFit/>
-          </a:bodyPr>
-          <a:lstStyle/>
-          <a:p>
+            <a:r>
+              <a:rPr lang="en-US" baseline="-25000" dirty="0"/>
+              <a:t>i</a:t>
+            </a:r>
             <a:r>
               <a:rPr lang="en-US" dirty="0"/>
-              <a:t>A</a:t>
+              <a:t> can be calculated.</a:t>
             </a:r>
             <a:endParaRPr lang="en-ZA" dirty="0"/>
           </a:p>
         </p:txBody>
       </p:sp>
-      <p:sp>
-        <p:nvSpPr>
-          <p:cNvPr id="5" name="TextBox 4">
-            <a:extLst>
-              <a:ext uri="{FF2B5EF4-FFF2-40B4-BE49-F238E27FC236}">
-                <a16:creationId xmlns:a16="http://schemas.microsoft.com/office/drawing/2014/main" id="{A431B503-70BB-54F2-1288-E16CB6E3C21C}"/>
-              </a:ext>
-            </a:extLst>
-          </p:cNvPr>
-          <p:cNvSpPr txBox="1"/>
-          <p:nvPr/>
-        </p:nvSpPr>
-        <p:spPr>
-          <a:xfrm>
-            <a:off x="3517690" y="5814028"/>
-            <a:ext cx="331517" cy="369332"/>
-          </a:xfrm>
-          <a:prstGeom prst="rect">
-            <a:avLst/>
-          </a:prstGeom>
-          <a:noFill/>
-        </p:spPr>
-        <p:txBody>
-          <a:bodyPr wrap="square" rtlCol="0">
-            <a:spAutoFit/>
-          </a:bodyPr>
-          <a:lstStyle/>
-          <a:p>
-            <a:r>
-              <a:rPr lang="en-US" dirty="0"/>
-              <a:t>B</a:t>
-            </a:r>
-            <a:endParaRPr lang="en-ZA" dirty="0"/>
-          </a:p>
-        </p:txBody>
-      </p:sp>
-      <p:cxnSp>
-        <p:nvCxnSpPr>
-          <p:cNvPr id="2" name="Straight Arrow Connector 1">
-            <a:extLst>
-              <a:ext uri="{FF2B5EF4-FFF2-40B4-BE49-F238E27FC236}">
-                <a16:creationId xmlns:a16="http://schemas.microsoft.com/office/drawing/2014/main" id="{ED3189BB-2B43-9CA2-0FBE-144426FD31AF}"/>
-              </a:ext>
-            </a:extLst>
-          </p:cNvPr>
-          <p:cNvCxnSpPr>
-            <a:cxnSpLocks/>
-          </p:cNvCxnSpPr>
-          <p:nvPr/>
-        </p:nvCxnSpPr>
-        <p:spPr>
-          <a:xfrm flipV="1">
-            <a:off x="4200498" y="2852928"/>
-            <a:ext cx="1895502" cy="2694875"/>
-          </a:xfrm>
-          <a:prstGeom prst="straightConnector1">
-            <a:avLst/>
-          </a:prstGeom>
-          <a:ln w="31750">
-            <a:tailEnd type="stealth" w="lg" len="lg"/>
-          </a:ln>
-        </p:spPr>
-        <p:style>
-          <a:lnRef idx="2">
-            <a:schemeClr val="accent1"/>
-          </a:lnRef>
-          <a:fillRef idx="0">
-            <a:schemeClr val="accent1"/>
-          </a:fillRef>
-          <a:effectRef idx="1">
-            <a:schemeClr val="accent1"/>
-          </a:effectRef>
-          <a:fontRef idx="minor">
-            <a:schemeClr val="tx1"/>
-          </a:fontRef>
-        </p:style>
-      </p:cxnSp>
     </p:spTree>
     <p:extLst>
       <p:ext uri="{BB962C8B-B14F-4D97-AF65-F5344CB8AC3E}">
-        <p14:creationId xmlns:p14="http://schemas.microsoft.com/office/powerpoint/2010/main" val="2360561963"/>
+        <p14:creationId xmlns:p14="http://schemas.microsoft.com/office/powerpoint/2010/main" val="4240532862"/>
       </p:ext>
     </p:extLst>
   </p:cSld>
@@ -40965,13 +41837,7 @@
   <p:cSld>
     <p:spTree>
       <p:nvGrpSpPr>
-        <p:cNvPr id="1" name="">
-          <a:extLst>
-            <a:ext uri="{FF2B5EF4-FFF2-40B4-BE49-F238E27FC236}">
-              <a16:creationId xmlns:a16="http://schemas.microsoft.com/office/drawing/2014/main" id="{3D08AE53-F0F9-228A-C874-4BD18A561F81}"/>
-            </a:ext>
-          </a:extLst>
-        </p:cNvPr>
+        <p:cNvPr id="1" name=""/>
         <p:cNvGrpSpPr/>
         <p:nvPr/>
       </p:nvGrpSpPr>
@@ -40983,48 +41849,12 @@
           <a:chExt cx="0" cy="0"/>
         </a:xfrm>
       </p:grpSpPr>
-      <p:pic>
-        <p:nvPicPr>
-          <p:cNvPr id="6" name="Picture 5" descr="A table with numbers and symbols&#10;&#10;AI-generated content may be incorrect.">
-            <a:extLst>
-              <a:ext uri="{FF2B5EF4-FFF2-40B4-BE49-F238E27FC236}">
-                <a16:creationId xmlns:a16="http://schemas.microsoft.com/office/drawing/2014/main" id="{32E8A35B-58A9-2FDB-96F6-18BD068FCADD}"/>
-              </a:ext>
-            </a:extLst>
-          </p:cNvPr>
-          <p:cNvPicPr>
-            <a:picLocks noChangeAspect="1"/>
-          </p:cNvPicPr>
-          <p:nvPr/>
-        </p:nvPicPr>
-        <p:blipFill>
-          <a:blip r:embed="rId2">
-            <a:extLst>
-              <a:ext uri="{28A0092B-C50C-407E-A947-70E740481C1C}">
-                <a14:useLocalDpi xmlns:a14="http://schemas.microsoft.com/office/drawing/2010/main" val="0"/>
-              </a:ext>
-            </a:extLst>
-          </a:blip>
-          <a:stretch>
-            <a:fillRect/>
-          </a:stretch>
-        </p:blipFill>
-        <p:spPr>
-          <a:xfrm>
-            <a:off x="8122873" y="3795815"/>
-            <a:ext cx="3622999" cy="2389933"/>
-          </a:xfrm>
-          <a:prstGeom prst="rect">
-            <a:avLst/>
-          </a:prstGeom>
-        </p:spPr>
-      </p:pic>
       <p:sp>
         <p:nvSpPr>
-          <p:cNvPr id="7" name="TextBox 6">
-            <a:extLst>
-              <a:ext uri="{FF2B5EF4-FFF2-40B4-BE49-F238E27FC236}">
-                <a16:creationId xmlns:a16="http://schemas.microsoft.com/office/drawing/2014/main" id="{B18D9199-A997-63FD-0B9B-6694D4FFD1AA}"/>
+          <p:cNvPr id="4" name="TextBox 3">
+            <a:extLst>
+              <a:ext uri="{FF2B5EF4-FFF2-40B4-BE49-F238E27FC236}">
+                <a16:creationId xmlns:a16="http://schemas.microsoft.com/office/drawing/2014/main" id="{D3091209-C85F-1C66-A0BE-51FB4C2647E2}"/>
               </a:ext>
             </a:extLst>
           </p:cNvPr>
@@ -41033,131 +41863,8 @@
         </p:nvSpPr>
         <p:spPr>
           <a:xfrm>
-            <a:off x="8119092" y="3468075"/>
-            <a:ext cx="997645" cy="369332"/>
-          </a:xfrm>
-          <a:prstGeom prst="rect">
-            <a:avLst/>
-          </a:prstGeom>
-          <a:noFill/>
-        </p:spPr>
-        <p:txBody>
-          <a:bodyPr wrap="none" rtlCol="0">
-            <a:spAutoFit/>
-          </a:bodyPr>
-          <a:lstStyle/>
-          <a:p>
-            <a:r>
-              <a:rPr lang="en-US" dirty="0"/>
-              <a:t>Memory</a:t>
-            </a:r>
-            <a:endParaRPr lang="en-ZA" dirty="0"/>
-          </a:p>
-        </p:txBody>
-      </p:sp>
-      <p:sp>
-        <p:nvSpPr>
-          <p:cNvPr id="9" name="Rectangle 8">
-            <a:extLst>
-              <a:ext uri="{FF2B5EF4-FFF2-40B4-BE49-F238E27FC236}">
-                <a16:creationId xmlns:a16="http://schemas.microsoft.com/office/drawing/2014/main" id="{293CE0DC-3E10-2E7F-B929-83128CF1BAA4}"/>
-              </a:ext>
-            </a:extLst>
-          </p:cNvPr>
-          <p:cNvSpPr/>
-          <p:nvPr/>
-        </p:nvSpPr>
-        <p:spPr>
-          <a:xfrm>
-            <a:off x="364778" y="1668548"/>
-            <a:ext cx="4041648" cy="369333"/>
-          </a:xfrm>
-          <a:prstGeom prst="rect">
-            <a:avLst/>
-          </a:prstGeom>
-          <a:noFill/>
-        </p:spPr>
-        <p:style>
-          <a:lnRef idx="2">
-            <a:schemeClr val="accent1">
-              <a:shade val="15000"/>
-            </a:schemeClr>
-          </a:lnRef>
-          <a:fillRef idx="1">
-            <a:schemeClr val="accent1"/>
-          </a:fillRef>
-          <a:effectRef idx="0">
-            <a:schemeClr val="accent1"/>
-          </a:effectRef>
-          <a:fontRef idx="minor">
-            <a:schemeClr val="lt1"/>
-          </a:fontRef>
-        </p:style>
-        <p:txBody>
-          <a:bodyPr rtlCol="0" anchor="ctr"/>
-          <a:lstStyle/>
-          <a:p>
-            <a:pPr algn="ctr"/>
-            <a:endParaRPr lang="en-ZA" dirty="0"/>
-          </a:p>
-        </p:txBody>
-      </p:sp>
-      <p:cxnSp>
-        <p:nvCxnSpPr>
-          <p:cNvPr id="11" name="Straight Connector 10">
-            <a:extLst>
-              <a:ext uri="{FF2B5EF4-FFF2-40B4-BE49-F238E27FC236}">
-                <a16:creationId xmlns:a16="http://schemas.microsoft.com/office/drawing/2014/main" id="{84A64918-A88E-9EB3-1C39-2AE95471339E}"/>
-              </a:ext>
-            </a:extLst>
-          </p:cNvPr>
-          <p:cNvCxnSpPr>
-            <a:cxnSpLocks/>
-            <a:stCxn id="9" idx="0"/>
-            <a:endCxn id="9" idx="2"/>
-          </p:cNvCxnSpPr>
-          <p:nvPr/>
-        </p:nvCxnSpPr>
-        <p:spPr>
-          <a:xfrm>
-            <a:off x="2385602" y="1668548"/>
-            <a:ext cx="0" cy="369333"/>
-          </a:xfrm>
-          <a:prstGeom prst="line">
-            <a:avLst/>
-          </a:prstGeom>
-        </p:spPr>
-        <p:style>
-          <a:lnRef idx="2">
-            <a:schemeClr val="accent1"/>
-          </a:lnRef>
-          <a:fillRef idx="0">
-            <a:schemeClr val="accent1"/>
-          </a:fillRef>
-          <a:effectRef idx="1">
-            <a:schemeClr val="accent1"/>
-          </a:effectRef>
-          <a:fontRef idx="minor">
-            <a:schemeClr val="tx1"/>
-          </a:fontRef>
-        </p:style>
-      </p:cxnSp>
-      <p:sp>
-        <p:nvSpPr>
-          <p:cNvPr id="13" name="TextBox 12">
-            <a:extLst>
-              <a:ext uri="{FF2B5EF4-FFF2-40B4-BE49-F238E27FC236}">
-                <a16:creationId xmlns:a16="http://schemas.microsoft.com/office/drawing/2014/main" id="{8D44E36F-ECC5-ADED-A090-F002DCC3963C}"/>
-              </a:ext>
-            </a:extLst>
-          </p:cNvPr>
-          <p:cNvSpPr txBox="1"/>
-          <p:nvPr/>
-        </p:nvSpPr>
-        <p:spPr>
-          <a:xfrm>
-            <a:off x="1055586" y="1251515"/>
-            <a:ext cx="2981231" cy="369332"/>
+            <a:off x="6887184" y="199259"/>
+            <a:ext cx="5304816" cy="1569660"/>
           </a:xfrm>
           <a:prstGeom prst="rect">
             <a:avLst/>
@@ -41171,197 +41878,19 @@
           <a:lstStyle/>
           <a:p>
             <a:r>
-              <a:rPr lang="en-US" dirty="0"/>
-              <a:t>Input numbers in decimal</a:t>
+              <a:rPr lang="en-US" sz="3200" b="1" dirty="0"/>
+              <a:t>Graph summary of how parallelism ‘yields’ to other processes</a:t>
             </a:r>
-            <a:endParaRPr lang="en-ZA" dirty="0"/>
+            <a:endParaRPr lang="en-ZA" sz="3200" b="1" dirty="0"/>
           </a:p>
         </p:txBody>
       </p:sp>
       <p:sp>
         <p:nvSpPr>
-          <p:cNvPr id="14" name="TextBox 13">
-            <a:extLst>
-              <a:ext uri="{FF2B5EF4-FFF2-40B4-BE49-F238E27FC236}">
-                <a16:creationId xmlns:a16="http://schemas.microsoft.com/office/drawing/2014/main" id="{521E37D7-324F-C8EA-F9B3-CD1B9C5902B4}"/>
-              </a:ext>
-            </a:extLst>
-          </p:cNvPr>
-          <p:cNvSpPr txBox="1"/>
-          <p:nvPr/>
-        </p:nvSpPr>
-        <p:spPr>
-          <a:xfrm>
-            <a:off x="327150" y="4874046"/>
-            <a:ext cx="2044406" cy="369332"/>
-          </a:xfrm>
-          <a:prstGeom prst="rect">
-            <a:avLst/>
-          </a:prstGeom>
-          <a:noFill/>
-        </p:spPr>
-        <p:txBody>
-          <a:bodyPr wrap="none" rtlCol="0">
-            <a:spAutoFit/>
-          </a:bodyPr>
-          <a:lstStyle/>
-          <a:p>
-            <a:r>
-              <a:rPr lang="en-US" dirty="0"/>
-              <a:t>Binary output cells</a:t>
-            </a:r>
-            <a:endParaRPr lang="en-ZA" dirty="0"/>
-          </a:p>
-        </p:txBody>
-      </p:sp>
-      <p:graphicFrame>
-        <p:nvGraphicFramePr>
-          <p:cNvPr id="16" name="Table 15">
-            <a:extLst>
-              <a:ext uri="{FF2B5EF4-FFF2-40B4-BE49-F238E27FC236}">
-                <a16:creationId xmlns:a16="http://schemas.microsoft.com/office/drawing/2014/main" id="{7EF16544-AB65-9B73-A8C2-3D37269A8AEE}"/>
-              </a:ext>
-            </a:extLst>
-          </p:cNvPr>
-          <p:cNvGraphicFramePr>
-            <a:graphicFrameLocks noGrp="1"/>
-          </p:cNvGraphicFramePr>
-          <p:nvPr/>
-        </p:nvGraphicFramePr>
-        <p:xfrm>
-          <a:off x="314585" y="5243378"/>
-          <a:ext cx="3673855" cy="369332"/>
-        </p:xfrm>
-        <a:graphic>
-          <a:graphicData uri="http://schemas.openxmlformats.org/drawingml/2006/table">
-            <a:tbl>
-              <a:tblPr firstRow="1" bandRow="1">
-                <a:tableStyleId>{5C22544A-7EE6-4342-B048-85BDC9FD1C3A}</a:tableStyleId>
-              </a:tblPr>
-              <a:tblGrid>
-                <a:gridCol w="734771">
-                  <a:extLst>
-                    <a:ext uri="{9D8B030D-6E8A-4147-A177-3AD203B41FA5}">
-                      <a16:colId xmlns:a16="http://schemas.microsoft.com/office/drawing/2014/main" val="3803754088"/>
-                    </a:ext>
-                  </a:extLst>
-                </a:gridCol>
-                <a:gridCol w="734771">
-                  <a:extLst>
-                    <a:ext uri="{9D8B030D-6E8A-4147-A177-3AD203B41FA5}">
-                      <a16:colId xmlns:a16="http://schemas.microsoft.com/office/drawing/2014/main" val="1006090249"/>
-                    </a:ext>
-                  </a:extLst>
-                </a:gridCol>
-                <a:gridCol w="734771">
-                  <a:extLst>
-                    <a:ext uri="{9D8B030D-6E8A-4147-A177-3AD203B41FA5}">
-                      <a16:colId xmlns:a16="http://schemas.microsoft.com/office/drawing/2014/main" val="3212768765"/>
-                    </a:ext>
-                  </a:extLst>
-                </a:gridCol>
-                <a:gridCol w="734771">
-                  <a:extLst>
-                    <a:ext uri="{9D8B030D-6E8A-4147-A177-3AD203B41FA5}">
-                      <a16:colId xmlns:a16="http://schemas.microsoft.com/office/drawing/2014/main" val="2330580289"/>
-                    </a:ext>
-                  </a:extLst>
-                </a:gridCol>
-                <a:gridCol w="734771">
-                  <a:extLst>
-                    <a:ext uri="{9D8B030D-6E8A-4147-A177-3AD203B41FA5}">
-                      <a16:colId xmlns:a16="http://schemas.microsoft.com/office/drawing/2014/main" val="1218384469"/>
-                    </a:ext>
-                  </a:extLst>
-                </a:gridCol>
-              </a:tblGrid>
-              <a:tr h="369332">
-                <a:tc>
-                  <a:txBody>
-                    <a:bodyPr/>
-                    <a:lstStyle/>
-                    <a:p>
-                      <a:r>
-                        <a:rPr lang="en-US" dirty="0"/>
-                        <a:t>0</a:t>
-                      </a:r>
-                      <a:endParaRPr lang="en-ZA" dirty="0"/>
-                    </a:p>
-                  </a:txBody>
-                  <a:tcPr/>
-                </a:tc>
-                <a:tc>
-                  <a:txBody>
-                    <a:bodyPr/>
-                    <a:lstStyle/>
-                    <a:p>
-                      <a:r>
-                        <a:rPr lang="en-US" dirty="0"/>
-                        <a:t>1</a:t>
-                      </a:r>
-                      <a:endParaRPr lang="en-ZA" dirty="0"/>
-                    </a:p>
-                  </a:txBody>
-                  <a:tcPr/>
-                </a:tc>
-                <a:tc>
-                  <a:txBody>
-                    <a:bodyPr/>
-                    <a:lstStyle/>
-                    <a:p>
-                      <a:r>
-                        <a:rPr lang="en-US" dirty="0"/>
-                        <a:t>0</a:t>
-                      </a:r>
-                      <a:endParaRPr lang="en-ZA" dirty="0"/>
-                    </a:p>
-                  </a:txBody>
-                  <a:tcPr/>
-                </a:tc>
-                <a:tc>
-                  <a:txBody>
-                    <a:bodyPr/>
-                    <a:lstStyle/>
-                    <a:p>
-                      <a:r>
-                        <a:rPr lang="en-US" dirty="0"/>
-                        <a:t>0</a:t>
-                      </a:r>
-                      <a:endParaRPr lang="en-ZA" dirty="0"/>
-                    </a:p>
-                  </a:txBody>
-                  <a:tcPr/>
-                </a:tc>
-                <a:tc>
-                  <a:txBody>
-                    <a:bodyPr/>
-                    <a:lstStyle/>
-                    <a:p>
-                      <a:r>
-                        <a:rPr lang="en-US" dirty="0"/>
-                        <a:t>0</a:t>
-                      </a:r>
-                      <a:endParaRPr lang="en-ZA" dirty="0"/>
-                    </a:p>
-                  </a:txBody>
-                  <a:tcPr/>
-                </a:tc>
-                <a:extLst>
-                  <a:ext uri="{0D108BD9-81ED-4DB2-BD59-A6C34878D82A}">
-                    <a16:rowId xmlns:a16="http://schemas.microsoft.com/office/drawing/2014/main" val="3842426889"/>
-                  </a:ext>
-                </a:extLst>
-              </a:tr>
-            </a:tbl>
-          </a:graphicData>
-        </a:graphic>
-      </p:graphicFrame>
-      <p:sp>
-        <p:nvSpPr>
-          <p:cNvPr id="17" name="Rectangle 16">
-            <a:extLst>
-              <a:ext uri="{FF2B5EF4-FFF2-40B4-BE49-F238E27FC236}">
-                <a16:creationId xmlns:a16="http://schemas.microsoft.com/office/drawing/2014/main" id="{1F8D19F5-EB37-2784-FC4F-68A7CBF39020}"/>
+          <p:cNvPr id="5" name="Rectangle 4">
+            <a:extLst>
+              <a:ext uri="{FF2B5EF4-FFF2-40B4-BE49-F238E27FC236}">
+                <a16:creationId xmlns:a16="http://schemas.microsoft.com/office/drawing/2014/main" id="{8039E05E-68A8-CEFA-68CC-113BA31F3067}"/>
               </a:ext>
             </a:extLst>
           </p:cNvPr>
@@ -41370,8 +41899,8 @@
         </p:nvSpPr>
         <p:spPr>
           <a:xfrm>
-            <a:off x="327150" y="6007605"/>
-            <a:ext cx="2807102" cy="499348"/>
+            <a:off x="194552" y="1313231"/>
+            <a:ext cx="2611873" cy="369332"/>
           </a:xfrm>
           <a:prstGeom prst="rect">
             <a:avLst/>
@@ -41405,10 +41934,10 @@
       </p:sp>
       <p:sp>
         <p:nvSpPr>
-          <p:cNvPr id="18" name="TextBox 17">
-            <a:extLst>
-              <a:ext uri="{FF2B5EF4-FFF2-40B4-BE49-F238E27FC236}">
-                <a16:creationId xmlns:a16="http://schemas.microsoft.com/office/drawing/2014/main" id="{760DEFA5-95B1-6190-5EF0-90FC99E57F1F}"/>
+          <p:cNvPr id="6" name="TextBox 5">
+            <a:extLst>
+              <a:ext uri="{FF2B5EF4-FFF2-40B4-BE49-F238E27FC236}">
+                <a16:creationId xmlns:a16="http://schemas.microsoft.com/office/drawing/2014/main" id="{3245928E-A2BE-46BE-3060-F61E2DE105AC}"/>
               </a:ext>
             </a:extLst>
           </p:cNvPr>
@@ -41417,1334 +41946,8 @@
         </p:nvSpPr>
         <p:spPr>
           <a:xfrm>
-            <a:off x="327150" y="5650727"/>
-            <a:ext cx="2877519" cy="369332"/>
-          </a:xfrm>
-          <a:prstGeom prst="rect">
-            <a:avLst/>
-          </a:prstGeom>
-          <a:noFill/>
-        </p:spPr>
-        <p:txBody>
-          <a:bodyPr wrap="none" rtlCol="0">
-            <a:spAutoFit/>
-          </a:bodyPr>
-          <a:lstStyle/>
-          <a:p>
-            <a:r>
-              <a:rPr lang="en-US" dirty="0"/>
-              <a:t>Display decimal final result</a:t>
-            </a:r>
-            <a:endParaRPr lang="en-ZA" dirty="0"/>
-          </a:p>
-        </p:txBody>
-      </p:sp>
-      <p:sp>
-        <p:nvSpPr>
-          <p:cNvPr id="19" name="TextBox 18">
-            <a:extLst>
-              <a:ext uri="{FF2B5EF4-FFF2-40B4-BE49-F238E27FC236}">
-                <a16:creationId xmlns:a16="http://schemas.microsoft.com/office/drawing/2014/main" id="{424F78CC-6766-FD1A-9337-21CA5F629628}"/>
-              </a:ext>
-            </a:extLst>
-          </p:cNvPr>
-          <p:cNvSpPr txBox="1"/>
-          <p:nvPr/>
-        </p:nvSpPr>
-        <p:spPr>
-          <a:xfrm>
-            <a:off x="364778" y="6078840"/>
-            <a:ext cx="2704715" cy="369332"/>
-          </a:xfrm>
-          <a:prstGeom prst="rect">
-            <a:avLst/>
-          </a:prstGeom>
-          <a:noFill/>
-        </p:spPr>
-        <p:txBody>
-          <a:bodyPr wrap="none" rtlCol="0">
-            <a:spAutoFit/>
-          </a:bodyPr>
-          <a:lstStyle/>
-          <a:p>
-            <a:r>
-              <a:rPr lang="en-US" dirty="0"/>
-              <a:t>*some final number* </a:t>
-            </a:r>
-            <a:r>
-              <a:rPr lang="en-US" dirty="0" err="1"/>
-              <a:t>eg</a:t>
-            </a:r>
-            <a:r>
-              <a:rPr lang="en-US" dirty="0"/>
-              <a:t> 8</a:t>
-            </a:r>
-            <a:endParaRPr lang="en-ZA" dirty="0"/>
-          </a:p>
-        </p:txBody>
-      </p:sp>
-      <p:sp>
-        <p:nvSpPr>
-          <p:cNvPr id="22" name="TextBox 21">
-            <a:extLst>
-              <a:ext uri="{FF2B5EF4-FFF2-40B4-BE49-F238E27FC236}">
-                <a16:creationId xmlns:a16="http://schemas.microsoft.com/office/drawing/2014/main" id="{443F03D7-07C3-AF99-7F4A-8621C9300D2A}"/>
-              </a:ext>
-            </a:extLst>
-          </p:cNvPr>
-          <p:cNvSpPr txBox="1"/>
-          <p:nvPr/>
-        </p:nvSpPr>
-        <p:spPr>
-          <a:xfrm>
-            <a:off x="364779" y="1658617"/>
-            <a:ext cx="1954432" cy="307777"/>
-          </a:xfrm>
-          <a:prstGeom prst="rect">
-            <a:avLst/>
-          </a:prstGeom>
-          <a:noFill/>
-        </p:spPr>
-        <p:txBody>
-          <a:bodyPr wrap="square">
-            <a:spAutoFit/>
-          </a:bodyPr>
-          <a:lstStyle/>
-          <a:p>
-            <a:r>
-              <a:rPr lang="en-US" sz="1400" dirty="0"/>
-              <a:t>*some number 1* </a:t>
-            </a:r>
-            <a:r>
-              <a:rPr lang="en-US" sz="1400" dirty="0" err="1"/>
-              <a:t>eg</a:t>
-            </a:r>
-            <a:r>
-              <a:rPr lang="en-US" sz="1400" dirty="0"/>
-              <a:t> 5</a:t>
-            </a:r>
-            <a:endParaRPr lang="en-ZA" sz="1400" dirty="0"/>
-          </a:p>
-        </p:txBody>
-      </p:sp>
-      <p:sp>
-        <p:nvSpPr>
-          <p:cNvPr id="23" name="TextBox 22">
-            <a:extLst>
-              <a:ext uri="{FF2B5EF4-FFF2-40B4-BE49-F238E27FC236}">
-                <a16:creationId xmlns:a16="http://schemas.microsoft.com/office/drawing/2014/main" id="{5CD2C8CA-8203-67E1-AEAF-94128DA80A48}"/>
-              </a:ext>
-            </a:extLst>
-          </p:cNvPr>
-          <p:cNvSpPr txBox="1"/>
-          <p:nvPr/>
-        </p:nvSpPr>
-        <p:spPr>
-          <a:xfrm>
-            <a:off x="2434743" y="1678480"/>
-            <a:ext cx="1954432" cy="307777"/>
-          </a:xfrm>
-          <a:prstGeom prst="rect">
-            <a:avLst/>
-          </a:prstGeom>
-          <a:noFill/>
-        </p:spPr>
-        <p:txBody>
-          <a:bodyPr wrap="square">
-            <a:spAutoFit/>
-          </a:bodyPr>
-          <a:lstStyle/>
-          <a:p>
-            <a:r>
-              <a:rPr lang="en-US" sz="1400" dirty="0"/>
-              <a:t>*some number 2* </a:t>
-            </a:r>
-            <a:r>
-              <a:rPr lang="en-US" sz="1400" dirty="0" err="1"/>
-              <a:t>eg</a:t>
-            </a:r>
-            <a:r>
-              <a:rPr lang="en-US" sz="1400" dirty="0"/>
-              <a:t> 3</a:t>
-            </a:r>
-            <a:endParaRPr lang="en-ZA" sz="1400" dirty="0"/>
-          </a:p>
-        </p:txBody>
-      </p:sp>
-      <p:pic>
-        <p:nvPicPr>
-          <p:cNvPr id="27" name="Picture 26">
-            <a:extLst>
-              <a:ext uri="{FF2B5EF4-FFF2-40B4-BE49-F238E27FC236}">
-                <a16:creationId xmlns:a16="http://schemas.microsoft.com/office/drawing/2014/main" id="{0406EED7-1ACF-482F-9003-3054C59EBA98}"/>
-              </a:ext>
-            </a:extLst>
-          </p:cNvPr>
-          <p:cNvPicPr>
-            <a:picLocks noChangeAspect="1"/>
-          </p:cNvPicPr>
-          <p:nvPr/>
-        </p:nvPicPr>
-        <p:blipFill>
-          <a:blip r:embed="rId3">
-            <a:extLst>
-              <a:ext uri="{28A0092B-C50C-407E-A947-70E740481C1C}">
-                <a14:useLocalDpi xmlns:a14="http://schemas.microsoft.com/office/drawing/2010/main" val="0"/>
-              </a:ext>
-            </a:extLst>
-          </a:blip>
-          <a:stretch>
-            <a:fillRect/>
-          </a:stretch>
-        </p:blipFill>
-        <p:spPr>
-          <a:xfrm>
-            <a:off x="5400281" y="4743329"/>
-            <a:ext cx="1843505" cy="1344798"/>
-          </a:xfrm>
-          <a:prstGeom prst="rect">
-            <a:avLst/>
-          </a:prstGeom>
-        </p:spPr>
-      </p:pic>
-      <p:sp>
-        <p:nvSpPr>
-          <p:cNvPr id="31" name="TextBox 30">
-            <a:extLst>
-              <a:ext uri="{FF2B5EF4-FFF2-40B4-BE49-F238E27FC236}">
-                <a16:creationId xmlns:a16="http://schemas.microsoft.com/office/drawing/2014/main" id="{6F216D8E-9F0B-BDDD-2CE7-157EB906779C}"/>
-              </a:ext>
-            </a:extLst>
-          </p:cNvPr>
-          <p:cNvSpPr txBox="1"/>
-          <p:nvPr/>
-        </p:nvSpPr>
-        <p:spPr>
-          <a:xfrm>
-            <a:off x="5225493" y="4326295"/>
-            <a:ext cx="2457450" cy="369332"/>
-          </a:xfrm>
-          <a:prstGeom prst="rect">
-            <a:avLst/>
-          </a:prstGeom>
-          <a:noFill/>
-        </p:spPr>
-        <p:txBody>
-          <a:bodyPr wrap="square">
-            <a:spAutoFit/>
-          </a:bodyPr>
-          <a:lstStyle/>
-          <a:p>
-            <a:r>
-              <a:rPr lang="en-US" sz="1800" dirty="0"/>
-              <a:t>AND/OR combo gate</a:t>
-            </a:r>
-            <a:endParaRPr lang="en-ZA" sz="1800" dirty="0"/>
-          </a:p>
-        </p:txBody>
-      </p:sp>
-      <p:grpSp>
-        <p:nvGrpSpPr>
-          <p:cNvPr id="52" name="Group 51">
-            <a:extLst>
-              <a:ext uri="{FF2B5EF4-FFF2-40B4-BE49-F238E27FC236}">
-                <a16:creationId xmlns:a16="http://schemas.microsoft.com/office/drawing/2014/main" id="{18D5F52A-10EB-D3D9-44F2-E5D4B23027FA}"/>
-              </a:ext>
-            </a:extLst>
-          </p:cNvPr>
-          <p:cNvGrpSpPr/>
-          <p:nvPr/>
-        </p:nvGrpSpPr>
-        <p:grpSpPr>
-          <a:xfrm>
-            <a:off x="9600113" y="950942"/>
-            <a:ext cx="2981231" cy="1892474"/>
-            <a:chOff x="8837097" y="713557"/>
-            <a:chExt cx="2011833" cy="1193898"/>
-          </a:xfrm>
-        </p:grpSpPr>
-        <p:sp>
-          <p:nvSpPr>
-            <p:cNvPr id="32" name="Rectangle 31">
-              <a:extLst>
-                <a:ext uri="{FF2B5EF4-FFF2-40B4-BE49-F238E27FC236}">
-                  <a16:creationId xmlns:a16="http://schemas.microsoft.com/office/drawing/2014/main" id="{2567BC0A-E2D2-A7E8-8EAA-F5A899CF28BC}"/>
-                </a:ext>
-              </a:extLst>
-            </p:cNvPr>
-            <p:cNvSpPr/>
-            <p:nvPr/>
-          </p:nvSpPr>
-          <p:spPr>
-            <a:xfrm>
-              <a:off x="8859049" y="713557"/>
-              <a:ext cx="1503036" cy="1193898"/>
-            </a:xfrm>
-            <a:prstGeom prst="rect">
-              <a:avLst/>
-            </a:prstGeom>
-            <a:noFill/>
-          </p:spPr>
-          <p:style>
-            <a:lnRef idx="2">
-              <a:schemeClr val="accent1">
-                <a:shade val="15000"/>
-              </a:schemeClr>
-            </a:lnRef>
-            <a:fillRef idx="1">
-              <a:schemeClr val="accent1"/>
-            </a:fillRef>
-            <a:effectRef idx="0">
-              <a:schemeClr val="accent1"/>
-            </a:effectRef>
-            <a:fontRef idx="minor">
-              <a:schemeClr val="lt1"/>
-            </a:fontRef>
-          </p:style>
-          <p:txBody>
-            <a:bodyPr rtlCol="0" anchor="ctr"/>
-            <a:lstStyle/>
-            <a:p>
-              <a:pPr algn="ctr"/>
-              <a:endParaRPr lang="en-ZA"/>
-            </a:p>
-          </p:txBody>
-        </p:sp>
-        <p:sp>
-          <p:nvSpPr>
-            <p:cNvPr id="33" name="TextBox 32">
-              <a:extLst>
-                <a:ext uri="{FF2B5EF4-FFF2-40B4-BE49-F238E27FC236}">
-                  <a16:creationId xmlns:a16="http://schemas.microsoft.com/office/drawing/2014/main" id="{5535EF5B-DFA5-D82F-7502-0091F0FE9709}"/>
-                </a:ext>
-              </a:extLst>
-            </p:cNvPr>
-            <p:cNvSpPr txBox="1"/>
-            <p:nvPr/>
-          </p:nvSpPr>
-          <p:spPr>
-            <a:xfrm>
-              <a:off x="8837097" y="713557"/>
-              <a:ext cx="2011833" cy="369332"/>
-            </a:xfrm>
-            <a:prstGeom prst="rect">
-              <a:avLst/>
-            </a:prstGeom>
-            <a:noFill/>
-          </p:spPr>
-          <p:txBody>
-            <a:bodyPr wrap="none" rtlCol="0">
-              <a:spAutoFit/>
-            </a:bodyPr>
-            <a:lstStyle/>
-            <a:p>
-              <a:r>
-                <a:rPr lang="en-US" dirty="0"/>
-                <a:t>Sand grain storage</a:t>
-              </a:r>
-              <a:endParaRPr lang="en-ZA" dirty="0"/>
-            </a:p>
-          </p:txBody>
-        </p:sp>
-        <p:grpSp>
-          <p:nvGrpSpPr>
-            <p:cNvPr id="48" name="Group 47">
-              <a:extLst>
-                <a:ext uri="{FF2B5EF4-FFF2-40B4-BE49-F238E27FC236}">
-                  <a16:creationId xmlns:a16="http://schemas.microsoft.com/office/drawing/2014/main" id="{8A6D5059-E8B3-B932-CA0D-8C8A722FFDD5}"/>
-                </a:ext>
-              </a:extLst>
-            </p:cNvPr>
-            <p:cNvGrpSpPr/>
-            <p:nvPr/>
-          </p:nvGrpSpPr>
-          <p:grpSpPr>
-            <a:xfrm rot="5400000">
-              <a:off x="9208533" y="741661"/>
-              <a:ext cx="891914" cy="1415190"/>
-              <a:chOff x="7684681" y="670037"/>
-              <a:chExt cx="891914" cy="1415190"/>
-            </a:xfrm>
-          </p:grpSpPr>
-          <p:sp>
-            <p:nvSpPr>
-              <p:cNvPr id="34" name="Oval 33">
-                <a:extLst>
-                  <a:ext uri="{FF2B5EF4-FFF2-40B4-BE49-F238E27FC236}">
-                    <a16:creationId xmlns:a16="http://schemas.microsoft.com/office/drawing/2014/main" id="{0A91DF34-8096-781A-CDB2-9432FCFFF70B}"/>
-                  </a:ext>
-                </a:extLst>
-              </p:cNvPr>
-              <p:cNvSpPr/>
-              <p:nvPr/>
-            </p:nvSpPr>
-            <p:spPr>
-              <a:xfrm>
-                <a:off x="7735825" y="877532"/>
-                <a:ext cx="73152" cy="131814"/>
-              </a:xfrm>
-              <a:prstGeom prst="ellipse">
-                <a:avLst/>
-              </a:prstGeom>
-            </p:spPr>
-            <p:style>
-              <a:lnRef idx="2">
-                <a:schemeClr val="accent1">
-                  <a:shade val="15000"/>
-                </a:schemeClr>
-              </a:lnRef>
-              <a:fillRef idx="1">
-                <a:schemeClr val="accent1"/>
-              </a:fillRef>
-              <a:effectRef idx="0">
-                <a:schemeClr val="accent1"/>
-              </a:effectRef>
-              <a:fontRef idx="minor">
-                <a:schemeClr val="lt1"/>
-              </a:fontRef>
-            </p:style>
-            <p:txBody>
-              <a:bodyPr rtlCol="0" anchor="ctr"/>
-              <a:lstStyle/>
-              <a:p>
-                <a:pPr algn="ctr"/>
-                <a:endParaRPr lang="en-ZA"/>
-              </a:p>
-            </p:txBody>
-          </p:sp>
-          <p:sp>
-            <p:nvSpPr>
-              <p:cNvPr id="35" name="Oval 34">
-                <a:extLst>
-                  <a:ext uri="{FF2B5EF4-FFF2-40B4-BE49-F238E27FC236}">
-                    <a16:creationId xmlns:a16="http://schemas.microsoft.com/office/drawing/2014/main" id="{4CF9D21B-E625-8C46-CA37-56644FB14227}"/>
-                  </a:ext>
-                </a:extLst>
-              </p:cNvPr>
-              <p:cNvSpPr/>
-              <p:nvPr/>
-            </p:nvSpPr>
-            <p:spPr>
-              <a:xfrm>
-                <a:off x="7888224" y="1029932"/>
-                <a:ext cx="158495" cy="210462"/>
-              </a:xfrm>
-              <a:prstGeom prst="ellipse">
-                <a:avLst/>
-              </a:prstGeom>
-            </p:spPr>
-            <p:style>
-              <a:lnRef idx="2">
-                <a:schemeClr val="accent1">
-                  <a:shade val="15000"/>
-                </a:schemeClr>
-              </a:lnRef>
-              <a:fillRef idx="1">
-                <a:schemeClr val="accent1"/>
-              </a:fillRef>
-              <a:effectRef idx="0">
-                <a:schemeClr val="accent1"/>
-              </a:effectRef>
-              <a:fontRef idx="minor">
-                <a:schemeClr val="lt1"/>
-              </a:fontRef>
-            </p:style>
-            <p:txBody>
-              <a:bodyPr rtlCol="0" anchor="ctr"/>
-              <a:lstStyle/>
-              <a:p>
-                <a:pPr algn="ctr"/>
-                <a:endParaRPr lang="en-ZA"/>
-              </a:p>
-            </p:txBody>
-          </p:sp>
-          <p:sp>
-            <p:nvSpPr>
-              <p:cNvPr id="36" name="Oval 35">
-                <a:extLst>
-                  <a:ext uri="{FF2B5EF4-FFF2-40B4-BE49-F238E27FC236}">
-                    <a16:creationId xmlns:a16="http://schemas.microsoft.com/office/drawing/2014/main" id="{2139C254-610E-B909-2BBF-DA4A229605D8}"/>
-                  </a:ext>
-                </a:extLst>
-              </p:cNvPr>
-              <p:cNvSpPr/>
-              <p:nvPr/>
-            </p:nvSpPr>
-            <p:spPr>
-              <a:xfrm>
-                <a:off x="8040624" y="1347074"/>
-                <a:ext cx="45719" cy="45719"/>
-              </a:xfrm>
-              <a:prstGeom prst="ellipse">
-                <a:avLst/>
-              </a:prstGeom>
-            </p:spPr>
-            <p:style>
-              <a:lnRef idx="2">
-                <a:schemeClr val="accent1">
-                  <a:shade val="15000"/>
-                </a:schemeClr>
-              </a:lnRef>
-              <a:fillRef idx="1">
-                <a:schemeClr val="accent1"/>
-              </a:fillRef>
-              <a:effectRef idx="0">
-                <a:schemeClr val="accent1"/>
-              </a:effectRef>
-              <a:fontRef idx="minor">
-                <a:schemeClr val="lt1"/>
-              </a:fontRef>
-            </p:style>
-            <p:txBody>
-              <a:bodyPr rtlCol="0" anchor="ctr"/>
-              <a:lstStyle/>
-              <a:p>
-                <a:pPr algn="ctr"/>
-                <a:endParaRPr lang="en-ZA"/>
-              </a:p>
-            </p:txBody>
-          </p:sp>
-          <p:sp>
-            <p:nvSpPr>
-              <p:cNvPr id="37" name="Oval 36">
-                <a:extLst>
-                  <a:ext uri="{FF2B5EF4-FFF2-40B4-BE49-F238E27FC236}">
-                    <a16:creationId xmlns:a16="http://schemas.microsoft.com/office/drawing/2014/main" id="{20305E14-51C5-FC1C-52B9-BA1874CB94F6}"/>
-                  </a:ext>
-                </a:extLst>
-              </p:cNvPr>
-              <p:cNvSpPr/>
-              <p:nvPr/>
-            </p:nvSpPr>
-            <p:spPr>
-              <a:xfrm>
-                <a:off x="8193024" y="1499474"/>
-                <a:ext cx="121922" cy="143256"/>
-              </a:xfrm>
-              <a:prstGeom prst="ellipse">
-                <a:avLst/>
-              </a:prstGeom>
-            </p:spPr>
-            <p:style>
-              <a:lnRef idx="2">
-                <a:schemeClr val="accent1">
-                  <a:shade val="15000"/>
-                </a:schemeClr>
-              </a:lnRef>
-              <a:fillRef idx="1">
-                <a:schemeClr val="accent1"/>
-              </a:fillRef>
-              <a:effectRef idx="0">
-                <a:schemeClr val="accent1"/>
-              </a:effectRef>
-              <a:fontRef idx="minor">
-                <a:schemeClr val="lt1"/>
-              </a:fontRef>
-            </p:style>
-            <p:txBody>
-              <a:bodyPr rtlCol="0" anchor="ctr"/>
-              <a:lstStyle/>
-              <a:p>
-                <a:pPr algn="ctr"/>
-                <a:endParaRPr lang="en-ZA"/>
-              </a:p>
-            </p:txBody>
-          </p:sp>
-          <p:sp>
-            <p:nvSpPr>
-              <p:cNvPr id="38" name="Oval 37">
-                <a:extLst>
-                  <a:ext uri="{FF2B5EF4-FFF2-40B4-BE49-F238E27FC236}">
-                    <a16:creationId xmlns:a16="http://schemas.microsoft.com/office/drawing/2014/main" id="{12AAFCEA-19BC-C790-0345-B9847BA961E5}"/>
-                  </a:ext>
-                </a:extLst>
-              </p:cNvPr>
-              <p:cNvSpPr/>
-              <p:nvPr/>
-            </p:nvSpPr>
-            <p:spPr>
-              <a:xfrm rot="4677091">
-                <a:off x="7714012" y="1330696"/>
-                <a:ext cx="73152" cy="131814"/>
-              </a:xfrm>
-              <a:prstGeom prst="ellipse">
-                <a:avLst/>
-              </a:prstGeom>
-            </p:spPr>
-            <p:style>
-              <a:lnRef idx="2">
-                <a:schemeClr val="accent1">
-                  <a:shade val="15000"/>
-                </a:schemeClr>
-              </a:lnRef>
-              <a:fillRef idx="1">
-                <a:schemeClr val="accent1"/>
-              </a:fillRef>
-              <a:effectRef idx="0">
-                <a:schemeClr val="accent1"/>
-              </a:effectRef>
-              <a:fontRef idx="minor">
-                <a:schemeClr val="lt1"/>
-              </a:fontRef>
-            </p:style>
-            <p:txBody>
-              <a:bodyPr rtlCol="0" anchor="ctr"/>
-              <a:lstStyle/>
-              <a:p>
-                <a:pPr algn="ctr"/>
-                <a:endParaRPr lang="en-ZA"/>
-              </a:p>
-            </p:txBody>
-          </p:sp>
-          <p:sp>
-            <p:nvSpPr>
-              <p:cNvPr id="39" name="Oval 38">
-                <a:extLst>
-                  <a:ext uri="{FF2B5EF4-FFF2-40B4-BE49-F238E27FC236}">
-                    <a16:creationId xmlns:a16="http://schemas.microsoft.com/office/drawing/2014/main" id="{73701F6E-C0EA-7A72-AE9F-5C87C7C5D972}"/>
-                  </a:ext>
-                </a:extLst>
-              </p:cNvPr>
-              <p:cNvSpPr/>
-              <p:nvPr/>
-            </p:nvSpPr>
-            <p:spPr>
-              <a:xfrm rot="4677091">
-                <a:off x="7866411" y="1483096"/>
-                <a:ext cx="158495" cy="210462"/>
-              </a:xfrm>
-              <a:prstGeom prst="ellipse">
-                <a:avLst/>
-              </a:prstGeom>
-            </p:spPr>
-            <p:style>
-              <a:lnRef idx="2">
-                <a:schemeClr val="accent1">
-                  <a:shade val="15000"/>
-                </a:schemeClr>
-              </a:lnRef>
-              <a:fillRef idx="1">
-                <a:schemeClr val="accent1"/>
-              </a:fillRef>
-              <a:effectRef idx="0">
-                <a:schemeClr val="accent1"/>
-              </a:effectRef>
-              <a:fontRef idx="minor">
-                <a:schemeClr val="lt1"/>
-              </a:fontRef>
-            </p:style>
-            <p:txBody>
-              <a:bodyPr rtlCol="0" anchor="ctr"/>
-              <a:lstStyle/>
-              <a:p>
-                <a:pPr algn="ctr"/>
-                <a:endParaRPr lang="en-ZA"/>
-              </a:p>
-            </p:txBody>
-          </p:sp>
-          <p:sp>
-            <p:nvSpPr>
-              <p:cNvPr id="40" name="Oval 39">
-                <a:extLst>
-                  <a:ext uri="{FF2B5EF4-FFF2-40B4-BE49-F238E27FC236}">
-                    <a16:creationId xmlns:a16="http://schemas.microsoft.com/office/drawing/2014/main" id="{C783AB29-64C4-D7AF-C6CB-376EA3F549C7}"/>
-                  </a:ext>
-                </a:extLst>
-              </p:cNvPr>
-              <p:cNvSpPr/>
-              <p:nvPr/>
-            </p:nvSpPr>
-            <p:spPr>
-              <a:xfrm rot="4677091">
-                <a:off x="8018811" y="1800238"/>
-                <a:ext cx="45719" cy="45719"/>
-              </a:xfrm>
-              <a:prstGeom prst="ellipse">
-                <a:avLst/>
-              </a:prstGeom>
-            </p:spPr>
-            <p:style>
-              <a:lnRef idx="2">
-                <a:schemeClr val="accent1">
-                  <a:shade val="15000"/>
-                </a:schemeClr>
-              </a:lnRef>
-              <a:fillRef idx="1">
-                <a:schemeClr val="accent1"/>
-              </a:fillRef>
-              <a:effectRef idx="0">
-                <a:schemeClr val="accent1"/>
-              </a:effectRef>
-              <a:fontRef idx="minor">
-                <a:schemeClr val="lt1"/>
-              </a:fontRef>
-            </p:style>
-            <p:txBody>
-              <a:bodyPr rtlCol="0" anchor="ctr"/>
-              <a:lstStyle/>
-              <a:p>
-                <a:pPr algn="ctr"/>
-                <a:endParaRPr lang="en-ZA"/>
-              </a:p>
-            </p:txBody>
-          </p:sp>
-          <p:sp>
-            <p:nvSpPr>
-              <p:cNvPr id="41" name="Oval 40">
-                <a:extLst>
-                  <a:ext uri="{FF2B5EF4-FFF2-40B4-BE49-F238E27FC236}">
-                    <a16:creationId xmlns:a16="http://schemas.microsoft.com/office/drawing/2014/main" id="{4EF4E4A7-309F-0F7B-E5B2-BB0C6DE557E7}"/>
-                  </a:ext>
-                </a:extLst>
-              </p:cNvPr>
-              <p:cNvSpPr/>
-              <p:nvPr/>
-            </p:nvSpPr>
-            <p:spPr>
-              <a:xfrm rot="4677091">
-                <a:off x="8171211" y="1952638"/>
-                <a:ext cx="121922" cy="143256"/>
-              </a:xfrm>
-              <a:prstGeom prst="ellipse">
-                <a:avLst/>
-              </a:prstGeom>
-            </p:spPr>
-            <p:style>
-              <a:lnRef idx="2">
-                <a:schemeClr val="accent1">
-                  <a:shade val="15000"/>
-                </a:schemeClr>
-              </a:lnRef>
-              <a:fillRef idx="1">
-                <a:schemeClr val="accent1"/>
-              </a:fillRef>
-              <a:effectRef idx="0">
-                <a:schemeClr val="accent1"/>
-              </a:effectRef>
-              <a:fontRef idx="minor">
-                <a:schemeClr val="lt1"/>
-              </a:fontRef>
-            </p:style>
-            <p:txBody>
-              <a:bodyPr rtlCol="0" anchor="ctr"/>
-              <a:lstStyle/>
-              <a:p>
-                <a:pPr algn="ctr"/>
-                <a:endParaRPr lang="en-ZA"/>
-              </a:p>
-            </p:txBody>
-          </p:sp>
-          <p:sp>
-            <p:nvSpPr>
-              <p:cNvPr id="42" name="Oval 41">
-                <a:extLst>
-                  <a:ext uri="{FF2B5EF4-FFF2-40B4-BE49-F238E27FC236}">
-                    <a16:creationId xmlns:a16="http://schemas.microsoft.com/office/drawing/2014/main" id="{E95587AE-E5C3-7719-222E-A2CD9099C919}"/>
-                  </a:ext>
-                </a:extLst>
-              </p:cNvPr>
-              <p:cNvSpPr/>
-              <p:nvPr/>
-            </p:nvSpPr>
-            <p:spPr>
-              <a:xfrm>
-                <a:off x="8226077" y="670037"/>
-                <a:ext cx="73152" cy="131814"/>
-              </a:xfrm>
-              <a:prstGeom prst="ellipse">
-                <a:avLst/>
-              </a:prstGeom>
-            </p:spPr>
-            <p:style>
-              <a:lnRef idx="2">
-                <a:schemeClr val="accent1">
-                  <a:shade val="15000"/>
-                </a:schemeClr>
-              </a:lnRef>
-              <a:fillRef idx="1">
-                <a:schemeClr val="accent1"/>
-              </a:fillRef>
-              <a:effectRef idx="0">
-                <a:schemeClr val="accent1"/>
-              </a:effectRef>
-              <a:fontRef idx="minor">
-                <a:schemeClr val="lt1"/>
-              </a:fontRef>
-            </p:style>
-            <p:txBody>
-              <a:bodyPr rtlCol="0" anchor="ctr"/>
-              <a:lstStyle/>
-              <a:p>
-                <a:pPr algn="ctr"/>
-                <a:endParaRPr lang="en-ZA"/>
-              </a:p>
-            </p:txBody>
-          </p:sp>
-          <p:sp>
-            <p:nvSpPr>
-              <p:cNvPr id="43" name="Oval 42">
-                <a:extLst>
-                  <a:ext uri="{FF2B5EF4-FFF2-40B4-BE49-F238E27FC236}">
-                    <a16:creationId xmlns:a16="http://schemas.microsoft.com/office/drawing/2014/main" id="{F8530389-A70E-1482-B4CC-47D5118DF27B}"/>
-                  </a:ext>
-                </a:extLst>
-              </p:cNvPr>
-              <p:cNvSpPr/>
-              <p:nvPr/>
-            </p:nvSpPr>
-            <p:spPr>
-              <a:xfrm>
-                <a:off x="8378476" y="822437"/>
-                <a:ext cx="158495" cy="210462"/>
-              </a:xfrm>
-              <a:prstGeom prst="ellipse">
-                <a:avLst/>
-              </a:prstGeom>
-            </p:spPr>
-            <p:style>
-              <a:lnRef idx="2">
-                <a:schemeClr val="accent1">
-                  <a:shade val="15000"/>
-                </a:schemeClr>
-              </a:lnRef>
-              <a:fillRef idx="1">
-                <a:schemeClr val="accent1"/>
-              </a:fillRef>
-              <a:effectRef idx="0">
-                <a:schemeClr val="accent1"/>
-              </a:effectRef>
-              <a:fontRef idx="minor">
-                <a:schemeClr val="lt1"/>
-              </a:fontRef>
-            </p:style>
-            <p:txBody>
-              <a:bodyPr rtlCol="0" anchor="ctr"/>
-              <a:lstStyle/>
-              <a:p>
-                <a:pPr algn="ctr"/>
-                <a:endParaRPr lang="en-ZA"/>
-              </a:p>
-            </p:txBody>
-          </p:sp>
-          <p:sp>
-            <p:nvSpPr>
-              <p:cNvPr id="44" name="Oval 43">
-                <a:extLst>
-                  <a:ext uri="{FF2B5EF4-FFF2-40B4-BE49-F238E27FC236}">
-                    <a16:creationId xmlns:a16="http://schemas.microsoft.com/office/drawing/2014/main" id="{7CB3CC05-BB6A-454C-4AAC-305E17282DE4}"/>
-                  </a:ext>
-                </a:extLst>
-              </p:cNvPr>
-              <p:cNvSpPr/>
-              <p:nvPr/>
-            </p:nvSpPr>
-            <p:spPr>
-              <a:xfrm>
-                <a:off x="8530876" y="1139579"/>
-                <a:ext cx="45719" cy="45719"/>
-              </a:xfrm>
-              <a:prstGeom prst="ellipse">
-                <a:avLst/>
-              </a:prstGeom>
-            </p:spPr>
-            <p:style>
-              <a:lnRef idx="2">
-                <a:schemeClr val="accent1">
-                  <a:shade val="15000"/>
-                </a:schemeClr>
-              </a:lnRef>
-              <a:fillRef idx="1">
-                <a:schemeClr val="accent1"/>
-              </a:fillRef>
-              <a:effectRef idx="0">
-                <a:schemeClr val="accent1"/>
-              </a:effectRef>
-              <a:fontRef idx="minor">
-                <a:schemeClr val="lt1"/>
-              </a:fontRef>
-            </p:style>
-            <p:txBody>
-              <a:bodyPr rtlCol="0" anchor="ctr"/>
-              <a:lstStyle/>
-              <a:p>
-                <a:pPr algn="ctr"/>
-                <a:endParaRPr lang="en-ZA"/>
-              </a:p>
-            </p:txBody>
-          </p:sp>
-          <p:sp>
-            <p:nvSpPr>
-              <p:cNvPr id="45" name="Oval 44">
-                <a:extLst>
-                  <a:ext uri="{FF2B5EF4-FFF2-40B4-BE49-F238E27FC236}">
-                    <a16:creationId xmlns:a16="http://schemas.microsoft.com/office/drawing/2014/main" id="{D8D67A21-ECBB-E68E-DEA9-1019EBA1D4E3}"/>
-                  </a:ext>
-                </a:extLst>
-              </p:cNvPr>
-              <p:cNvSpPr/>
-              <p:nvPr/>
-            </p:nvSpPr>
-            <p:spPr>
-              <a:xfrm rot="4677091">
-                <a:off x="8204264" y="1123201"/>
-                <a:ext cx="73152" cy="131814"/>
-              </a:xfrm>
-              <a:prstGeom prst="ellipse">
-                <a:avLst/>
-              </a:prstGeom>
-            </p:spPr>
-            <p:style>
-              <a:lnRef idx="2">
-                <a:schemeClr val="accent1">
-                  <a:shade val="15000"/>
-                </a:schemeClr>
-              </a:lnRef>
-              <a:fillRef idx="1">
-                <a:schemeClr val="accent1"/>
-              </a:fillRef>
-              <a:effectRef idx="0">
-                <a:schemeClr val="accent1"/>
-              </a:effectRef>
-              <a:fontRef idx="minor">
-                <a:schemeClr val="lt1"/>
-              </a:fontRef>
-            </p:style>
-            <p:txBody>
-              <a:bodyPr rtlCol="0" anchor="ctr"/>
-              <a:lstStyle/>
-              <a:p>
-                <a:pPr algn="ctr"/>
-                <a:endParaRPr lang="en-ZA"/>
-              </a:p>
-            </p:txBody>
-          </p:sp>
-          <p:sp>
-            <p:nvSpPr>
-              <p:cNvPr id="46" name="Oval 45">
-                <a:extLst>
-                  <a:ext uri="{FF2B5EF4-FFF2-40B4-BE49-F238E27FC236}">
-                    <a16:creationId xmlns:a16="http://schemas.microsoft.com/office/drawing/2014/main" id="{DF89BFE3-1DC7-E2A2-ADB9-D9C5D26C2EC3}"/>
-                  </a:ext>
-                </a:extLst>
-              </p:cNvPr>
-              <p:cNvSpPr/>
-              <p:nvPr/>
-            </p:nvSpPr>
-            <p:spPr>
-              <a:xfrm rot="4677091">
-                <a:off x="8356663" y="1275601"/>
-                <a:ext cx="158495" cy="210462"/>
-              </a:xfrm>
-              <a:prstGeom prst="ellipse">
-                <a:avLst/>
-              </a:prstGeom>
-            </p:spPr>
-            <p:style>
-              <a:lnRef idx="2">
-                <a:schemeClr val="accent1">
-                  <a:shade val="15000"/>
-                </a:schemeClr>
-              </a:lnRef>
-              <a:fillRef idx="1">
-                <a:schemeClr val="accent1"/>
-              </a:fillRef>
-              <a:effectRef idx="0">
-                <a:schemeClr val="accent1"/>
-              </a:effectRef>
-              <a:fontRef idx="minor">
-                <a:schemeClr val="lt1"/>
-              </a:fontRef>
-            </p:style>
-            <p:txBody>
-              <a:bodyPr rtlCol="0" anchor="ctr"/>
-              <a:lstStyle/>
-              <a:p>
-                <a:pPr algn="ctr"/>
-                <a:endParaRPr lang="en-ZA"/>
-              </a:p>
-            </p:txBody>
-          </p:sp>
-          <p:sp>
-            <p:nvSpPr>
-              <p:cNvPr id="47" name="Oval 46">
-                <a:extLst>
-                  <a:ext uri="{FF2B5EF4-FFF2-40B4-BE49-F238E27FC236}">
-                    <a16:creationId xmlns:a16="http://schemas.microsoft.com/office/drawing/2014/main" id="{63D9FF02-D887-FCDE-036E-F16BA82D2686}"/>
-                  </a:ext>
-                </a:extLst>
-              </p:cNvPr>
-              <p:cNvSpPr/>
-              <p:nvPr/>
-            </p:nvSpPr>
-            <p:spPr>
-              <a:xfrm rot="4677091">
-                <a:off x="8509063" y="1592743"/>
-                <a:ext cx="45719" cy="45719"/>
-              </a:xfrm>
-              <a:prstGeom prst="ellipse">
-                <a:avLst/>
-              </a:prstGeom>
-            </p:spPr>
-            <p:style>
-              <a:lnRef idx="2">
-                <a:schemeClr val="accent1">
-                  <a:shade val="15000"/>
-                </a:schemeClr>
-              </a:lnRef>
-              <a:fillRef idx="1">
-                <a:schemeClr val="accent1"/>
-              </a:fillRef>
-              <a:effectRef idx="0">
-                <a:schemeClr val="accent1"/>
-              </a:effectRef>
-              <a:fontRef idx="minor">
-                <a:schemeClr val="lt1"/>
-              </a:fontRef>
-            </p:style>
-            <p:txBody>
-              <a:bodyPr rtlCol="0" anchor="ctr"/>
-              <a:lstStyle/>
-              <a:p>
-                <a:pPr algn="ctr"/>
-                <a:endParaRPr lang="en-ZA"/>
-              </a:p>
-            </p:txBody>
-          </p:sp>
-        </p:grpSp>
-      </p:grpSp>
-      <p:sp>
-        <p:nvSpPr>
-          <p:cNvPr id="50" name="Rectangle 49">
-            <a:extLst>
-              <a:ext uri="{FF2B5EF4-FFF2-40B4-BE49-F238E27FC236}">
-                <a16:creationId xmlns:a16="http://schemas.microsoft.com/office/drawing/2014/main" id="{FBFEDF2C-14ED-F80F-8AD0-281CAD1B3F16}"/>
-              </a:ext>
-            </a:extLst>
-          </p:cNvPr>
-          <p:cNvSpPr/>
-          <p:nvPr/>
-        </p:nvSpPr>
-        <p:spPr>
-          <a:xfrm>
-            <a:off x="5225493" y="4217992"/>
-            <a:ext cx="2321736" cy="1967756"/>
-          </a:xfrm>
-          <a:prstGeom prst="rect">
-            <a:avLst/>
-          </a:prstGeom>
-          <a:noFill/>
-        </p:spPr>
-        <p:style>
-          <a:lnRef idx="2">
-            <a:schemeClr val="accent1">
-              <a:shade val="15000"/>
-            </a:schemeClr>
-          </a:lnRef>
-          <a:fillRef idx="1">
-            <a:schemeClr val="accent1"/>
-          </a:fillRef>
-          <a:effectRef idx="0">
-            <a:schemeClr val="accent1"/>
-          </a:effectRef>
-          <a:fontRef idx="minor">
-            <a:schemeClr val="lt1"/>
-          </a:fontRef>
-        </p:style>
-        <p:txBody>
-          <a:bodyPr rtlCol="0" anchor="ctr"/>
-          <a:lstStyle/>
-          <a:p>
-            <a:pPr algn="ctr"/>
-            <a:endParaRPr lang="en-ZA"/>
-          </a:p>
-        </p:txBody>
-      </p:sp>
-      <p:sp>
-        <p:nvSpPr>
-          <p:cNvPr id="55" name="Freeform: Shape 54">
-            <a:extLst>
-              <a:ext uri="{FF2B5EF4-FFF2-40B4-BE49-F238E27FC236}">
-                <a16:creationId xmlns:a16="http://schemas.microsoft.com/office/drawing/2014/main" id="{27C99BB6-A1E6-64B8-CF46-D0B37AECB35B}"/>
-              </a:ext>
-            </a:extLst>
-          </p:cNvPr>
-          <p:cNvSpPr/>
-          <p:nvPr/>
-        </p:nvSpPr>
-        <p:spPr>
-          <a:xfrm flipV="1">
-            <a:off x="3529250" y="3227942"/>
-            <a:ext cx="1554395" cy="45719"/>
-          </a:xfrm>
-          <a:custGeom>
-            <a:avLst/>
-            <a:gdLst>
-              <a:gd name="connsiteX0" fmla="*/ 0 w 2258568"/>
-              <a:gd name="connsiteY0" fmla="*/ 0 h 1371600"/>
-              <a:gd name="connsiteX1" fmla="*/ 502920 w 2258568"/>
-              <a:gd name="connsiteY1" fmla="*/ 1170432 h 1371600"/>
-              <a:gd name="connsiteX2" fmla="*/ 2258568 w 2258568"/>
-              <a:gd name="connsiteY2" fmla="*/ 1371600 h 1371600"/>
-            </a:gdLst>
-            <a:ahLst/>
-            <a:cxnLst>
-              <a:cxn ang="0">
-                <a:pos x="connsiteX0" y="connsiteY0"/>
-              </a:cxn>
-              <a:cxn ang="0">
-                <a:pos x="connsiteX1" y="connsiteY1"/>
-              </a:cxn>
-              <a:cxn ang="0">
-                <a:pos x="connsiteX2" y="connsiteY2"/>
-              </a:cxn>
-            </a:cxnLst>
-            <a:rect l="l" t="t" r="r" b="b"/>
-            <a:pathLst>
-              <a:path w="2258568" h="1371600">
-                <a:moveTo>
-                  <a:pt x="0" y="0"/>
-                </a:moveTo>
-                <a:cubicBezTo>
-                  <a:pt x="63246" y="470916"/>
-                  <a:pt x="126492" y="941832"/>
-                  <a:pt x="502920" y="1170432"/>
-                </a:cubicBezTo>
-                <a:cubicBezTo>
-                  <a:pt x="879348" y="1399032"/>
-                  <a:pt x="1944624" y="1316736"/>
-                  <a:pt x="2258568" y="1371600"/>
-                </a:cubicBezTo>
-              </a:path>
-            </a:pathLst>
-          </a:custGeom>
-          <a:noFill/>
-          <a:ln w="38100">
-            <a:tailEnd type="stealth" w="lg" len="lg"/>
-          </a:ln>
-        </p:spPr>
-        <p:style>
-          <a:lnRef idx="2">
-            <a:schemeClr val="accent1">
-              <a:shade val="15000"/>
-            </a:schemeClr>
-          </a:lnRef>
-          <a:fillRef idx="1">
-            <a:schemeClr val="accent1"/>
-          </a:fillRef>
-          <a:effectRef idx="0">
-            <a:schemeClr val="accent1"/>
-          </a:effectRef>
-          <a:fontRef idx="minor">
-            <a:schemeClr val="lt1"/>
-          </a:fontRef>
-        </p:style>
-        <p:txBody>
-          <a:bodyPr rtlCol="0" anchor="ctr"/>
-          <a:lstStyle/>
-          <a:p>
-            <a:pPr algn="ctr"/>
-            <a:endParaRPr lang="en-ZA"/>
-          </a:p>
-        </p:txBody>
-      </p:sp>
-      <p:sp>
-        <p:nvSpPr>
-          <p:cNvPr id="57" name="Rectangle 56">
-            <a:extLst>
-              <a:ext uri="{FF2B5EF4-FFF2-40B4-BE49-F238E27FC236}">
-                <a16:creationId xmlns:a16="http://schemas.microsoft.com/office/drawing/2014/main" id="{783F773E-CEE7-A682-A665-B07CE8ADDC21}"/>
-              </a:ext>
-            </a:extLst>
-          </p:cNvPr>
-          <p:cNvSpPr/>
-          <p:nvPr/>
-        </p:nvSpPr>
-        <p:spPr>
-          <a:xfrm>
-            <a:off x="112063" y="4874045"/>
-            <a:ext cx="4041648" cy="1818583"/>
-          </a:xfrm>
-          <a:prstGeom prst="rect">
-            <a:avLst/>
-          </a:prstGeom>
-          <a:noFill/>
-        </p:spPr>
-        <p:style>
-          <a:lnRef idx="2">
-            <a:schemeClr val="accent1">
-              <a:shade val="15000"/>
-            </a:schemeClr>
-          </a:lnRef>
-          <a:fillRef idx="1">
-            <a:schemeClr val="accent1"/>
-          </a:fillRef>
-          <a:effectRef idx="0">
-            <a:schemeClr val="accent1"/>
-          </a:effectRef>
-          <a:fontRef idx="minor">
-            <a:schemeClr val="lt1"/>
-          </a:fontRef>
-        </p:style>
-        <p:txBody>
-          <a:bodyPr rtlCol="0" anchor="ctr"/>
-          <a:lstStyle/>
-          <a:p>
-            <a:pPr algn="ctr"/>
-            <a:endParaRPr lang="en-ZA"/>
-          </a:p>
-        </p:txBody>
-      </p:sp>
-      <p:sp>
-        <p:nvSpPr>
-          <p:cNvPr id="58" name="Rectangle 57">
-            <a:extLst>
-              <a:ext uri="{FF2B5EF4-FFF2-40B4-BE49-F238E27FC236}">
-                <a16:creationId xmlns:a16="http://schemas.microsoft.com/office/drawing/2014/main" id="{8343EED6-B8AF-DBA2-2E32-F57EED0294A2}"/>
-              </a:ext>
-            </a:extLst>
-          </p:cNvPr>
-          <p:cNvSpPr/>
-          <p:nvPr/>
-        </p:nvSpPr>
-        <p:spPr>
-          <a:xfrm>
-            <a:off x="245341" y="1137507"/>
-            <a:ext cx="4347827" cy="1040808"/>
-          </a:xfrm>
-          <a:prstGeom prst="rect">
-            <a:avLst/>
-          </a:prstGeom>
-          <a:noFill/>
-        </p:spPr>
-        <p:style>
-          <a:lnRef idx="2">
-            <a:schemeClr val="accent1">
-              <a:shade val="15000"/>
-            </a:schemeClr>
-          </a:lnRef>
-          <a:fillRef idx="1">
-            <a:schemeClr val="accent1"/>
-          </a:fillRef>
-          <a:effectRef idx="0">
-            <a:schemeClr val="accent1"/>
-          </a:effectRef>
-          <a:fontRef idx="minor">
-            <a:schemeClr val="lt1"/>
-          </a:fontRef>
-        </p:style>
-        <p:txBody>
-          <a:bodyPr rtlCol="0" anchor="ctr"/>
-          <a:lstStyle/>
-          <a:p>
-            <a:pPr algn="ctr"/>
-            <a:endParaRPr lang="en-ZA"/>
-          </a:p>
-        </p:txBody>
-      </p:sp>
-      <p:sp>
-        <p:nvSpPr>
-          <p:cNvPr id="59" name="Freeform: Shape 58">
-            <a:extLst>
-              <a:ext uri="{FF2B5EF4-FFF2-40B4-BE49-F238E27FC236}">
-                <a16:creationId xmlns:a16="http://schemas.microsoft.com/office/drawing/2014/main" id="{51113D1C-9873-B58A-6299-7243EC01F38D}"/>
-              </a:ext>
-            </a:extLst>
-          </p:cNvPr>
-          <p:cNvSpPr/>
-          <p:nvPr/>
-        </p:nvSpPr>
-        <p:spPr>
-          <a:xfrm rot="21408315">
-            <a:off x="2250856" y="4225424"/>
-            <a:ext cx="2694562" cy="511097"/>
-          </a:xfrm>
-          <a:custGeom>
-            <a:avLst/>
-            <a:gdLst>
-              <a:gd name="connsiteX0" fmla="*/ 2694562 w 2694562"/>
-              <a:gd name="connsiteY0" fmla="*/ 69267 h 789114"/>
-              <a:gd name="connsiteX1" fmla="*/ 1089498 w 2694562"/>
-              <a:gd name="connsiteY1" fmla="*/ 69267 h 789114"/>
-              <a:gd name="connsiteX2" fmla="*/ 0 w 2694562"/>
-              <a:gd name="connsiteY2" fmla="*/ 789114 h 789114"/>
-            </a:gdLst>
-            <a:ahLst/>
-            <a:cxnLst>
-              <a:cxn ang="0">
-                <a:pos x="connsiteX0" y="connsiteY0"/>
-              </a:cxn>
-              <a:cxn ang="0">
-                <a:pos x="connsiteX1" y="connsiteY1"/>
-              </a:cxn>
-              <a:cxn ang="0">
-                <a:pos x="connsiteX2" y="connsiteY2"/>
-              </a:cxn>
-            </a:cxnLst>
-            <a:rect l="l" t="t" r="r" b="b"/>
-            <a:pathLst>
-              <a:path w="2694562" h="789114">
-                <a:moveTo>
-                  <a:pt x="2694562" y="69267"/>
-                </a:moveTo>
-                <a:cubicBezTo>
-                  <a:pt x="2116577" y="9279"/>
-                  <a:pt x="1538592" y="-50708"/>
-                  <a:pt x="1089498" y="69267"/>
-                </a:cubicBezTo>
-                <a:cubicBezTo>
-                  <a:pt x="640404" y="189242"/>
-                  <a:pt x="225357" y="789114"/>
-                  <a:pt x="0" y="789114"/>
-                </a:cubicBezTo>
-              </a:path>
-            </a:pathLst>
-          </a:custGeom>
-          <a:noFill/>
-          <a:ln w="34925">
-            <a:tailEnd type="stealth" w="lg" len="lg"/>
-          </a:ln>
-        </p:spPr>
-        <p:style>
-          <a:lnRef idx="2">
-            <a:schemeClr val="accent1">
-              <a:shade val="15000"/>
-            </a:schemeClr>
-          </a:lnRef>
-          <a:fillRef idx="1">
-            <a:schemeClr val="accent1"/>
-          </a:fillRef>
-          <a:effectRef idx="0">
-            <a:schemeClr val="accent1"/>
-          </a:effectRef>
-          <a:fontRef idx="minor">
-            <a:schemeClr val="lt1"/>
-          </a:fontRef>
-        </p:style>
-        <p:txBody>
-          <a:bodyPr rtlCol="0" anchor="ctr"/>
-          <a:lstStyle/>
-          <a:p>
-            <a:pPr algn="ctr"/>
-            <a:endParaRPr lang="en-ZA"/>
-          </a:p>
-        </p:txBody>
-      </p:sp>
-      <p:sp>
-        <p:nvSpPr>
-          <p:cNvPr id="60" name="TextBox 59">
-            <a:extLst>
-              <a:ext uri="{FF2B5EF4-FFF2-40B4-BE49-F238E27FC236}">
-                <a16:creationId xmlns:a16="http://schemas.microsoft.com/office/drawing/2014/main" id="{19A08198-533C-E863-4CF8-092F4F405AEF}"/>
-              </a:ext>
-            </a:extLst>
-          </p:cNvPr>
-          <p:cNvSpPr txBox="1"/>
-          <p:nvPr/>
-        </p:nvSpPr>
-        <p:spPr>
-          <a:xfrm>
-            <a:off x="3743658" y="2808147"/>
-            <a:ext cx="2141733" cy="369332"/>
+            <a:off x="150777" y="1313231"/>
+            <a:ext cx="2962074" cy="369332"/>
           </a:xfrm>
           <a:prstGeom prst="rect">
             <a:avLst/>
@@ -42759,18 +41962,60 @@
           <a:p>
             <a:r>
               <a:rPr lang="en-US" dirty="0"/>
-              <a:t>2. Calculate</a:t>
+              <a:t>Lay out binary for A and B</a:t>
             </a:r>
             <a:endParaRPr lang="en-ZA" dirty="0"/>
           </a:p>
         </p:txBody>
       </p:sp>
+      <p:cxnSp>
+        <p:nvCxnSpPr>
+          <p:cNvPr id="8" name="Straight Arrow Connector 7">
+            <a:extLst>
+              <a:ext uri="{FF2B5EF4-FFF2-40B4-BE49-F238E27FC236}">
+                <a16:creationId xmlns:a16="http://schemas.microsoft.com/office/drawing/2014/main" id="{A9D387E1-1263-4029-4DEF-B077C3467CD2}"/>
+              </a:ext>
+            </a:extLst>
+          </p:cNvPr>
+          <p:cNvCxnSpPr>
+            <a:cxnSpLocks/>
+            <a:endCxn id="15" idx="1"/>
+          </p:cNvCxnSpPr>
+          <p:nvPr/>
+        </p:nvCxnSpPr>
+        <p:spPr>
+          <a:xfrm>
+            <a:off x="666341" y="2154355"/>
+            <a:ext cx="1161849" cy="0"/>
+          </a:xfrm>
+          <a:prstGeom prst="straightConnector1">
+            <a:avLst/>
+          </a:prstGeom>
+          <a:ln>
+            <a:tailEnd type="triangle"/>
+          </a:ln>
+        </p:spPr>
+        <p:style>
+          <a:lnRef idx="2">
+            <a:schemeClr val="accent1"/>
+          </a:lnRef>
+          <a:fillRef idx="0">
+            <a:schemeClr val="accent1"/>
+          </a:fillRef>
+          <a:effectRef idx="1">
+            <a:schemeClr val="accent1"/>
+          </a:effectRef>
+          <a:fontRef idx="minor">
+            <a:schemeClr val="tx1"/>
+          </a:fontRef>
+        </p:style>
+      </p:cxnSp>
       <p:sp>
         <p:nvSpPr>
-          <p:cNvPr id="61" name="TextBox 60">
-            <a:extLst>
-              <a:ext uri="{FF2B5EF4-FFF2-40B4-BE49-F238E27FC236}">
-                <a16:creationId xmlns:a16="http://schemas.microsoft.com/office/drawing/2014/main" id="{767F1EE3-54EC-39A7-E397-1343A31CCD30}"/>
+          <p:cNvPr id="10" name="TextBox 9">
+            <a:extLst>
+              <a:ext uri="{FF2B5EF4-FFF2-40B4-BE49-F238E27FC236}">
+                <a16:creationId xmlns:a16="http://schemas.microsoft.com/office/drawing/2014/main" id="{C753EC04-BB60-E7FF-A26D-6A60721C5BFD}"/>
               </a:ext>
             </a:extLst>
           </p:cNvPr>
@@ -42779,8 +42024,8 @@
         </p:nvSpPr>
         <p:spPr>
           <a:xfrm>
-            <a:off x="3303681" y="4300264"/>
-            <a:ext cx="1162241" cy="369332"/>
+            <a:off x="669647" y="2218387"/>
+            <a:ext cx="1352145" cy="738664"/>
           </a:xfrm>
           <a:prstGeom prst="rect">
             <a:avLst/>
@@ -42788,96 +42033,79 @@
           <a:noFill/>
         </p:spPr>
         <p:txBody>
-          <a:bodyPr wrap="none" rtlCol="0">
+          <a:bodyPr wrap="square" rtlCol="0">
             <a:spAutoFit/>
           </a:bodyPr>
           <a:lstStyle/>
           <a:p>
             <a:r>
-              <a:rPr lang="en-US" dirty="0"/>
-              <a:t>3. Display</a:t>
+              <a:rPr lang="en-US" sz="1400" dirty="0"/>
+              <a:t>If pair (A</a:t>
             </a:r>
-            <a:endParaRPr lang="en-ZA" dirty="0"/>
+            <a:r>
+              <a:rPr lang="en-US" sz="1400" baseline="-25000" dirty="0"/>
+              <a:t>i </a:t>
+            </a:r>
+            <a:r>
+              <a:rPr lang="en-US" sz="1400" dirty="0"/>
+              <a:t>, B</a:t>
+            </a:r>
+            <a:r>
+              <a:rPr lang="en-US" sz="1400" baseline="-25000" dirty="0"/>
+              <a:t>i</a:t>
+            </a:r>
+            <a:r>
+              <a:rPr lang="en-US" sz="1400" dirty="0"/>
+              <a:t>) becomes available</a:t>
+            </a:r>
+            <a:endParaRPr lang="en-ZA" sz="1400" dirty="0"/>
           </a:p>
         </p:txBody>
       </p:sp>
-      <p:pic>
-        <p:nvPicPr>
-          <p:cNvPr id="63" name="Picture 62" descr="A diagram of a diagram&#10;&#10;AI-generated content may be incorrect.">
-            <a:extLst>
-              <a:ext uri="{FF2B5EF4-FFF2-40B4-BE49-F238E27FC236}">
-                <a16:creationId xmlns:a16="http://schemas.microsoft.com/office/drawing/2014/main" id="{C2E36AA3-B147-C9B2-C9E5-CFCA9A410724}"/>
-              </a:ext>
-            </a:extLst>
-          </p:cNvPr>
-          <p:cNvPicPr>
-            <a:picLocks noChangeAspect="1"/>
-          </p:cNvPicPr>
+      <p:cxnSp>
+        <p:nvCxnSpPr>
+          <p:cNvPr id="12" name="Straight Connector 11">
+            <a:extLst>
+              <a:ext uri="{FF2B5EF4-FFF2-40B4-BE49-F238E27FC236}">
+                <a16:creationId xmlns:a16="http://schemas.microsoft.com/office/drawing/2014/main" id="{B1DF7139-7BF1-7A72-5CE7-1E07E3F42DC2}"/>
+              </a:ext>
+            </a:extLst>
+          </p:cNvPr>
+          <p:cNvCxnSpPr>
+            <a:cxnSpLocks/>
+          </p:cNvCxnSpPr>
           <p:nvPr/>
-        </p:nvPicPr>
-        <p:blipFill>
-          <a:blip r:embed="rId4">
-            <a:extLst>
-              <a:ext uri="{28A0092B-C50C-407E-A947-70E740481C1C}">
-                <a14:useLocalDpi xmlns:a14="http://schemas.microsoft.com/office/drawing/2010/main" val="0"/>
-              </a:ext>
-            </a:extLst>
-          </a:blip>
-          <a:stretch>
-            <a:fillRect/>
-          </a:stretch>
-        </p:blipFill>
+        </p:nvCxnSpPr>
         <p:spPr>
-          <a:xfrm>
-            <a:off x="7631499" y="1505552"/>
-            <a:ext cx="1474126" cy="1650440"/>
+          <a:xfrm flipV="1">
+            <a:off x="666341" y="1663109"/>
+            <a:ext cx="0" cy="491246"/>
           </a:xfrm>
-          <a:prstGeom prst="rect">
+          <a:prstGeom prst="line">
             <a:avLst/>
           </a:prstGeom>
         </p:spPr>
-      </p:pic>
+        <p:style>
+          <a:lnRef idx="2">
+            <a:schemeClr val="accent1"/>
+          </a:lnRef>
+          <a:fillRef idx="0">
+            <a:schemeClr val="accent1"/>
+          </a:fillRef>
+          <a:effectRef idx="1">
+            <a:schemeClr val="accent1"/>
+          </a:effectRef>
+          <a:fontRef idx="minor">
+            <a:schemeClr val="tx1"/>
+          </a:fontRef>
+        </p:style>
+      </p:cxnSp>
       <p:sp>
         <p:nvSpPr>
-          <p:cNvPr id="64" name="TextBox 63">
-            <a:extLst>
-              <a:ext uri="{FF2B5EF4-FFF2-40B4-BE49-F238E27FC236}">
-                <a16:creationId xmlns:a16="http://schemas.microsoft.com/office/drawing/2014/main" id="{8C78EE8C-1EC6-876D-857A-F62790BF730D}"/>
-              </a:ext>
-            </a:extLst>
-          </p:cNvPr>
-          <p:cNvSpPr txBox="1"/>
-          <p:nvPr/>
-        </p:nvSpPr>
-        <p:spPr>
-          <a:xfrm>
-            <a:off x="7658614" y="1225290"/>
-            <a:ext cx="1164037" cy="369332"/>
-          </a:xfrm>
-          <a:prstGeom prst="rect">
-            <a:avLst/>
-          </a:prstGeom>
-          <a:noFill/>
-        </p:spPr>
-        <p:txBody>
-          <a:bodyPr wrap="none" rtlCol="0">
-            <a:spAutoFit/>
-          </a:bodyPr>
-          <a:lstStyle/>
-          <a:p>
-            <a:r>
-              <a:rPr lang="en-US" dirty="0"/>
-              <a:t> AND gate</a:t>
-            </a:r>
-          </a:p>
-        </p:txBody>
-      </p:sp>
-      <p:sp>
-        <p:nvSpPr>
-          <p:cNvPr id="76" name="Rectangle 75">
-            <a:extLst>
-              <a:ext uri="{FF2B5EF4-FFF2-40B4-BE49-F238E27FC236}">
-                <a16:creationId xmlns:a16="http://schemas.microsoft.com/office/drawing/2014/main" id="{9824BF21-EA34-EF9D-8955-DCDFBBE2E6C2}"/>
+          <p:cNvPr id="14" name="Rectangle 13">
+            <a:extLst>
+              <a:ext uri="{FF2B5EF4-FFF2-40B4-BE49-F238E27FC236}">
+                <a16:creationId xmlns:a16="http://schemas.microsoft.com/office/drawing/2014/main" id="{DEACC469-D975-FA35-16F8-A8B71FF3D7E9}"/>
               </a:ext>
             </a:extLst>
           </p:cNvPr>
@@ -42886,8 +42114,8 @@
         </p:nvSpPr>
         <p:spPr>
           <a:xfrm>
-            <a:off x="7869588" y="3502251"/>
-            <a:ext cx="4075978" cy="2945447"/>
+            <a:off x="1828190" y="1969689"/>
+            <a:ext cx="1935542" cy="369332"/>
           </a:xfrm>
           <a:prstGeom prst="rect">
             <a:avLst/>
@@ -42915,16 +42143,16 @@
           <a:lstStyle/>
           <a:p>
             <a:pPr algn="ctr"/>
-            <a:endParaRPr lang="en-ZA"/>
+            <a:endParaRPr lang="en-ZA" dirty="0"/>
           </a:p>
         </p:txBody>
       </p:sp>
       <p:sp>
         <p:nvSpPr>
-          <p:cNvPr id="77" name="TextBox 76">
-            <a:extLst>
-              <a:ext uri="{FF2B5EF4-FFF2-40B4-BE49-F238E27FC236}">
-                <a16:creationId xmlns:a16="http://schemas.microsoft.com/office/drawing/2014/main" id="{96474014-EA54-5CD8-CCFB-DA90EF33FD03}"/>
+          <p:cNvPr id="15" name="TextBox 14">
+            <a:extLst>
+              <a:ext uri="{FF2B5EF4-FFF2-40B4-BE49-F238E27FC236}">
+                <a16:creationId xmlns:a16="http://schemas.microsoft.com/office/drawing/2014/main" id="{85E45808-36C1-C301-4038-9258E94B8BAD}"/>
               </a:ext>
             </a:extLst>
           </p:cNvPr>
@@ -42933,333 +42161,8 @@
         </p:nvSpPr>
         <p:spPr>
           <a:xfrm>
-            <a:off x="72580" y="101423"/>
-            <a:ext cx="11665822" cy="523220"/>
-          </a:xfrm>
-          <a:prstGeom prst="rect">
-            <a:avLst/>
-          </a:prstGeom>
-          <a:noFill/>
-        </p:spPr>
-        <p:txBody>
-          <a:bodyPr wrap="none" rtlCol="0">
-            <a:spAutoFit/>
-          </a:bodyPr>
-          <a:lstStyle/>
-          <a:p>
-            <a:r>
-              <a:rPr lang="en-US" sz="2800" b="1" dirty="0"/>
-              <a:t>Procedures with more than 1 ant offer opportunities for parallel forking</a:t>
-            </a:r>
-            <a:endParaRPr lang="en-ZA" sz="2800" b="1" dirty="0"/>
-          </a:p>
-        </p:txBody>
-      </p:sp>
-      <p:graphicFrame>
-        <p:nvGraphicFramePr>
-          <p:cNvPr id="78" name="Table 77">
-            <a:extLst>
-              <a:ext uri="{FF2B5EF4-FFF2-40B4-BE49-F238E27FC236}">
-                <a16:creationId xmlns:a16="http://schemas.microsoft.com/office/drawing/2014/main" id="{8A29F725-EE77-9A08-B819-40C95AA09874}"/>
-              </a:ext>
-            </a:extLst>
-          </p:cNvPr>
-          <p:cNvGraphicFramePr>
-            <a:graphicFrameLocks noGrp="1"/>
-          </p:cNvGraphicFramePr>
-          <p:nvPr/>
-        </p:nvGraphicFramePr>
-        <p:xfrm>
-          <a:off x="256976" y="3111799"/>
-          <a:ext cx="3050380" cy="741680"/>
-        </p:xfrm>
-        <a:graphic>
-          <a:graphicData uri="http://schemas.openxmlformats.org/drawingml/2006/table">
-            <a:tbl>
-              <a:tblPr firstRow="1" bandRow="1">
-                <a:tableStyleId>{5C22544A-7EE6-4342-B048-85BDC9FD1C3A}</a:tableStyleId>
-              </a:tblPr>
-              <a:tblGrid>
-                <a:gridCol w="762595">
-                  <a:extLst>
-                    <a:ext uri="{9D8B030D-6E8A-4147-A177-3AD203B41FA5}">
-                      <a16:colId xmlns:a16="http://schemas.microsoft.com/office/drawing/2014/main" val="2619294768"/>
-                    </a:ext>
-                  </a:extLst>
-                </a:gridCol>
-                <a:gridCol w="762595">
-                  <a:extLst>
-                    <a:ext uri="{9D8B030D-6E8A-4147-A177-3AD203B41FA5}">
-                      <a16:colId xmlns:a16="http://schemas.microsoft.com/office/drawing/2014/main" val="2109130621"/>
-                    </a:ext>
-                  </a:extLst>
-                </a:gridCol>
-                <a:gridCol w="762595">
-                  <a:extLst>
-                    <a:ext uri="{9D8B030D-6E8A-4147-A177-3AD203B41FA5}">
-                      <a16:colId xmlns:a16="http://schemas.microsoft.com/office/drawing/2014/main" val="4100099907"/>
-                    </a:ext>
-                  </a:extLst>
-                </a:gridCol>
-                <a:gridCol w="762595">
-                  <a:extLst>
-                    <a:ext uri="{9D8B030D-6E8A-4147-A177-3AD203B41FA5}">
-                      <a16:colId xmlns:a16="http://schemas.microsoft.com/office/drawing/2014/main" val="3812259087"/>
-                    </a:ext>
-                  </a:extLst>
-                </a:gridCol>
-              </a:tblGrid>
-              <a:tr h="370840">
-                <a:tc>
-                  <a:txBody>
-                    <a:bodyPr/>
-                    <a:lstStyle/>
-                    <a:p>
-                      <a:r>
-                        <a:rPr lang="en-US" dirty="0"/>
-                        <a:t>0</a:t>
-                      </a:r>
-                      <a:endParaRPr lang="en-ZA" dirty="0"/>
-                    </a:p>
-                  </a:txBody>
-                  <a:tcPr/>
-                </a:tc>
-                <a:tc>
-                  <a:txBody>
-                    <a:bodyPr/>
-                    <a:lstStyle/>
-                    <a:p>
-                      <a:r>
-                        <a:rPr lang="en-US" dirty="0"/>
-                        <a:t>1</a:t>
-                      </a:r>
-                      <a:endParaRPr lang="en-ZA" dirty="0"/>
-                    </a:p>
-                  </a:txBody>
-                  <a:tcPr/>
-                </a:tc>
-                <a:tc>
-                  <a:txBody>
-                    <a:bodyPr/>
-                    <a:lstStyle/>
-                    <a:p>
-                      <a:r>
-                        <a:rPr lang="en-US" dirty="0"/>
-                        <a:t>0</a:t>
-                      </a:r>
-                      <a:endParaRPr lang="en-ZA" dirty="0"/>
-                    </a:p>
-                  </a:txBody>
-                  <a:tcPr/>
-                </a:tc>
-                <a:tc>
-                  <a:txBody>
-                    <a:bodyPr/>
-                    <a:lstStyle/>
-                    <a:p>
-                      <a:r>
-                        <a:rPr lang="en-US" dirty="0"/>
-                        <a:t>1</a:t>
-                      </a:r>
-                      <a:endParaRPr lang="en-ZA" dirty="0"/>
-                    </a:p>
-                  </a:txBody>
-                  <a:tcPr/>
-                </a:tc>
-                <a:extLst>
-                  <a:ext uri="{0D108BD9-81ED-4DB2-BD59-A6C34878D82A}">
-                    <a16:rowId xmlns:a16="http://schemas.microsoft.com/office/drawing/2014/main" val="1124948310"/>
-                  </a:ext>
-                </a:extLst>
-              </a:tr>
-              <a:tr h="370840">
-                <a:tc>
-                  <a:txBody>
-                    <a:bodyPr/>
-                    <a:lstStyle/>
-                    <a:p>
-                      <a:endParaRPr lang="en-ZA" dirty="0"/>
-                    </a:p>
-                  </a:txBody>
-                  <a:tcPr/>
-                </a:tc>
-                <a:tc>
-                  <a:txBody>
-                    <a:bodyPr/>
-                    <a:lstStyle/>
-                    <a:p>
-                      <a:endParaRPr lang="en-ZA" dirty="0"/>
-                    </a:p>
-                  </a:txBody>
-                  <a:tcPr/>
-                </a:tc>
-                <a:tc>
-                  <a:txBody>
-                    <a:bodyPr/>
-                    <a:lstStyle/>
-                    <a:p>
-                      <a:endParaRPr lang="en-ZA" dirty="0"/>
-                    </a:p>
-                  </a:txBody>
-                  <a:tcPr/>
-                </a:tc>
-                <a:tc>
-                  <a:txBody>
-                    <a:bodyPr/>
-                    <a:lstStyle/>
-                    <a:p>
-                      <a:endParaRPr lang="en-ZA" dirty="0"/>
-                    </a:p>
-                  </a:txBody>
-                  <a:tcPr/>
-                </a:tc>
-                <a:extLst>
-                  <a:ext uri="{0D108BD9-81ED-4DB2-BD59-A6C34878D82A}">
-                    <a16:rowId xmlns:a16="http://schemas.microsoft.com/office/drawing/2014/main" val="1458825775"/>
-                  </a:ext>
-                </a:extLst>
-              </a:tr>
-            </a:tbl>
-          </a:graphicData>
-        </a:graphic>
-      </p:graphicFrame>
-      <p:graphicFrame>
-        <p:nvGraphicFramePr>
-          <p:cNvPr id="79" name="Table 78">
-            <a:extLst>
-              <a:ext uri="{FF2B5EF4-FFF2-40B4-BE49-F238E27FC236}">
-                <a16:creationId xmlns:a16="http://schemas.microsoft.com/office/drawing/2014/main" id="{F48469C5-3F05-FB52-3931-ACB0DEADCA6F}"/>
-              </a:ext>
-            </a:extLst>
-          </p:cNvPr>
-          <p:cNvGraphicFramePr>
-            <a:graphicFrameLocks noGrp="1"/>
-          </p:cNvGraphicFramePr>
-          <p:nvPr/>
-        </p:nvGraphicFramePr>
-        <p:xfrm>
-          <a:off x="256976" y="3521027"/>
-          <a:ext cx="3050380" cy="370840"/>
-        </p:xfrm>
-        <a:graphic>
-          <a:graphicData uri="http://schemas.openxmlformats.org/drawingml/2006/table">
-            <a:tbl>
-              <a:tblPr firstRow="1" bandRow="1">
-                <a:tableStyleId>{5C22544A-7EE6-4342-B048-85BDC9FD1C3A}</a:tableStyleId>
-              </a:tblPr>
-              <a:tblGrid>
-                <a:gridCol w="762595">
-                  <a:extLst>
-                    <a:ext uri="{9D8B030D-6E8A-4147-A177-3AD203B41FA5}">
-                      <a16:colId xmlns:a16="http://schemas.microsoft.com/office/drawing/2014/main" val="2619294768"/>
-                    </a:ext>
-                  </a:extLst>
-                </a:gridCol>
-                <a:gridCol w="762595">
-                  <a:extLst>
-                    <a:ext uri="{9D8B030D-6E8A-4147-A177-3AD203B41FA5}">
-                      <a16:colId xmlns:a16="http://schemas.microsoft.com/office/drawing/2014/main" val="2109130621"/>
-                    </a:ext>
-                  </a:extLst>
-                </a:gridCol>
-                <a:gridCol w="762595">
-                  <a:extLst>
-                    <a:ext uri="{9D8B030D-6E8A-4147-A177-3AD203B41FA5}">
-                      <a16:colId xmlns:a16="http://schemas.microsoft.com/office/drawing/2014/main" val="4100099907"/>
-                    </a:ext>
-                  </a:extLst>
-                </a:gridCol>
-                <a:gridCol w="762595">
-                  <a:extLst>
-                    <a:ext uri="{9D8B030D-6E8A-4147-A177-3AD203B41FA5}">
-                      <a16:colId xmlns:a16="http://schemas.microsoft.com/office/drawing/2014/main" val="3812259087"/>
-                    </a:ext>
-                  </a:extLst>
-                </a:gridCol>
-              </a:tblGrid>
-              <a:tr h="370840">
-                <a:tc>
-                  <a:txBody>
-                    <a:bodyPr/>
-                    <a:lstStyle/>
-                    <a:p>
-                      <a:r>
-                        <a:rPr lang="en-US" dirty="0"/>
-                        <a:t>0</a:t>
-                      </a:r>
-                      <a:endParaRPr lang="en-ZA" dirty="0"/>
-                    </a:p>
-                  </a:txBody>
-                  <a:tcPr/>
-                </a:tc>
-                <a:tc>
-                  <a:txBody>
-                    <a:bodyPr/>
-                    <a:lstStyle/>
-                    <a:p>
-                      <a:r>
-                        <a:rPr lang="en-US" dirty="0"/>
-                        <a:t>0</a:t>
-                      </a:r>
-                      <a:endParaRPr lang="en-ZA" dirty="0"/>
-                    </a:p>
-                  </a:txBody>
-                  <a:tcPr/>
-                </a:tc>
-                <a:tc>
-                  <a:txBody>
-                    <a:bodyPr/>
-                    <a:lstStyle/>
-                    <a:p>
-                      <a:r>
-                        <a:rPr lang="en-US" dirty="0"/>
-                        <a:t>1</a:t>
-                      </a:r>
-                      <a:endParaRPr lang="en-ZA" dirty="0"/>
-                    </a:p>
-                  </a:txBody>
-                  <a:tcPr/>
-                </a:tc>
-                <a:tc>
-                  <a:txBody>
-                    <a:bodyPr/>
-                    <a:lstStyle/>
-                    <a:p>
-                      <a:r>
-                        <a:rPr lang="en-US" dirty="0"/>
-                        <a:t>1</a:t>
-                      </a:r>
-                      <a:endParaRPr lang="en-ZA" dirty="0"/>
-                    </a:p>
-                  </a:txBody>
-                  <a:tcPr/>
-                </a:tc>
-                <a:extLst>
-                  <a:ext uri="{0D108BD9-81ED-4DB2-BD59-A6C34878D82A}">
-                    <a16:rowId xmlns:a16="http://schemas.microsoft.com/office/drawing/2014/main" val="1124948310"/>
-                  </a:ext>
-                </a:extLst>
-              </a:tr>
-            </a:tbl>
-          </a:graphicData>
-        </a:graphic>
-      </p:graphicFrame>
-      <p:sp>
-        <p:nvSpPr>
-          <p:cNvPr id="81" name="TextBox 80">
-            <a:extLst>
-              <a:ext uri="{FF2B5EF4-FFF2-40B4-BE49-F238E27FC236}">
-                <a16:creationId xmlns:a16="http://schemas.microsoft.com/office/drawing/2014/main" id="{0A2748AE-3A81-5EC9-18E6-3CA3C66ACC18}"/>
-              </a:ext>
-            </a:extLst>
-          </p:cNvPr>
-          <p:cNvSpPr txBox="1"/>
-          <p:nvPr/>
-        </p:nvSpPr>
-        <p:spPr>
-          <a:xfrm>
-            <a:off x="201962" y="2727437"/>
-            <a:ext cx="2981231" cy="369332"/>
+            <a:off x="1828190" y="1969689"/>
+            <a:ext cx="1935542" cy="369332"/>
           </a:xfrm>
           <a:prstGeom prst="rect">
             <a:avLst/>
@@ -43274,7 +42177,23 @@
           <a:p>
             <a:r>
               <a:rPr lang="en-US" dirty="0"/>
-              <a:t>Input numbers in binary</a:t>
+              <a:t>Calculate (G</a:t>
+            </a:r>
+            <a:r>
+              <a:rPr lang="en-US" baseline="-25000" dirty="0"/>
+              <a:t>i</a:t>
+            </a:r>
+            <a:r>
+              <a:rPr lang="en-US" dirty="0"/>
+              <a:t> , P</a:t>
+            </a:r>
+            <a:r>
+              <a:rPr lang="en-US" baseline="-25000" dirty="0"/>
+              <a:t>i</a:t>
+            </a:r>
+            <a:r>
+              <a:rPr lang="en-US" dirty="0"/>
+              <a:t>)</a:t>
             </a:r>
             <a:endParaRPr lang="en-ZA" dirty="0"/>
           </a:p>
@@ -43282,10 +42201,10 @@
       </p:sp>
       <p:cxnSp>
         <p:nvCxnSpPr>
-          <p:cNvPr id="83" name="Straight Arrow Connector 82">
-            <a:extLst>
-              <a:ext uri="{FF2B5EF4-FFF2-40B4-BE49-F238E27FC236}">
-                <a16:creationId xmlns:a16="http://schemas.microsoft.com/office/drawing/2014/main" id="{341E47AD-853D-1A5C-58AC-1B03E3478DD4}"/>
+          <p:cNvPr id="17" name="Straight Connector 16">
+            <a:extLst>
+              <a:ext uri="{FF2B5EF4-FFF2-40B4-BE49-F238E27FC236}">
+                <a16:creationId xmlns:a16="http://schemas.microsoft.com/office/drawing/2014/main" id="{43A5DEA7-D577-33E8-C2E1-EF342E767385}"/>
               </a:ext>
             </a:extLst>
           </p:cNvPr>
@@ -43296,14 +42215,127 @@
         </p:nvCxnSpPr>
         <p:spPr>
           <a:xfrm>
-            <a:off x="1906621" y="2216004"/>
-            <a:ext cx="0" cy="419581"/>
+            <a:off x="2105296" y="2339021"/>
+            <a:ext cx="0" cy="1055613"/>
+          </a:xfrm>
+          <a:prstGeom prst="line">
+            <a:avLst/>
+          </a:prstGeom>
+        </p:spPr>
+        <p:style>
+          <a:lnRef idx="2">
+            <a:schemeClr val="accent1"/>
+          </a:lnRef>
+          <a:fillRef idx="0">
+            <a:schemeClr val="accent1"/>
+          </a:fillRef>
+          <a:effectRef idx="1">
+            <a:schemeClr val="accent1"/>
+          </a:effectRef>
+          <a:fontRef idx="minor">
+            <a:schemeClr val="tx1"/>
+          </a:fontRef>
+        </p:style>
+      </p:cxnSp>
+      <p:cxnSp>
+        <p:nvCxnSpPr>
+          <p:cNvPr id="19" name="Straight Arrow Connector 18">
+            <a:extLst>
+              <a:ext uri="{FF2B5EF4-FFF2-40B4-BE49-F238E27FC236}">
+                <a16:creationId xmlns:a16="http://schemas.microsoft.com/office/drawing/2014/main" id="{21C9E54F-1334-A538-3BEA-E13EBDCC117C}"/>
+              </a:ext>
+            </a:extLst>
+          </p:cNvPr>
+          <p:cNvCxnSpPr/>
+          <p:nvPr/>
+        </p:nvCxnSpPr>
+        <p:spPr>
+          <a:xfrm>
+            <a:off x="2105294" y="3141718"/>
+            <a:ext cx="1542573" cy="0"/>
           </a:xfrm>
           <a:prstGeom prst="straightConnector1">
             <a:avLst/>
           </a:prstGeom>
-          <a:ln w="31750">
-            <a:tailEnd type="stealth" w="lg" len="lg"/>
+          <a:ln>
+            <a:tailEnd type="triangle"/>
+          </a:ln>
+        </p:spPr>
+        <p:style>
+          <a:lnRef idx="2">
+            <a:schemeClr val="accent1"/>
+          </a:lnRef>
+          <a:fillRef idx="0">
+            <a:schemeClr val="accent1"/>
+          </a:fillRef>
+          <a:effectRef idx="1">
+            <a:schemeClr val="accent1"/>
+          </a:effectRef>
+          <a:fontRef idx="minor">
+            <a:schemeClr val="tx1"/>
+          </a:fontRef>
+        </p:style>
+      </p:cxnSp>
+      <p:cxnSp>
+        <p:nvCxnSpPr>
+          <p:cNvPr id="20" name="Straight Connector 19">
+            <a:extLst>
+              <a:ext uri="{FF2B5EF4-FFF2-40B4-BE49-F238E27FC236}">
+                <a16:creationId xmlns:a16="http://schemas.microsoft.com/office/drawing/2014/main" id="{C1F71CEC-0B0B-C098-8E9E-13979F4ABB48}"/>
+              </a:ext>
+            </a:extLst>
+          </p:cNvPr>
+          <p:cNvCxnSpPr>
+            <a:cxnSpLocks/>
+          </p:cNvCxnSpPr>
+          <p:nvPr/>
+        </p:nvCxnSpPr>
+        <p:spPr>
+          <a:xfrm flipH="1">
+            <a:off x="2073332" y="2798002"/>
+            <a:ext cx="31964" cy="2931271"/>
+          </a:xfrm>
+          <a:prstGeom prst="line">
+            <a:avLst/>
+          </a:prstGeom>
+        </p:spPr>
+        <p:style>
+          <a:lnRef idx="2">
+            <a:schemeClr val="accent1"/>
+          </a:lnRef>
+          <a:fillRef idx="0">
+            <a:schemeClr val="accent1"/>
+          </a:fillRef>
+          <a:effectRef idx="1">
+            <a:schemeClr val="accent1"/>
+          </a:effectRef>
+          <a:fontRef idx="minor">
+            <a:schemeClr val="tx1"/>
+          </a:fontRef>
+        </p:style>
+      </p:cxnSp>
+      <p:cxnSp>
+        <p:nvCxnSpPr>
+          <p:cNvPr id="21" name="Straight Arrow Connector 20">
+            <a:extLst>
+              <a:ext uri="{FF2B5EF4-FFF2-40B4-BE49-F238E27FC236}">
+                <a16:creationId xmlns:a16="http://schemas.microsoft.com/office/drawing/2014/main" id="{D995071A-08F7-C7A4-5BBC-519840D83150}"/>
+              </a:ext>
+            </a:extLst>
+          </p:cNvPr>
+          <p:cNvCxnSpPr/>
+          <p:nvPr/>
+        </p:nvCxnSpPr>
+        <p:spPr>
+          <a:xfrm>
+            <a:off x="2105293" y="4686757"/>
+            <a:ext cx="1542573" cy="0"/>
+          </a:xfrm>
+          <a:prstGeom prst="straightConnector1">
+            <a:avLst/>
+          </a:prstGeom>
+          <a:ln>
+            <a:tailEnd type="triangle"/>
           </a:ln>
         </p:spPr>
         <p:style>
@@ -43323,10 +42355,10 @@
       </p:cxnSp>
       <p:sp>
         <p:nvSpPr>
-          <p:cNvPr id="85" name="Rectangle 84">
-            <a:extLst>
-              <a:ext uri="{FF2B5EF4-FFF2-40B4-BE49-F238E27FC236}">
-                <a16:creationId xmlns:a16="http://schemas.microsoft.com/office/drawing/2014/main" id="{DEB8DE37-FBE7-981D-1368-003D1D7231E3}"/>
+          <p:cNvPr id="22" name="Rectangle 21">
+            <a:extLst>
+              <a:ext uri="{FF2B5EF4-FFF2-40B4-BE49-F238E27FC236}">
+                <a16:creationId xmlns:a16="http://schemas.microsoft.com/office/drawing/2014/main" id="{8E452D02-B9DD-B79F-451A-6AF1E8A31B3F}"/>
               </a:ext>
             </a:extLst>
           </p:cNvPr>
@@ -43335,8 +42367,8 @@
         </p:nvSpPr>
         <p:spPr>
           <a:xfrm>
-            <a:off x="153163" y="2685223"/>
-            <a:ext cx="3272274" cy="1365387"/>
+            <a:off x="3647867" y="2840479"/>
+            <a:ext cx="1935542" cy="602477"/>
           </a:xfrm>
           <a:prstGeom prst="rect">
             <a:avLst/>
@@ -43364,16 +42396,16 @@
           <a:lstStyle/>
           <a:p>
             <a:pPr algn="ctr"/>
-            <a:endParaRPr lang="en-ZA"/>
+            <a:endParaRPr lang="en-ZA" dirty="0"/>
           </a:p>
         </p:txBody>
       </p:sp>
       <p:sp>
         <p:nvSpPr>
-          <p:cNvPr id="86" name="TextBox 85">
-            <a:extLst>
-              <a:ext uri="{FF2B5EF4-FFF2-40B4-BE49-F238E27FC236}">
-                <a16:creationId xmlns:a16="http://schemas.microsoft.com/office/drawing/2014/main" id="{DDC1B93E-8D98-FCEF-DA1E-1C483EAA16E6}"/>
+          <p:cNvPr id="23" name="TextBox 22">
+            <a:extLst>
+              <a:ext uri="{FF2B5EF4-FFF2-40B4-BE49-F238E27FC236}">
+                <a16:creationId xmlns:a16="http://schemas.microsoft.com/office/drawing/2014/main" id="{910FD95E-71DF-D8DE-DF2F-9DE39B13C9B5}"/>
               </a:ext>
             </a:extLst>
           </p:cNvPr>
@@ -43382,8 +42414,60 @@
         </p:nvSpPr>
         <p:spPr>
           <a:xfrm>
-            <a:off x="1921711" y="2241064"/>
-            <a:ext cx="3077423" cy="369332"/>
+            <a:off x="2147906" y="2417642"/>
+            <a:ext cx="1850322" cy="738664"/>
+          </a:xfrm>
+          <a:prstGeom prst="rect">
+            <a:avLst/>
+          </a:prstGeom>
+          <a:noFill/>
+        </p:spPr>
+        <p:txBody>
+          <a:bodyPr wrap="square" rtlCol="0">
+            <a:spAutoFit/>
+          </a:bodyPr>
+          <a:lstStyle/>
+          <a:p>
+            <a:r>
+              <a:rPr lang="en-US" sz="1400" dirty="0"/>
+              <a:t>If pair (G,P)</a:t>
+            </a:r>
+            <a:r>
+              <a:rPr lang="en-US" sz="1400" baseline="-25000" dirty="0"/>
+              <a:t>1 </a:t>
+            </a:r>
+            <a:r>
+              <a:rPr lang="en-US" sz="1400" dirty="0"/>
+              <a:t>and (G,P)</a:t>
+            </a:r>
+            <a:r>
+              <a:rPr lang="en-US" sz="1400" baseline="-25000" dirty="0"/>
+              <a:t>0 </a:t>
+            </a:r>
+            <a:r>
+              <a:rPr lang="en-US" sz="1400" dirty="0"/>
+              <a:t>becomes available</a:t>
+            </a:r>
+            <a:endParaRPr lang="en-ZA" sz="1400" dirty="0"/>
+          </a:p>
+        </p:txBody>
+      </p:sp>
+      <p:sp>
+        <p:nvSpPr>
+          <p:cNvPr id="25" name="TextBox 24">
+            <a:extLst>
+              <a:ext uri="{FF2B5EF4-FFF2-40B4-BE49-F238E27FC236}">
+                <a16:creationId xmlns:a16="http://schemas.microsoft.com/office/drawing/2014/main" id="{A63761A4-3DFF-9169-7EFE-66F96195917A}"/>
+              </a:ext>
+            </a:extLst>
+          </p:cNvPr>
+          <p:cNvSpPr txBox="1"/>
+          <p:nvPr/>
+        </p:nvSpPr>
+        <p:spPr>
+          <a:xfrm>
+            <a:off x="3647867" y="2957051"/>
+            <a:ext cx="1935542" cy="369332"/>
           </a:xfrm>
           <a:prstGeom prst="rect">
             <a:avLst/>
@@ -43398,7 +42482,993 @@
           <a:p>
             <a:r>
               <a:rPr lang="en-US" dirty="0"/>
-              <a:t>1. Lay out grains for inputs</a:t>
+              <a:t>Calculate (G, P)</a:t>
+            </a:r>
+            <a:r>
+              <a:rPr lang="en-US" baseline="-25000" dirty="0"/>
+              <a:t>1:0</a:t>
+            </a:r>
+            <a:endParaRPr lang="en-ZA" dirty="0"/>
+          </a:p>
+        </p:txBody>
+      </p:sp>
+      <p:sp>
+        <p:nvSpPr>
+          <p:cNvPr id="26" name="TextBox 25">
+            <a:extLst>
+              <a:ext uri="{FF2B5EF4-FFF2-40B4-BE49-F238E27FC236}">
+                <a16:creationId xmlns:a16="http://schemas.microsoft.com/office/drawing/2014/main" id="{36E43E0F-8550-9681-0D86-767490151E8A}"/>
+              </a:ext>
+            </a:extLst>
+          </p:cNvPr>
+          <p:cNvSpPr txBox="1"/>
+          <p:nvPr/>
+        </p:nvSpPr>
+        <p:spPr>
+          <a:xfrm>
+            <a:off x="2147906" y="3948093"/>
+            <a:ext cx="1850322" cy="738664"/>
+          </a:xfrm>
+          <a:prstGeom prst="rect">
+            <a:avLst/>
+          </a:prstGeom>
+          <a:noFill/>
+        </p:spPr>
+        <p:txBody>
+          <a:bodyPr wrap="square" rtlCol="0">
+            <a:spAutoFit/>
+          </a:bodyPr>
+          <a:lstStyle/>
+          <a:p>
+            <a:r>
+              <a:rPr lang="en-US" sz="1400" dirty="0"/>
+              <a:t>If pair (G,P)</a:t>
+            </a:r>
+            <a:r>
+              <a:rPr lang="en-US" sz="1400" baseline="-25000" dirty="0"/>
+              <a:t>2 </a:t>
+            </a:r>
+            <a:r>
+              <a:rPr lang="en-US" sz="1400" dirty="0"/>
+              <a:t>and (G,P)</a:t>
+            </a:r>
+            <a:r>
+              <a:rPr lang="en-US" sz="1400" baseline="-25000" dirty="0"/>
+              <a:t>3 </a:t>
+            </a:r>
+            <a:r>
+              <a:rPr lang="en-US" sz="1400" dirty="0"/>
+              <a:t>becomes available</a:t>
+            </a:r>
+            <a:endParaRPr lang="en-ZA" sz="1400" dirty="0"/>
+          </a:p>
+        </p:txBody>
+      </p:sp>
+      <p:sp>
+        <p:nvSpPr>
+          <p:cNvPr id="29" name="Rectangle 28">
+            <a:extLst>
+              <a:ext uri="{FF2B5EF4-FFF2-40B4-BE49-F238E27FC236}">
+                <a16:creationId xmlns:a16="http://schemas.microsoft.com/office/drawing/2014/main" id="{86EF9D99-00AD-DC45-F6FD-935903CAFFAE}"/>
+              </a:ext>
+            </a:extLst>
+          </p:cNvPr>
+          <p:cNvSpPr/>
+          <p:nvPr/>
+        </p:nvSpPr>
+        <p:spPr>
+          <a:xfrm>
+            <a:off x="3647866" y="4368837"/>
+            <a:ext cx="1935542" cy="602477"/>
+          </a:xfrm>
+          <a:prstGeom prst="rect">
+            <a:avLst/>
+          </a:prstGeom>
+          <a:noFill/>
+        </p:spPr>
+        <p:style>
+          <a:lnRef idx="2">
+            <a:schemeClr val="accent1">
+              <a:shade val="15000"/>
+            </a:schemeClr>
+          </a:lnRef>
+          <a:fillRef idx="1">
+            <a:schemeClr val="accent1"/>
+          </a:fillRef>
+          <a:effectRef idx="0">
+            <a:schemeClr val="accent1"/>
+          </a:effectRef>
+          <a:fontRef idx="minor">
+            <a:schemeClr val="lt1"/>
+          </a:fontRef>
+        </p:style>
+        <p:txBody>
+          <a:bodyPr rtlCol="0" anchor="ctr"/>
+          <a:lstStyle/>
+          <a:p>
+            <a:pPr algn="ctr"/>
+            <a:endParaRPr lang="en-ZA" dirty="0"/>
+          </a:p>
+        </p:txBody>
+      </p:sp>
+      <p:sp>
+        <p:nvSpPr>
+          <p:cNvPr id="30" name="TextBox 29">
+            <a:extLst>
+              <a:ext uri="{FF2B5EF4-FFF2-40B4-BE49-F238E27FC236}">
+                <a16:creationId xmlns:a16="http://schemas.microsoft.com/office/drawing/2014/main" id="{2B9B355C-BC32-28F2-828C-F3E2811156F9}"/>
+              </a:ext>
+            </a:extLst>
+          </p:cNvPr>
+          <p:cNvSpPr txBox="1"/>
+          <p:nvPr/>
+        </p:nvSpPr>
+        <p:spPr>
+          <a:xfrm>
+            <a:off x="3647866" y="4485409"/>
+            <a:ext cx="1935542" cy="369332"/>
+          </a:xfrm>
+          <a:prstGeom prst="rect">
+            <a:avLst/>
+          </a:prstGeom>
+          <a:noFill/>
+        </p:spPr>
+        <p:txBody>
+          <a:bodyPr wrap="square" rtlCol="0">
+            <a:spAutoFit/>
+          </a:bodyPr>
+          <a:lstStyle/>
+          <a:p>
+            <a:r>
+              <a:rPr lang="en-US" dirty="0"/>
+              <a:t>Calculate (G, P)</a:t>
+            </a:r>
+            <a:r>
+              <a:rPr lang="en-US" baseline="-25000" dirty="0"/>
+              <a:t>3:2</a:t>
+            </a:r>
+            <a:endParaRPr lang="en-ZA" dirty="0"/>
+          </a:p>
+        </p:txBody>
+      </p:sp>
+      <p:cxnSp>
+        <p:nvCxnSpPr>
+          <p:cNvPr id="32" name="Straight Arrow Connector 31">
+            <a:extLst>
+              <a:ext uri="{FF2B5EF4-FFF2-40B4-BE49-F238E27FC236}">
+                <a16:creationId xmlns:a16="http://schemas.microsoft.com/office/drawing/2014/main" id="{09FC5E6B-7E4D-D1A1-F3C5-60AFB06B47F7}"/>
+              </a:ext>
+            </a:extLst>
+          </p:cNvPr>
+          <p:cNvCxnSpPr/>
+          <p:nvPr/>
+        </p:nvCxnSpPr>
+        <p:spPr>
+          <a:xfrm>
+            <a:off x="2062680" y="5729274"/>
+            <a:ext cx="1542573" cy="0"/>
+          </a:xfrm>
+          <a:prstGeom prst="straightConnector1">
+            <a:avLst/>
+          </a:prstGeom>
+          <a:ln>
+            <a:tailEnd type="triangle"/>
+          </a:ln>
+        </p:spPr>
+        <p:style>
+          <a:lnRef idx="2">
+            <a:schemeClr val="accent1"/>
+          </a:lnRef>
+          <a:fillRef idx="0">
+            <a:schemeClr val="accent1"/>
+          </a:fillRef>
+          <a:effectRef idx="1">
+            <a:schemeClr val="accent1"/>
+          </a:effectRef>
+          <a:fontRef idx="minor">
+            <a:schemeClr val="tx1"/>
+          </a:fontRef>
+        </p:style>
+      </p:cxnSp>
+      <p:sp>
+        <p:nvSpPr>
+          <p:cNvPr id="33" name="TextBox 32">
+            <a:extLst>
+              <a:ext uri="{FF2B5EF4-FFF2-40B4-BE49-F238E27FC236}">
+                <a16:creationId xmlns:a16="http://schemas.microsoft.com/office/drawing/2014/main" id="{5EE2AFEC-235E-726A-8BC4-91E9CE315DDE}"/>
+              </a:ext>
+            </a:extLst>
+          </p:cNvPr>
+          <p:cNvSpPr txBox="1"/>
+          <p:nvPr/>
+        </p:nvSpPr>
+        <p:spPr>
+          <a:xfrm>
+            <a:off x="2105293" y="4990610"/>
+            <a:ext cx="1850322" cy="738664"/>
+          </a:xfrm>
+          <a:prstGeom prst="rect">
+            <a:avLst/>
+          </a:prstGeom>
+          <a:noFill/>
+        </p:spPr>
+        <p:txBody>
+          <a:bodyPr wrap="square" rtlCol="0">
+            <a:spAutoFit/>
+          </a:bodyPr>
+          <a:lstStyle/>
+          <a:p>
+            <a:r>
+              <a:rPr lang="en-US" sz="1400" dirty="0"/>
+              <a:t>If pair (G,P)</a:t>
+            </a:r>
+            <a:r>
+              <a:rPr lang="en-US" sz="1400" baseline="-25000" dirty="0"/>
+              <a:t>3 </a:t>
+            </a:r>
+            <a:r>
+              <a:rPr lang="en-US" sz="1400" dirty="0"/>
+              <a:t>and (G,P)</a:t>
+            </a:r>
+            <a:r>
+              <a:rPr lang="en-US" sz="1400" baseline="-25000" dirty="0"/>
+              <a:t>0 </a:t>
+            </a:r>
+            <a:r>
+              <a:rPr lang="en-US" sz="1400" dirty="0"/>
+              <a:t>becomes available</a:t>
+            </a:r>
+            <a:endParaRPr lang="en-ZA" sz="1400" dirty="0"/>
+          </a:p>
+        </p:txBody>
+      </p:sp>
+      <p:sp>
+        <p:nvSpPr>
+          <p:cNvPr id="34" name="Rectangle 33">
+            <a:extLst>
+              <a:ext uri="{FF2B5EF4-FFF2-40B4-BE49-F238E27FC236}">
+                <a16:creationId xmlns:a16="http://schemas.microsoft.com/office/drawing/2014/main" id="{A585483E-9D5E-970A-B424-3E9487337C76}"/>
+              </a:ext>
+            </a:extLst>
+          </p:cNvPr>
+          <p:cNvSpPr/>
+          <p:nvPr/>
+        </p:nvSpPr>
+        <p:spPr>
+          <a:xfrm>
+            <a:off x="3605253" y="5411354"/>
+            <a:ext cx="1935542" cy="602477"/>
+          </a:xfrm>
+          <a:prstGeom prst="rect">
+            <a:avLst/>
+          </a:prstGeom>
+          <a:noFill/>
+        </p:spPr>
+        <p:style>
+          <a:lnRef idx="2">
+            <a:schemeClr val="accent1">
+              <a:shade val="15000"/>
+            </a:schemeClr>
+          </a:lnRef>
+          <a:fillRef idx="1">
+            <a:schemeClr val="accent1"/>
+          </a:fillRef>
+          <a:effectRef idx="0">
+            <a:schemeClr val="accent1"/>
+          </a:effectRef>
+          <a:fontRef idx="minor">
+            <a:schemeClr val="lt1"/>
+          </a:fontRef>
+        </p:style>
+        <p:txBody>
+          <a:bodyPr rtlCol="0" anchor="ctr"/>
+          <a:lstStyle/>
+          <a:p>
+            <a:pPr algn="ctr"/>
+            <a:endParaRPr lang="en-ZA" dirty="0"/>
+          </a:p>
+        </p:txBody>
+      </p:sp>
+      <p:sp>
+        <p:nvSpPr>
+          <p:cNvPr id="35" name="TextBox 34">
+            <a:extLst>
+              <a:ext uri="{FF2B5EF4-FFF2-40B4-BE49-F238E27FC236}">
+                <a16:creationId xmlns:a16="http://schemas.microsoft.com/office/drawing/2014/main" id="{3AFFF800-7DAE-340F-591C-035123AC0034}"/>
+              </a:ext>
+            </a:extLst>
+          </p:cNvPr>
+          <p:cNvSpPr txBox="1"/>
+          <p:nvPr/>
+        </p:nvSpPr>
+        <p:spPr>
+          <a:xfrm>
+            <a:off x="3605253" y="5527926"/>
+            <a:ext cx="1935542" cy="369332"/>
+          </a:xfrm>
+          <a:prstGeom prst="rect">
+            <a:avLst/>
+          </a:prstGeom>
+          <a:noFill/>
+        </p:spPr>
+        <p:txBody>
+          <a:bodyPr wrap="square" rtlCol="0">
+            <a:spAutoFit/>
+          </a:bodyPr>
+          <a:lstStyle/>
+          <a:p>
+            <a:r>
+              <a:rPr lang="en-US" dirty="0"/>
+              <a:t>Calculate (G, P)</a:t>
+            </a:r>
+            <a:r>
+              <a:rPr lang="en-US" baseline="-25000" dirty="0"/>
+              <a:t>3:0</a:t>
+            </a:r>
+            <a:endParaRPr lang="en-ZA" dirty="0"/>
+          </a:p>
+        </p:txBody>
+      </p:sp>
+      <p:sp>
+        <p:nvSpPr>
+          <p:cNvPr id="41" name="Rectangle 40">
+            <a:extLst>
+              <a:ext uri="{FF2B5EF4-FFF2-40B4-BE49-F238E27FC236}">
+                <a16:creationId xmlns:a16="http://schemas.microsoft.com/office/drawing/2014/main" id="{21A2DFF6-EECA-134D-097A-9A69C2E027A0}"/>
+              </a:ext>
+            </a:extLst>
+          </p:cNvPr>
+          <p:cNvSpPr/>
+          <p:nvPr/>
+        </p:nvSpPr>
+        <p:spPr>
+          <a:xfrm>
+            <a:off x="6055936" y="2855067"/>
+            <a:ext cx="1935542" cy="602477"/>
+          </a:xfrm>
+          <a:prstGeom prst="rect">
+            <a:avLst/>
+          </a:prstGeom>
+          <a:noFill/>
+        </p:spPr>
+        <p:style>
+          <a:lnRef idx="2">
+            <a:schemeClr val="accent1">
+              <a:shade val="15000"/>
+            </a:schemeClr>
+          </a:lnRef>
+          <a:fillRef idx="1">
+            <a:schemeClr val="accent1"/>
+          </a:fillRef>
+          <a:effectRef idx="0">
+            <a:schemeClr val="accent1"/>
+          </a:effectRef>
+          <a:fontRef idx="minor">
+            <a:schemeClr val="lt1"/>
+          </a:fontRef>
+        </p:style>
+        <p:txBody>
+          <a:bodyPr rtlCol="0" anchor="ctr"/>
+          <a:lstStyle/>
+          <a:p>
+            <a:pPr algn="ctr"/>
+            <a:endParaRPr lang="en-ZA" dirty="0"/>
+          </a:p>
+        </p:txBody>
+      </p:sp>
+      <p:sp>
+        <p:nvSpPr>
+          <p:cNvPr id="42" name="TextBox 41">
+            <a:extLst>
+              <a:ext uri="{FF2B5EF4-FFF2-40B4-BE49-F238E27FC236}">
+                <a16:creationId xmlns:a16="http://schemas.microsoft.com/office/drawing/2014/main" id="{14F46D09-F762-6524-4B01-71DCEBF282B0}"/>
+              </a:ext>
+            </a:extLst>
+          </p:cNvPr>
+          <p:cNvSpPr txBox="1"/>
+          <p:nvPr/>
+        </p:nvSpPr>
+        <p:spPr>
+          <a:xfrm>
+            <a:off x="6055936" y="2971639"/>
+            <a:ext cx="1935542" cy="369332"/>
+          </a:xfrm>
+          <a:prstGeom prst="rect">
+            <a:avLst/>
+          </a:prstGeom>
+          <a:noFill/>
+        </p:spPr>
+        <p:txBody>
+          <a:bodyPr wrap="square" rtlCol="0">
+            <a:spAutoFit/>
+          </a:bodyPr>
+          <a:lstStyle/>
+          <a:p>
+            <a:r>
+              <a:rPr lang="en-US" dirty="0"/>
+              <a:t>Calculate (G, P)</a:t>
+            </a:r>
+            <a:r>
+              <a:rPr lang="en-US" baseline="-25000" dirty="0"/>
+              <a:t>2:0</a:t>
+            </a:r>
+            <a:endParaRPr lang="en-ZA" dirty="0"/>
+          </a:p>
+        </p:txBody>
+      </p:sp>
+      <p:cxnSp>
+        <p:nvCxnSpPr>
+          <p:cNvPr id="46" name="Straight Arrow Connector 45">
+            <a:extLst>
+              <a:ext uri="{FF2B5EF4-FFF2-40B4-BE49-F238E27FC236}">
+                <a16:creationId xmlns:a16="http://schemas.microsoft.com/office/drawing/2014/main" id="{3CE133AB-D98F-BC2F-A1FE-60847A2E8E5C}"/>
+              </a:ext>
+            </a:extLst>
+          </p:cNvPr>
+          <p:cNvCxnSpPr>
+            <a:cxnSpLocks/>
+            <a:endCxn id="42" idx="1"/>
+          </p:cNvCxnSpPr>
+          <p:nvPr/>
+        </p:nvCxnSpPr>
+        <p:spPr>
+          <a:xfrm>
+            <a:off x="5583406" y="3146451"/>
+            <a:ext cx="472530" cy="9854"/>
+          </a:xfrm>
+          <a:prstGeom prst="straightConnector1">
+            <a:avLst/>
+          </a:prstGeom>
+          <a:ln>
+            <a:tailEnd type="triangle"/>
+          </a:ln>
+        </p:spPr>
+        <p:style>
+          <a:lnRef idx="2">
+            <a:schemeClr val="accent1"/>
+          </a:lnRef>
+          <a:fillRef idx="0">
+            <a:schemeClr val="accent1"/>
+          </a:fillRef>
+          <a:effectRef idx="1">
+            <a:schemeClr val="accent1"/>
+          </a:effectRef>
+          <a:fontRef idx="minor">
+            <a:schemeClr val="tx1"/>
+          </a:fontRef>
+        </p:style>
+      </p:cxnSp>
+      <p:cxnSp>
+        <p:nvCxnSpPr>
+          <p:cNvPr id="52" name="Straight Connector 51">
+            <a:extLst>
+              <a:ext uri="{FF2B5EF4-FFF2-40B4-BE49-F238E27FC236}">
+                <a16:creationId xmlns:a16="http://schemas.microsoft.com/office/drawing/2014/main" id="{2A158F1D-1C8D-DE75-9AFE-2370C5B8D15B}"/>
+              </a:ext>
+            </a:extLst>
+          </p:cNvPr>
+          <p:cNvCxnSpPr>
+            <a:cxnSpLocks/>
+          </p:cNvCxnSpPr>
+          <p:nvPr/>
+        </p:nvCxnSpPr>
+        <p:spPr>
+          <a:xfrm>
+            <a:off x="6608594" y="3461776"/>
+            <a:ext cx="0" cy="2267497"/>
+          </a:xfrm>
+          <a:prstGeom prst="line">
+            <a:avLst/>
+          </a:prstGeom>
+        </p:spPr>
+        <p:style>
+          <a:lnRef idx="2">
+            <a:schemeClr val="accent1"/>
+          </a:lnRef>
+          <a:fillRef idx="0">
+            <a:schemeClr val="accent1"/>
+          </a:fillRef>
+          <a:effectRef idx="1">
+            <a:schemeClr val="accent1"/>
+          </a:effectRef>
+          <a:fontRef idx="minor">
+            <a:schemeClr val="tx1"/>
+          </a:fontRef>
+        </p:style>
+      </p:cxnSp>
+      <p:cxnSp>
+        <p:nvCxnSpPr>
+          <p:cNvPr id="55" name="Straight Connector 54">
+            <a:extLst>
+              <a:ext uri="{FF2B5EF4-FFF2-40B4-BE49-F238E27FC236}">
+                <a16:creationId xmlns:a16="http://schemas.microsoft.com/office/drawing/2014/main" id="{DE40309D-6FD0-00E1-D37F-A62868426D87}"/>
+              </a:ext>
+            </a:extLst>
+          </p:cNvPr>
+          <p:cNvCxnSpPr>
+            <a:stCxn id="35" idx="3"/>
+          </p:cNvCxnSpPr>
+          <p:nvPr/>
+        </p:nvCxnSpPr>
+        <p:spPr>
+          <a:xfrm>
+            <a:off x="5540795" y="5712592"/>
+            <a:ext cx="1067799" cy="0"/>
+          </a:xfrm>
+          <a:prstGeom prst="line">
+            <a:avLst/>
+          </a:prstGeom>
+        </p:spPr>
+        <p:style>
+          <a:lnRef idx="2">
+            <a:schemeClr val="accent1"/>
+          </a:lnRef>
+          <a:fillRef idx="0">
+            <a:schemeClr val="accent1"/>
+          </a:fillRef>
+          <a:effectRef idx="1">
+            <a:schemeClr val="accent1"/>
+          </a:effectRef>
+          <a:fontRef idx="minor">
+            <a:schemeClr val="tx1"/>
+          </a:fontRef>
+        </p:style>
+      </p:cxnSp>
+      <p:cxnSp>
+        <p:nvCxnSpPr>
+          <p:cNvPr id="57" name="Straight Connector 56">
+            <a:extLst>
+              <a:ext uri="{FF2B5EF4-FFF2-40B4-BE49-F238E27FC236}">
+                <a16:creationId xmlns:a16="http://schemas.microsoft.com/office/drawing/2014/main" id="{7ABC4C4E-4139-139D-3616-8B3EDA4E88D5}"/>
+              </a:ext>
+            </a:extLst>
+          </p:cNvPr>
+          <p:cNvCxnSpPr>
+            <a:stCxn id="29" idx="3"/>
+          </p:cNvCxnSpPr>
+          <p:nvPr/>
+        </p:nvCxnSpPr>
+        <p:spPr>
+          <a:xfrm flipV="1">
+            <a:off x="5583408" y="4670075"/>
+            <a:ext cx="1025186" cy="1"/>
+          </a:xfrm>
+          <a:prstGeom prst="line">
+            <a:avLst/>
+          </a:prstGeom>
+        </p:spPr>
+        <p:style>
+          <a:lnRef idx="2">
+            <a:schemeClr val="accent1"/>
+          </a:lnRef>
+          <a:fillRef idx="0">
+            <a:schemeClr val="accent1"/>
+          </a:fillRef>
+          <a:effectRef idx="1">
+            <a:schemeClr val="accent1"/>
+          </a:effectRef>
+          <a:fontRef idx="minor">
+            <a:schemeClr val="tx1"/>
+          </a:fontRef>
+        </p:style>
+      </p:cxnSp>
+      <p:cxnSp>
+        <p:nvCxnSpPr>
+          <p:cNvPr id="59" name="Straight Arrow Connector 58">
+            <a:extLst>
+              <a:ext uri="{FF2B5EF4-FFF2-40B4-BE49-F238E27FC236}">
+                <a16:creationId xmlns:a16="http://schemas.microsoft.com/office/drawing/2014/main" id="{CF188553-8459-2ECB-9A5F-31C204CA0C31}"/>
+              </a:ext>
+            </a:extLst>
+          </p:cNvPr>
+          <p:cNvCxnSpPr/>
+          <p:nvPr/>
+        </p:nvCxnSpPr>
+        <p:spPr>
+          <a:xfrm>
+            <a:off x="6608594" y="5175115"/>
+            <a:ext cx="1382884" cy="0"/>
+          </a:xfrm>
+          <a:prstGeom prst="straightConnector1">
+            <a:avLst/>
+          </a:prstGeom>
+          <a:ln>
+            <a:tailEnd type="triangle"/>
+          </a:ln>
+        </p:spPr>
+        <p:style>
+          <a:lnRef idx="2">
+            <a:schemeClr val="accent1"/>
+          </a:lnRef>
+          <a:fillRef idx="0">
+            <a:schemeClr val="accent1"/>
+          </a:fillRef>
+          <a:effectRef idx="1">
+            <a:schemeClr val="accent1"/>
+          </a:effectRef>
+          <a:fontRef idx="minor">
+            <a:schemeClr val="tx1"/>
+          </a:fontRef>
+        </p:style>
+      </p:cxnSp>
+      <p:sp>
+        <p:nvSpPr>
+          <p:cNvPr id="60" name="TextBox 59">
+            <a:extLst>
+              <a:ext uri="{FF2B5EF4-FFF2-40B4-BE49-F238E27FC236}">
+                <a16:creationId xmlns:a16="http://schemas.microsoft.com/office/drawing/2014/main" id="{2737BC5C-4263-4A81-D434-14C342958135}"/>
+              </a:ext>
+            </a:extLst>
+          </p:cNvPr>
+          <p:cNvSpPr txBox="1"/>
+          <p:nvPr/>
+        </p:nvSpPr>
+        <p:spPr>
+          <a:xfrm>
+            <a:off x="6651207" y="4435141"/>
+            <a:ext cx="1340272" cy="738664"/>
+          </a:xfrm>
+          <a:prstGeom prst="rect">
+            <a:avLst/>
+          </a:prstGeom>
+          <a:noFill/>
+        </p:spPr>
+        <p:txBody>
+          <a:bodyPr wrap="square" rtlCol="0">
+            <a:spAutoFit/>
+          </a:bodyPr>
+          <a:lstStyle/>
+          <a:p>
+            <a:r>
+              <a:rPr lang="en-US" sz="1400" dirty="0"/>
+              <a:t>If pair (G,P)</a:t>
+            </a:r>
+            <a:r>
+              <a:rPr lang="en-US" sz="1400" baseline="-25000" dirty="0"/>
+              <a:t>i:0 </a:t>
+            </a:r>
+            <a:r>
+              <a:rPr lang="en-US" sz="1400" dirty="0"/>
+              <a:t>becomes available</a:t>
+            </a:r>
+            <a:endParaRPr lang="en-ZA" sz="1400" dirty="0"/>
+          </a:p>
+        </p:txBody>
+      </p:sp>
+      <p:sp>
+        <p:nvSpPr>
+          <p:cNvPr id="61" name="Rectangle 60">
+            <a:extLst>
+              <a:ext uri="{FF2B5EF4-FFF2-40B4-BE49-F238E27FC236}">
+                <a16:creationId xmlns:a16="http://schemas.microsoft.com/office/drawing/2014/main" id="{F2527025-8D51-5D92-162A-4595A4E91D40}"/>
+              </a:ext>
+            </a:extLst>
+          </p:cNvPr>
+          <p:cNvSpPr/>
+          <p:nvPr/>
+        </p:nvSpPr>
+        <p:spPr>
+          <a:xfrm>
+            <a:off x="7993695" y="4873876"/>
+            <a:ext cx="1539411" cy="602477"/>
+          </a:xfrm>
+          <a:prstGeom prst="rect">
+            <a:avLst/>
+          </a:prstGeom>
+          <a:noFill/>
+        </p:spPr>
+        <p:style>
+          <a:lnRef idx="2">
+            <a:schemeClr val="accent1">
+              <a:shade val="15000"/>
+            </a:schemeClr>
+          </a:lnRef>
+          <a:fillRef idx="1">
+            <a:schemeClr val="accent1"/>
+          </a:fillRef>
+          <a:effectRef idx="0">
+            <a:schemeClr val="accent1"/>
+          </a:effectRef>
+          <a:fontRef idx="minor">
+            <a:schemeClr val="lt1"/>
+          </a:fontRef>
+        </p:style>
+        <p:txBody>
+          <a:bodyPr rtlCol="0" anchor="ctr"/>
+          <a:lstStyle/>
+          <a:p>
+            <a:pPr algn="ctr"/>
+            <a:endParaRPr lang="en-ZA" dirty="0"/>
+          </a:p>
+        </p:txBody>
+      </p:sp>
+      <p:sp>
+        <p:nvSpPr>
+          <p:cNvPr id="62" name="TextBox 61">
+            <a:extLst>
+              <a:ext uri="{FF2B5EF4-FFF2-40B4-BE49-F238E27FC236}">
+                <a16:creationId xmlns:a16="http://schemas.microsoft.com/office/drawing/2014/main" id="{FC5760B8-2FB8-07EA-83C6-4DAE39F2506E}"/>
+              </a:ext>
+            </a:extLst>
+          </p:cNvPr>
+          <p:cNvSpPr txBox="1"/>
+          <p:nvPr/>
+        </p:nvSpPr>
+        <p:spPr>
+          <a:xfrm>
+            <a:off x="7993695" y="4990448"/>
+            <a:ext cx="1617231" cy="369332"/>
+          </a:xfrm>
+          <a:prstGeom prst="rect">
+            <a:avLst/>
+          </a:prstGeom>
+          <a:noFill/>
+        </p:spPr>
+        <p:txBody>
+          <a:bodyPr wrap="square" rtlCol="0">
+            <a:spAutoFit/>
+          </a:bodyPr>
+          <a:lstStyle/>
+          <a:p>
+            <a:r>
+              <a:rPr lang="en-US" dirty="0"/>
+              <a:t>Calculate C</a:t>
+            </a:r>
+            <a:r>
+              <a:rPr lang="en-US" baseline="-25000" dirty="0"/>
+              <a:t>i+1</a:t>
+            </a:r>
+            <a:endParaRPr lang="en-ZA" dirty="0"/>
+          </a:p>
+        </p:txBody>
+      </p:sp>
+      <p:sp>
+        <p:nvSpPr>
+          <p:cNvPr id="63" name="TextBox 62">
+            <a:extLst>
+              <a:ext uri="{FF2B5EF4-FFF2-40B4-BE49-F238E27FC236}">
+                <a16:creationId xmlns:a16="http://schemas.microsoft.com/office/drawing/2014/main" id="{07460A52-F2D2-7644-8BC7-073FD9C98541}"/>
+              </a:ext>
+            </a:extLst>
+          </p:cNvPr>
+          <p:cNvSpPr txBox="1"/>
+          <p:nvPr/>
+        </p:nvSpPr>
+        <p:spPr>
+          <a:xfrm>
+            <a:off x="9771621" y="3619048"/>
+            <a:ext cx="1340272" cy="523220"/>
+          </a:xfrm>
+          <a:prstGeom prst="rect">
+            <a:avLst/>
+          </a:prstGeom>
+          <a:noFill/>
+        </p:spPr>
+        <p:txBody>
+          <a:bodyPr wrap="square" rtlCol="0">
+            <a:spAutoFit/>
+          </a:bodyPr>
+          <a:lstStyle/>
+          <a:p>
+            <a:r>
+              <a:rPr lang="en-US" sz="1400" dirty="0"/>
+              <a:t>If C</a:t>
+            </a:r>
+            <a:r>
+              <a:rPr lang="en-US" sz="1400" baseline="-25000" dirty="0"/>
+              <a:t>i </a:t>
+            </a:r>
+            <a:r>
+              <a:rPr lang="en-US" sz="1400" dirty="0"/>
+              <a:t>becomes available</a:t>
+            </a:r>
+            <a:endParaRPr lang="en-ZA" sz="1400" dirty="0"/>
+          </a:p>
+        </p:txBody>
+      </p:sp>
+      <p:cxnSp>
+        <p:nvCxnSpPr>
+          <p:cNvPr id="64" name="Straight Connector 63">
+            <a:extLst>
+              <a:ext uri="{FF2B5EF4-FFF2-40B4-BE49-F238E27FC236}">
+                <a16:creationId xmlns:a16="http://schemas.microsoft.com/office/drawing/2014/main" id="{0C370DC9-74FC-F8AB-985A-EC20F125A5F4}"/>
+              </a:ext>
+            </a:extLst>
+          </p:cNvPr>
+          <p:cNvCxnSpPr>
+            <a:cxnSpLocks/>
+          </p:cNvCxnSpPr>
+          <p:nvPr/>
+        </p:nvCxnSpPr>
+        <p:spPr>
+          <a:xfrm>
+            <a:off x="8434151" y="5474455"/>
+            <a:ext cx="0" cy="685451"/>
+          </a:xfrm>
+          <a:prstGeom prst="line">
+            <a:avLst/>
+          </a:prstGeom>
+        </p:spPr>
+        <p:style>
+          <a:lnRef idx="2">
+            <a:schemeClr val="accent1"/>
+          </a:lnRef>
+          <a:fillRef idx="0">
+            <a:schemeClr val="accent1"/>
+          </a:fillRef>
+          <a:effectRef idx="1">
+            <a:schemeClr val="accent1"/>
+          </a:effectRef>
+          <a:fontRef idx="minor">
+            <a:schemeClr val="tx1"/>
+          </a:fontRef>
+        </p:style>
+      </p:cxnSp>
+      <p:cxnSp>
+        <p:nvCxnSpPr>
+          <p:cNvPr id="66" name="Straight Arrow Connector 65">
+            <a:extLst>
+              <a:ext uri="{FF2B5EF4-FFF2-40B4-BE49-F238E27FC236}">
+                <a16:creationId xmlns:a16="http://schemas.microsoft.com/office/drawing/2014/main" id="{3D11FE5A-A5B3-A1DB-A673-248850D850E1}"/>
+              </a:ext>
+            </a:extLst>
+          </p:cNvPr>
+          <p:cNvCxnSpPr/>
+          <p:nvPr/>
+        </p:nvCxnSpPr>
+        <p:spPr>
+          <a:xfrm>
+            <a:off x="8434151" y="6159906"/>
+            <a:ext cx="1542573" cy="0"/>
+          </a:xfrm>
+          <a:prstGeom prst="straightConnector1">
+            <a:avLst/>
+          </a:prstGeom>
+          <a:ln>
+            <a:tailEnd type="triangle"/>
+          </a:ln>
+        </p:spPr>
+        <p:style>
+          <a:lnRef idx="2">
+            <a:schemeClr val="accent1"/>
+          </a:lnRef>
+          <a:fillRef idx="0">
+            <a:schemeClr val="accent1"/>
+          </a:fillRef>
+          <a:effectRef idx="1">
+            <a:schemeClr val="accent1"/>
+          </a:effectRef>
+          <a:fontRef idx="minor">
+            <a:schemeClr val="tx1"/>
+          </a:fontRef>
+        </p:style>
+      </p:cxnSp>
+      <p:sp>
+        <p:nvSpPr>
+          <p:cNvPr id="68" name="TextBox 67">
+            <a:extLst>
+              <a:ext uri="{FF2B5EF4-FFF2-40B4-BE49-F238E27FC236}">
+                <a16:creationId xmlns:a16="http://schemas.microsoft.com/office/drawing/2014/main" id="{67C0C5CC-49D4-7575-3680-DAC9EBC16141}"/>
+              </a:ext>
+            </a:extLst>
+          </p:cNvPr>
+          <p:cNvSpPr txBox="1"/>
+          <p:nvPr/>
+        </p:nvSpPr>
+        <p:spPr>
+          <a:xfrm>
+            <a:off x="8434151" y="5635648"/>
+            <a:ext cx="1935537" cy="523220"/>
+          </a:xfrm>
+          <a:prstGeom prst="rect">
+            <a:avLst/>
+          </a:prstGeom>
+          <a:noFill/>
+        </p:spPr>
+        <p:txBody>
+          <a:bodyPr wrap="square" rtlCol="0">
+            <a:spAutoFit/>
+          </a:bodyPr>
+          <a:lstStyle/>
+          <a:p>
+            <a:r>
+              <a:rPr lang="en-US" sz="1400" dirty="0"/>
+              <a:t>If C</a:t>
+            </a:r>
+            <a:r>
+              <a:rPr lang="en-US" sz="1400" baseline="-25000" dirty="0"/>
+              <a:t>i</a:t>
+            </a:r>
+            <a:r>
+              <a:rPr lang="en-US" sz="1400" dirty="0"/>
+              <a:t> becomes available</a:t>
+            </a:r>
+            <a:endParaRPr lang="en-ZA" sz="1400" dirty="0"/>
+          </a:p>
+        </p:txBody>
+      </p:sp>
+      <p:sp>
+        <p:nvSpPr>
+          <p:cNvPr id="69" name="Rectangle 68">
+            <a:extLst>
+              <a:ext uri="{FF2B5EF4-FFF2-40B4-BE49-F238E27FC236}">
+                <a16:creationId xmlns:a16="http://schemas.microsoft.com/office/drawing/2014/main" id="{5B4A7F2C-7A18-00BC-F743-F0B20B332BB8}"/>
+              </a:ext>
+            </a:extLst>
+          </p:cNvPr>
+          <p:cNvSpPr/>
+          <p:nvPr/>
+        </p:nvSpPr>
+        <p:spPr>
+          <a:xfrm>
+            <a:off x="9976724" y="5900591"/>
+            <a:ext cx="1539411" cy="602477"/>
+          </a:xfrm>
+          <a:prstGeom prst="rect">
+            <a:avLst/>
+          </a:prstGeom>
+          <a:noFill/>
+        </p:spPr>
+        <p:style>
+          <a:lnRef idx="2">
+            <a:schemeClr val="accent1">
+              <a:shade val="15000"/>
+            </a:schemeClr>
+          </a:lnRef>
+          <a:fillRef idx="1">
+            <a:schemeClr val="accent1"/>
+          </a:fillRef>
+          <a:effectRef idx="0">
+            <a:schemeClr val="accent1"/>
+          </a:effectRef>
+          <a:fontRef idx="minor">
+            <a:schemeClr val="lt1"/>
+          </a:fontRef>
+        </p:style>
+        <p:txBody>
+          <a:bodyPr rtlCol="0" anchor="ctr"/>
+          <a:lstStyle/>
+          <a:p>
+            <a:pPr algn="ctr"/>
+            <a:endParaRPr lang="en-ZA" dirty="0"/>
+          </a:p>
+        </p:txBody>
+      </p:sp>
+      <p:sp>
+        <p:nvSpPr>
+          <p:cNvPr id="70" name="TextBox 69">
+            <a:extLst>
+              <a:ext uri="{FF2B5EF4-FFF2-40B4-BE49-F238E27FC236}">
+                <a16:creationId xmlns:a16="http://schemas.microsoft.com/office/drawing/2014/main" id="{1A2D904D-15D5-0010-E680-95E0D8C7C4C0}"/>
+              </a:ext>
+            </a:extLst>
+          </p:cNvPr>
+          <p:cNvSpPr txBox="1"/>
+          <p:nvPr/>
+        </p:nvSpPr>
+        <p:spPr>
+          <a:xfrm>
+            <a:off x="9976724" y="6017163"/>
+            <a:ext cx="1617231" cy="369332"/>
+          </a:xfrm>
+          <a:prstGeom prst="rect">
+            <a:avLst/>
+          </a:prstGeom>
+          <a:noFill/>
+        </p:spPr>
+        <p:txBody>
+          <a:bodyPr wrap="square" rtlCol="0">
+            <a:spAutoFit/>
+          </a:bodyPr>
+          <a:lstStyle/>
+          <a:p>
+            <a:r>
+              <a:rPr lang="en-US" dirty="0"/>
+              <a:t>Calculate S</a:t>
+            </a:r>
+            <a:r>
+              <a:rPr lang="en-US" baseline="-25000" dirty="0"/>
+              <a:t>i</a:t>
             </a:r>
             <a:endParaRPr lang="en-ZA" dirty="0"/>
           </a:p>
@@ -43407,7 +43477,7 @@
     </p:spTree>
     <p:extLst>
       <p:ext uri="{BB962C8B-B14F-4D97-AF65-F5344CB8AC3E}">
-        <p14:creationId xmlns:p14="http://schemas.microsoft.com/office/powerpoint/2010/main" val="3483243340"/>
+        <p14:creationId xmlns:p14="http://schemas.microsoft.com/office/powerpoint/2010/main" val="2797252203"/>
       </p:ext>
     </p:extLst>
   </p:cSld>
